--- a/public-defense/slides.pptx
+++ b/public-defense/slides.pptx
@@ -5,7 +5,7 @@
     <p:sldMasterId id="2147483648" r:id="rId1"/>
   </p:sldMasterIdLst>
   <p:notesMasterIdLst>
-    <p:notesMasterId r:id="rId53"/>
+    <p:notesMasterId r:id="rId54"/>
   </p:notesMasterIdLst>
   <p:sldIdLst>
     <p:sldId id="256" r:id="rId2"/>
@@ -44,21 +44,22 @@
     <p:sldId id="304" r:id="rId35"/>
     <p:sldId id="322" r:id="rId36"/>
     <p:sldId id="323" r:id="rId37"/>
-    <p:sldId id="294" r:id="rId38"/>
-    <p:sldId id="293" r:id="rId39"/>
-    <p:sldId id="295" r:id="rId40"/>
-    <p:sldId id="296" r:id="rId41"/>
-    <p:sldId id="297" r:id="rId42"/>
-    <p:sldId id="303" r:id="rId43"/>
-    <p:sldId id="318" r:id="rId44"/>
-    <p:sldId id="319" r:id="rId45"/>
-    <p:sldId id="312" r:id="rId46"/>
-    <p:sldId id="313" r:id="rId47"/>
-    <p:sldId id="320" r:id="rId48"/>
-    <p:sldId id="321" r:id="rId49"/>
-    <p:sldId id="315" r:id="rId50"/>
-    <p:sldId id="314" r:id="rId51"/>
-    <p:sldId id="316" r:id="rId52"/>
+    <p:sldId id="326" r:id="rId38"/>
+    <p:sldId id="327" r:id="rId39"/>
+    <p:sldId id="293" r:id="rId40"/>
+    <p:sldId id="295" r:id="rId41"/>
+    <p:sldId id="296" r:id="rId42"/>
+    <p:sldId id="297" r:id="rId43"/>
+    <p:sldId id="303" r:id="rId44"/>
+    <p:sldId id="318" r:id="rId45"/>
+    <p:sldId id="319" r:id="rId46"/>
+    <p:sldId id="312" r:id="rId47"/>
+    <p:sldId id="313" r:id="rId48"/>
+    <p:sldId id="320" r:id="rId49"/>
+    <p:sldId id="321" r:id="rId50"/>
+    <p:sldId id="315" r:id="rId51"/>
+    <p:sldId id="314" r:id="rId52"/>
+    <p:sldId id="316" r:id="rId53"/>
   </p:sldIdLst>
   <p:sldSz cx="9144000" cy="6858000" type="screen4x3"/>
   <p:notesSz cx="6858000" cy="9144000"/>
@@ -824,6 +825,170 @@
               <a:rPr lang="en-US" smtClean="0"/>
               <a:pPr/>
               <a:t>36</a:t>
+            </a:fld>
+            <a:endParaRPr lang="en-US"/>
+          </a:p>
+        </p:txBody>
+      </p:sp>
+    </p:spTree>
+  </p:cSld>
+  <p:clrMapOvr>
+    <a:masterClrMapping/>
+  </p:clrMapOvr>
+</p:notes>
+</file>
+
+<file path=ppt/notesSlides/notesSlide5.xml><?xml version="1.0" encoding="utf-8"?>
+<p:notes xmlns:a="http://schemas.openxmlformats.org/drawingml/2006/main" xmlns:r="http://schemas.openxmlformats.org/officeDocument/2006/relationships" xmlns:p="http://schemas.openxmlformats.org/presentationml/2006/main">
+  <p:cSld>
+    <p:spTree>
+      <p:nvGrpSpPr>
+        <p:cNvPr id="1" name=""/>
+        <p:cNvGrpSpPr/>
+        <p:nvPr/>
+      </p:nvGrpSpPr>
+      <p:grpSpPr>
+        <a:xfrm>
+          <a:off x="0" y="0"/>
+          <a:ext cx="0" cy="0"/>
+          <a:chOff x="0" y="0"/>
+          <a:chExt cx="0" cy="0"/>
+        </a:xfrm>
+      </p:grpSpPr>
+      <p:sp>
+        <p:nvSpPr>
+          <p:cNvPr id="2" name="Espace réservé de l'image des diapositives 1"/>
+          <p:cNvSpPr>
+            <a:spLocks noGrp="1" noRot="1" noChangeAspect="1"/>
+          </p:cNvSpPr>
+          <p:nvPr>
+            <p:ph type="sldImg"/>
+          </p:nvPr>
+        </p:nvSpPr>
+        <p:spPr/>
+      </p:sp>
+      <p:sp>
+        <p:nvSpPr>
+          <p:cNvPr id="3" name="Espace réservé des commentaires 2"/>
+          <p:cNvSpPr>
+            <a:spLocks noGrp="1"/>
+          </p:cNvSpPr>
+          <p:nvPr>
+            <p:ph type="body" idx="1"/>
+          </p:nvPr>
+        </p:nvSpPr>
+        <p:spPr/>
+        <p:txBody>
+          <a:bodyPr>
+            <a:normAutofit/>
+          </a:bodyPr>
+          <a:lstStyle/>
+          <a:p>
+            <a:endParaRPr lang="en-US" dirty="0"/>
+          </a:p>
+        </p:txBody>
+      </p:sp>
+      <p:sp>
+        <p:nvSpPr>
+          <p:cNvPr id="4" name="Espace réservé du numéro de diapositive 3"/>
+          <p:cNvSpPr>
+            <a:spLocks noGrp="1"/>
+          </p:cNvSpPr>
+          <p:nvPr>
+            <p:ph type="sldNum" sz="quarter" idx="10"/>
+          </p:nvPr>
+        </p:nvSpPr>
+        <p:spPr/>
+        <p:txBody>
+          <a:bodyPr/>
+          <a:lstStyle/>
+          <a:p>
+            <a:fld id="{BD481E0B-C0F8-42D1-85E0-E2E721F62CBE}" type="slidenum">
+              <a:rPr lang="en-US" smtClean="0"/>
+              <a:pPr/>
+              <a:t>37</a:t>
+            </a:fld>
+            <a:endParaRPr lang="en-US"/>
+          </a:p>
+        </p:txBody>
+      </p:sp>
+    </p:spTree>
+  </p:cSld>
+  <p:clrMapOvr>
+    <a:masterClrMapping/>
+  </p:clrMapOvr>
+</p:notes>
+</file>
+
+<file path=ppt/notesSlides/notesSlide6.xml><?xml version="1.0" encoding="utf-8"?>
+<p:notes xmlns:a="http://schemas.openxmlformats.org/drawingml/2006/main" xmlns:r="http://schemas.openxmlformats.org/officeDocument/2006/relationships" xmlns:p="http://schemas.openxmlformats.org/presentationml/2006/main">
+  <p:cSld>
+    <p:spTree>
+      <p:nvGrpSpPr>
+        <p:cNvPr id="1" name=""/>
+        <p:cNvGrpSpPr/>
+        <p:nvPr/>
+      </p:nvGrpSpPr>
+      <p:grpSpPr>
+        <a:xfrm>
+          <a:off x="0" y="0"/>
+          <a:ext cx="0" cy="0"/>
+          <a:chOff x="0" y="0"/>
+          <a:chExt cx="0" cy="0"/>
+        </a:xfrm>
+      </p:grpSpPr>
+      <p:sp>
+        <p:nvSpPr>
+          <p:cNvPr id="2" name="Espace réservé de l'image des diapositives 1"/>
+          <p:cNvSpPr>
+            <a:spLocks noGrp="1" noRot="1" noChangeAspect="1"/>
+          </p:cNvSpPr>
+          <p:nvPr>
+            <p:ph type="sldImg"/>
+          </p:nvPr>
+        </p:nvSpPr>
+        <p:spPr/>
+      </p:sp>
+      <p:sp>
+        <p:nvSpPr>
+          <p:cNvPr id="3" name="Espace réservé des commentaires 2"/>
+          <p:cNvSpPr>
+            <a:spLocks noGrp="1"/>
+          </p:cNvSpPr>
+          <p:nvPr>
+            <p:ph type="body" idx="1"/>
+          </p:nvPr>
+        </p:nvSpPr>
+        <p:spPr/>
+        <p:txBody>
+          <a:bodyPr>
+            <a:normAutofit/>
+          </a:bodyPr>
+          <a:lstStyle/>
+          <a:p>
+            <a:endParaRPr lang="en-US" dirty="0"/>
+          </a:p>
+        </p:txBody>
+      </p:sp>
+      <p:sp>
+        <p:nvSpPr>
+          <p:cNvPr id="4" name="Espace réservé du numéro de diapositive 3"/>
+          <p:cNvSpPr>
+            <a:spLocks noGrp="1"/>
+          </p:cNvSpPr>
+          <p:nvPr>
+            <p:ph type="sldNum" sz="quarter" idx="10"/>
+          </p:nvPr>
+        </p:nvSpPr>
+        <p:spPr/>
+        <p:txBody>
+          <a:bodyPr/>
+          <a:lstStyle/>
+          <a:p>
+            <a:fld id="{BD481E0B-C0F8-42D1-85E0-E2E721F62CBE}" type="slidenum">
+              <a:rPr lang="en-US" smtClean="0"/>
+              <a:pPr/>
+              <a:t>38</a:t>
             </a:fld>
             <a:endParaRPr lang="en-US"/>
           </a:p>
@@ -5773,11 +5938,7 @@
               <a:p>
                 <a:r>
                   <a:rPr lang="en-US" sz="2400" b="1" dirty="0" smtClean="0"/>
-                  <a:t>request </a:t>
-                </a:r>
-                <a:r>
-                  <a:rPr lang="en-US" sz="2400" b="1" dirty="0" smtClean="0"/>
-                  <a:t>bicycle</a:t>
+                  <a:t>request bicycle</a:t>
                 </a:r>
                 <a:endParaRPr lang="en-US" sz="2400" b="1" dirty="0"/>
               </a:p>
@@ -5988,18 +6149,7 @@
                   </a:solidFill>
                   <a:latin typeface="Berlin Sans FB" pitchFamily="34" charset="0"/>
                 </a:rPr>
-                <a:t>Subscribing and identification </a:t>
-              </a:r>
-              <a:r>
-                <a:rPr lang="en-US" sz="2400" dirty="0" smtClean="0">
-                  <a:solidFill>
-                    <a:schemeClr val="bg1">
-                      <a:lumMod val="65000"/>
-                    </a:schemeClr>
-                  </a:solidFill>
-                  <a:latin typeface="Berlin Sans FB" pitchFamily="34" charset="0"/>
-                </a:rPr>
-                <a:t>[…]</a:t>
+                <a:t>Subscribing and identification […]</a:t>
               </a:r>
               <a:endParaRPr lang="en-US" sz="2400" dirty="0">
                 <a:solidFill>
@@ -6697,11 +6847,7 @@
             <a:pPr lvl="1"/>
             <a:r>
               <a:rPr lang="en-US" dirty="0" smtClean="0"/>
-              <a:t>Elaborating </a:t>
-            </a:r>
-            <a:r>
-              <a:rPr lang="en-US" dirty="0" smtClean="0"/>
-              <a:t>requirements and exploring designs</a:t>
+              <a:t>Elaborating requirements and exploring designs</a:t>
             </a:r>
           </a:p>
           <a:p>
@@ -6712,11 +6858,7 @@
             </a:pPr>
             <a:r>
               <a:rPr lang="en-US" dirty="0" smtClean="0"/>
-              <a:t>They </a:t>
-            </a:r>
-            <a:r>
-              <a:rPr lang="en-US" dirty="0" smtClean="0"/>
-              <a:t>also help building the </a:t>
+              <a:t>They also help building the </a:t>
             </a:r>
             <a:r>
               <a:rPr lang="en-US" u="sng" dirty="0" smtClean="0"/>
@@ -6734,21 +6876,8 @@
             </a:pPr>
             <a:r>
               <a:rPr lang="en-US" dirty="0" smtClean="0"/>
-              <a:t>C</a:t>
+              <a:t>Code generation from high-level abstractions</a:t>
             </a:r>
-            <a:r>
-              <a:rPr lang="en-US" dirty="0" smtClean="0"/>
-              <a:t>ode </a:t>
-            </a:r>
-            <a:r>
-              <a:rPr lang="en-US" dirty="0" smtClean="0"/>
-              <a:t>generation from high-level </a:t>
-            </a:r>
-            <a:r>
-              <a:rPr lang="en-US" dirty="0" smtClean="0"/>
-              <a:t>abstractions</a:t>
-            </a:r>
-            <a:endParaRPr lang="en-US" dirty="0" smtClean="0"/>
           </a:p>
         </p:txBody>
       </p:sp>
@@ -7749,13 +7878,7 @@
               <a:rPr lang="en-US" sz="2800" dirty="0" smtClean="0">
                 <a:latin typeface="Berlin Sans FB" pitchFamily="34" charset="0"/>
               </a:rPr>
-              <a:t> </a:t>
-            </a:r>
-            <a:r>
-              <a:rPr lang="en-US" sz="2800" dirty="0" smtClean="0">
-                <a:latin typeface="Berlin Sans FB" pitchFamily="34" charset="0"/>
-              </a:rPr>
-              <a:t>that interact so as to fulfill </a:t>
+              <a:t> that interact so as to fulfill </a:t>
             </a:r>
             <a:r>
               <a:rPr lang="en-US" sz="2800" b="1" dirty="0" smtClean="0">
@@ -7770,13 +7893,7 @@
               <a:rPr lang="en-US" sz="2800" dirty="0" smtClean="0">
                 <a:latin typeface="Berlin Sans FB" pitchFamily="34" charset="0"/>
               </a:rPr>
-              <a:t>. They restrict </a:t>
-            </a:r>
-            <a:r>
-              <a:rPr lang="en-US" sz="2800" dirty="0" smtClean="0">
-                <a:latin typeface="Berlin Sans FB" pitchFamily="34" charset="0"/>
-              </a:rPr>
-              <a:t>their </a:t>
+              <a:t>. They restrict their </a:t>
             </a:r>
             <a:r>
               <a:rPr lang="en-US" sz="2800" b="1" dirty="0" smtClean="0">
@@ -7791,13 +7908,7 @@
               <a:rPr lang="en-US" sz="2800" dirty="0" smtClean="0">
                 <a:latin typeface="Berlin Sans FB" pitchFamily="34" charset="0"/>
               </a:rPr>
-              <a:t> to meet </a:t>
-            </a:r>
-            <a:r>
-              <a:rPr lang="en-US" sz="2800" dirty="0" smtClean="0">
-                <a:latin typeface="Berlin Sans FB" pitchFamily="34" charset="0"/>
-              </a:rPr>
-              <a:t>specific </a:t>
+              <a:t> to meet specific </a:t>
             </a:r>
             <a:r>
               <a:rPr lang="en-US" sz="2800" b="1" dirty="0" smtClean="0">
@@ -7817,12 +7928,6 @@
               </a:rPr>
               <a:t>.</a:t>
             </a:r>
-            <a:endParaRPr lang="en-US" sz="2800" dirty="0" smtClean="0">
-              <a:solidFill>
-                <a:srgbClr val="7030A0"/>
-              </a:solidFill>
-              <a:latin typeface="Berlin Sans FB" pitchFamily="34" charset="0"/>
-            </a:endParaRPr>
           </a:p>
         </p:txBody>
       </p:sp>
@@ -8184,19 +8289,7 @@
               <a:rPr lang="en-US" sz="2800" dirty="0" smtClean="0">
                 <a:latin typeface="Berlin Sans FB" pitchFamily="34" charset="0"/>
               </a:rPr>
-              <a:t>A system is a set of </a:t>
-            </a:r>
-            <a:r>
-              <a:rPr lang="en-US" sz="2800" dirty="0" smtClean="0">
-                <a:latin typeface="Berlin Sans FB" pitchFamily="34" charset="0"/>
-              </a:rPr>
-              <a:t>agents </a:t>
-            </a:r>
-            <a:r>
-              <a:rPr lang="en-US" sz="2800" dirty="0" smtClean="0">
-                <a:latin typeface="Berlin Sans FB" pitchFamily="34" charset="0"/>
-              </a:rPr>
-              <a:t>that </a:t>
+              <a:t>A system is a set of agents that </a:t>
             </a:r>
             <a:r>
               <a:rPr lang="en-US" sz="2800" b="1" dirty="0" smtClean="0">
@@ -8226,13 +8319,7 @@
               <a:rPr lang="en-US" sz="2800" dirty="0" smtClean="0">
                 <a:latin typeface="Berlin Sans FB" pitchFamily="34" charset="0"/>
               </a:rPr>
-              <a:t> </a:t>
-            </a:r>
-            <a:r>
-              <a:rPr lang="en-US" sz="2800" dirty="0" smtClean="0">
-                <a:latin typeface="Berlin Sans FB" pitchFamily="34" charset="0"/>
-              </a:rPr>
-              <a:t>goals. They </a:t>
+              <a:t> goals. They </a:t>
             </a:r>
             <a:r>
               <a:rPr lang="en-US" sz="2800" b="1" dirty="0" smtClean="0">
@@ -8247,13 +8334,7 @@
               <a:rPr lang="en-US" sz="2800" dirty="0" smtClean="0">
                 <a:latin typeface="Berlin Sans FB" pitchFamily="34" charset="0"/>
               </a:rPr>
-              <a:t> </a:t>
-            </a:r>
-            <a:r>
-              <a:rPr lang="en-US" sz="2800" dirty="0" smtClean="0">
-                <a:latin typeface="Berlin Sans FB" pitchFamily="34" charset="0"/>
-              </a:rPr>
-              <a:t>their behavior to </a:t>
+              <a:t> their behavior to </a:t>
             </a:r>
             <a:r>
               <a:rPr lang="en-US" sz="2800" b="1" dirty="0" smtClean="0">
@@ -8268,17 +8349,8 @@
               <a:rPr lang="en-US" sz="2800" dirty="0" smtClean="0">
                 <a:latin typeface="Berlin Sans FB" pitchFamily="34" charset="0"/>
               </a:rPr>
-              <a:t> </a:t>
+              <a:t> specific requirements.</a:t>
             </a:r>
-            <a:r>
-              <a:rPr lang="en-US" sz="2800" dirty="0" smtClean="0">
-                <a:latin typeface="Berlin Sans FB" pitchFamily="34" charset="0"/>
-              </a:rPr>
-              <a:t>specific requirements.</a:t>
-            </a:r>
-            <a:endParaRPr lang="en-US" sz="2800" dirty="0" smtClean="0">
-              <a:latin typeface="Berlin Sans FB" pitchFamily="34" charset="0"/>
-            </a:endParaRPr>
           </a:p>
         </p:txBody>
       </p:sp>
@@ -12989,17 +13061,7 @@
                   <a:latin typeface="Berlin Sans FB" pitchFamily="34" charset="0"/>
                   <a:sym typeface="Symbol"/>
                 </a:rPr>
-                <a:t>=&gt; </a:t>
-              </a:r>
-              <a:r>
-                <a:rPr lang="en-US" sz="2800" dirty="0" smtClean="0">
-                  <a:solidFill>
-                    <a:schemeClr val="bg1"/>
-                  </a:solidFill>
-                  <a:latin typeface="Berlin Sans FB" pitchFamily="34" charset="0"/>
-                  <a:sym typeface="Symbol"/>
-                </a:rPr>
-                <a:t>Cyclist </a:t>
+                <a:t>=&gt; Cyclist </a:t>
               </a:r>
               <a:r>
                 <a:rPr lang="en-US" sz="2800" dirty="0" smtClean="0">
@@ -13533,13 +13595,7 @@
               <a:rPr lang="en-US" sz="3200" dirty="0" smtClean="0">
                 <a:latin typeface="Berlin Sans FB" pitchFamily="34" charset="0"/>
               </a:rPr>
-              <a:t>Agents restrict their behavior to meet </a:t>
-            </a:r>
-            <a:r>
-              <a:rPr lang="en-US" sz="3200" dirty="0" smtClean="0">
-                <a:latin typeface="Berlin Sans FB" pitchFamily="34" charset="0"/>
-              </a:rPr>
-              <a:t>their requirements, i.e. the goals they are responsible for</a:t>
+              <a:t>Agents restrict their behavior to meet their requirements, i.e. the goals they are responsible for</a:t>
             </a:r>
             <a:endParaRPr lang="en-US" sz="3200" dirty="0">
               <a:latin typeface="Berlin Sans FB" pitchFamily="34" charset="0"/>
@@ -15882,13 +15938,7 @@
               <a:rPr lang="en-US" sz="3200" dirty="0" smtClean="0">
                 <a:latin typeface="Berlin Sans FB" pitchFamily="34" charset="0"/>
               </a:rPr>
-              <a:t>Agents restrict their behavior to meet </a:t>
-            </a:r>
-            <a:r>
-              <a:rPr lang="en-US" sz="3200" dirty="0" smtClean="0">
-                <a:latin typeface="Berlin Sans FB" pitchFamily="34" charset="0"/>
-              </a:rPr>
-              <a:t>their requirements</a:t>
+              <a:t>Agents restrict their behavior to meet their requirements</a:t>
             </a:r>
             <a:endParaRPr lang="en-US" sz="3200" dirty="0">
               <a:latin typeface="Berlin Sans FB" pitchFamily="34" charset="0"/>
@@ -15974,17 +16024,7 @@
                   <a:latin typeface="Berlin Sans FB" pitchFamily="34" charset="0"/>
                   <a:sym typeface="Symbol"/>
                 </a:rPr>
-                <a:t>=&gt; </a:t>
-              </a:r>
-              <a:r>
-                <a:rPr lang="en-US" sz="2400" dirty="0" smtClean="0">
-                  <a:solidFill>
-                    <a:schemeClr val="bg1"/>
-                  </a:solidFill>
-                  <a:latin typeface="Berlin Sans FB" pitchFamily="34" charset="0"/>
-                  <a:sym typeface="Symbol"/>
-                </a:rPr>
-                <a:t>Cyclist </a:t>
+                <a:t>=&gt; Cyclist </a:t>
               </a:r>
               <a:r>
                 <a:rPr lang="en-US" sz="2400" dirty="0" smtClean="0">
@@ -16682,19 +16722,7 @@
               <a:rPr lang="en-US" sz="3600" dirty="0" smtClean="0">
                 <a:latin typeface="Berlin Sans FB" pitchFamily="34" charset="0"/>
               </a:rPr>
-              <a:t>fluent </a:t>
-            </a:r>
-            <a:r>
-              <a:rPr lang="en-US" sz="3600" dirty="0" smtClean="0">
-                <a:latin typeface="Berlin Sans FB" pitchFamily="34" charset="0"/>
-              </a:rPr>
-              <a:t>Cyclist Logged = </a:t>
-            </a:r>
-            <a:r>
-              <a:rPr lang="en-US" sz="3600" dirty="0" smtClean="0">
-                <a:latin typeface="Berlin Sans FB" pitchFamily="34" charset="0"/>
-              </a:rPr>
-              <a:t>&lt;</a:t>
+              <a:t>fluent Cyclist Logged = &lt;</a:t>
             </a:r>
           </a:p>
           <a:p>
@@ -16766,19 +16794,7 @@
               <a:rPr lang="en-US" sz="3200" dirty="0" smtClean="0">
                 <a:latin typeface="Berlin Sans FB" pitchFamily="34" charset="0"/>
               </a:rPr>
-              <a:t>The </a:t>
-            </a:r>
-            <a:r>
-              <a:rPr lang="en-US" sz="3200" dirty="0" smtClean="0">
-                <a:latin typeface="Berlin Sans FB" pitchFamily="34" charset="0"/>
-              </a:rPr>
-              <a:t>cyclist is </a:t>
-            </a:r>
-            <a:r>
-              <a:rPr lang="en-US" sz="3200" dirty="0" smtClean="0">
-                <a:latin typeface="Berlin Sans FB" pitchFamily="34" charset="0"/>
-              </a:rPr>
-              <a:t>automatically </a:t>
+              <a:t>The cyclist is automatically </a:t>
             </a:r>
             <a:br>
               <a:rPr lang="en-US" sz="3200" dirty="0" smtClean="0">
@@ -16789,25 +16805,7 @@
               <a:rPr lang="en-US" sz="3200" dirty="0" smtClean="0">
                 <a:latin typeface="Berlin Sans FB" pitchFamily="34" charset="0"/>
               </a:rPr>
-              <a:t>unlogged when a </a:t>
-            </a:r>
-            <a:r>
-              <a:rPr lang="en-US" sz="3200" dirty="0" smtClean="0">
-                <a:latin typeface="Berlin Sans FB" pitchFamily="34" charset="0"/>
-              </a:rPr>
-              <a:t>bicycle is released and </a:t>
-            </a:r>
-            <a:r>
-              <a:rPr lang="en-US" sz="3200" dirty="0" smtClean="0">
-                <a:latin typeface="Berlin Sans FB" pitchFamily="34" charset="0"/>
-              </a:rPr>
-              <a:t>the ride started </a:t>
-            </a:r>
-            <a:r>
-              <a:rPr lang="en-US" sz="3200" dirty="0" smtClean="0">
-                <a:latin typeface="Berlin Sans FB" pitchFamily="34" charset="0"/>
-              </a:rPr>
-              <a:t>accordingly</a:t>
+              <a:t>unlogged when a bicycle is released and the ride started accordingly</a:t>
             </a:r>
             <a:endParaRPr lang="en-US" sz="3200" dirty="0">
               <a:latin typeface="Berlin Sans FB" pitchFamily="34" charset="0"/>
@@ -20207,15 +20205,7 @@
             </a:pPr>
             <a:r>
               <a:rPr lang="en-US" dirty="0" smtClean="0"/>
-              <a:t>High-quality models should be adequate, consistent, complete, precise, analyzable, comprehensible [</a:t>
-            </a:r>
-            <a:r>
-              <a:rPr lang="en-US" dirty="0" smtClean="0"/>
-              <a:t>Avl09</a:t>
-            </a:r>
-            <a:r>
-              <a:rPr lang="en-US" dirty="0" smtClean="0"/>
-              <a:t>]</a:t>
+              <a:t>High-quality models should be adequate, consistent, complete, precise, analyzable, comprehensible [Avl09]</a:t>
             </a:r>
           </a:p>
         </p:txBody>
@@ -20817,15 +20807,7 @@
             <a:pPr algn="l"/>
             <a:r>
               <a:rPr lang="en-US" dirty="0" smtClean="0"/>
-              <a:t>Automated support for </a:t>
-            </a:r>
-            <a:r>
-              <a:rPr lang="en-US" dirty="0" smtClean="0"/>
-              <a:t>high-quality system </a:t>
-            </a:r>
-            <a:r>
-              <a:rPr lang="en-US" dirty="0" smtClean="0"/>
-              <a:t>modeling</a:t>
+              <a:t>Automated support for high-quality system modeling</a:t>
             </a:r>
             <a:endParaRPr lang="en-US" dirty="0"/>
           </a:p>
@@ -20855,7 +20837,6 @@
               <a:rPr lang="en-US" dirty="0" smtClean="0"/>
               <a:t>Consistency</a:t>
             </a:r>
-            <a:endParaRPr lang="en-US" dirty="0" smtClean="0"/>
           </a:p>
           <a:p>
             <a:pPr lvl="1"/>
@@ -20885,15 +20866,7 @@
             </a:r>
             <a:r>
               <a:rPr lang="en-US" dirty="0" smtClean="0"/>
-              <a:t> them, </a:t>
-            </a:r>
-            <a:r>
-              <a:rPr lang="en-US" dirty="0" smtClean="0"/>
-              <a:t>Correct </a:t>
-            </a:r>
-            <a:r>
-              <a:rPr lang="en-US" dirty="0" smtClean="0"/>
-              <a:t>the model and the properties…</a:t>
+              <a:t> them, Correct the model and the properties…</a:t>
             </a:r>
           </a:p>
           <a:p>
@@ -20906,7 +20879,6 @@
               <a:rPr lang="en-US" dirty="0" smtClean="0"/>
               <a:t>Completion</a:t>
             </a:r>
-            <a:endParaRPr lang="en-US" dirty="0" smtClean="0"/>
           </a:p>
           <a:p>
             <a:pPr lvl="1"/>
@@ -20936,15 +20908,7 @@
             </a:r>
             <a:r>
               <a:rPr lang="en-US" dirty="0" smtClean="0"/>
-              <a:t> them, </a:t>
-            </a:r>
-            <a:r>
-              <a:rPr lang="en-US" dirty="0" smtClean="0"/>
-              <a:t>Complete </a:t>
-            </a:r>
-            <a:r>
-              <a:rPr lang="en-US" dirty="0" smtClean="0"/>
-              <a:t>the model and the properties…</a:t>
+              <a:t> them, Complete the model and the properties…</a:t>
             </a:r>
             <a:endParaRPr lang="en-US" dirty="0"/>
           </a:p>
@@ -21419,319 +21383,308 @@
         <p:spPr/>
         <p:txBody>
           <a:bodyPr>
-            <a:normAutofit fontScale="90000"/>
+            <a:normAutofit/>
           </a:bodyPr>
           <a:lstStyle/>
           <a:p>
             <a:pPr algn="l"/>
             <a:r>
               <a:rPr lang="en-US" dirty="0" smtClean="0"/>
-              <a:t>Formal framework for system modeling</a:t>
+              <a:t>A framework </a:t>
+            </a:r>
+            <a:r>
+              <a:rPr lang="en-US" dirty="0" smtClean="0"/>
+              <a:t>for system modeling</a:t>
             </a:r>
             <a:endParaRPr lang="en-US" dirty="0"/>
           </a:p>
         </p:txBody>
       </p:sp>
-      <p:grpSp>
-        <p:nvGrpSpPr>
-          <p:cNvPr id="20" name="Groupe 19"/>
-          <p:cNvGrpSpPr/>
+      <p:sp>
+        <p:nvSpPr>
+          <p:cNvPr id="15" name="Ellipse 14"/>
+          <p:cNvSpPr/>
           <p:nvPr/>
-        </p:nvGrpSpPr>
-        <p:grpSpPr>
+        </p:nvSpPr>
+        <p:spPr>
           <a:xfrm>
-            <a:off x="611560" y="1196752"/>
-            <a:ext cx="8321169" cy="5465276"/>
-            <a:chOff x="611560" y="1196752"/>
-            <a:chExt cx="8321169" cy="5465276"/>
+            <a:off x="2123728" y="1554705"/>
+            <a:ext cx="4824536" cy="4684694"/>
           </a:xfrm>
-        </p:grpSpPr>
-        <p:sp>
-          <p:nvSpPr>
-            <p:cNvPr id="21" name="Nuage 20"/>
-            <p:cNvSpPr/>
-            <p:nvPr/>
-          </p:nvSpPr>
-          <p:spPr>
-            <a:xfrm>
-              <a:off x="3271494" y="3140968"/>
-              <a:ext cx="2529005" cy="1512168"/>
-            </a:xfrm>
-            <a:prstGeom prst="cloud">
-              <a:avLst/>
-            </a:prstGeom>
-            <a:ln w="53975"/>
-          </p:spPr>
-          <p:style>
-            <a:lnRef idx="2">
-              <a:schemeClr val="dk1"/>
-            </a:lnRef>
-            <a:fillRef idx="1">
-              <a:schemeClr val="lt1"/>
-            </a:fillRef>
-            <a:effectRef idx="0">
-              <a:schemeClr val="dk1"/>
-            </a:effectRef>
-            <a:fontRef idx="minor">
-              <a:schemeClr val="dk1"/>
-            </a:fontRef>
-          </p:style>
-          <p:txBody>
-            <a:bodyPr wrap="none" lIns="0" tIns="0" rIns="0" bIns="0" rtlCol="0" anchor="ctr">
-              <a:normAutofit/>
-            </a:bodyPr>
-            <a:lstStyle/>
-            <a:p>
-              <a:pPr algn="ctr"/>
-              <a:r>
-                <a:rPr lang="en-US" sz="2800" dirty="0" smtClean="0">
-                  <a:latin typeface="Berlin Sans FB" pitchFamily="34" charset="0"/>
-                </a:rPr>
-                <a:t>Trace </a:t>
-              </a:r>
-              <a:r>
-                <a:rPr lang="en-US" sz="2800" dirty="0" smtClean="0">
-                  <a:latin typeface="Berlin Sans FB" pitchFamily="34" charset="0"/>
-                </a:rPr>
-                <a:t/>
-              </a:r>
-              <a:br>
-                <a:rPr lang="en-US" sz="2800" dirty="0" smtClean="0">
-                  <a:latin typeface="Berlin Sans FB" pitchFamily="34" charset="0"/>
-                </a:rPr>
-              </a:br>
-              <a:r>
-                <a:rPr lang="en-US" sz="2800" dirty="0" smtClean="0">
-                  <a:latin typeface="Berlin Sans FB" pitchFamily="34" charset="0"/>
-                </a:rPr>
-                <a:t>semantics</a:t>
-              </a:r>
-              <a:endParaRPr lang="en-US" sz="2800" dirty="0">
+          <a:prstGeom prst="ellipse">
+            <a:avLst/>
+          </a:prstGeom>
+          <a:noFill/>
+          <a:ln w="85725">
+            <a:solidFill>
+              <a:schemeClr val="tx1"/>
+            </a:solidFill>
+            <a:prstDash val="sysDash"/>
+          </a:ln>
+        </p:spPr>
+        <p:style>
+          <a:lnRef idx="2">
+            <a:schemeClr val="accent2"/>
+          </a:lnRef>
+          <a:fillRef idx="1">
+            <a:schemeClr val="lt1"/>
+          </a:fillRef>
+          <a:effectRef idx="0">
+            <a:schemeClr val="accent2"/>
+          </a:effectRef>
+          <a:fontRef idx="minor">
+            <a:schemeClr val="dk1"/>
+          </a:fontRef>
+        </p:style>
+        <p:txBody>
+          <a:bodyPr rtlCol="0" anchor="ctr"/>
+          <a:lstStyle/>
+          <a:p>
+            <a:pPr algn="ctr"/>
+            <a:endParaRPr lang="en-US"/>
+          </a:p>
+        </p:txBody>
+      </p:sp>
+      <p:pic>
+        <p:nvPicPr>
+          <p:cNvPr id="16" name="Image 15" descr="goals.png"/>
+          <p:cNvPicPr>
+            <a:picLocks noChangeAspect="1"/>
+          </p:cNvPicPr>
+          <p:nvPr/>
+        </p:nvPicPr>
+        <p:blipFill>
+          <a:blip r:embed="rId3" cstate="print"/>
+          <a:stretch>
+            <a:fillRect/>
+          </a:stretch>
+        </p:blipFill>
+        <p:spPr>
+          <a:xfrm>
+            <a:off x="971600" y="3861049"/>
+            <a:ext cx="1728190" cy="1493580"/>
+          </a:xfrm>
+          <a:prstGeom prst="rect">
+            <a:avLst/>
+          </a:prstGeom>
+          <a:solidFill>
+            <a:schemeClr val="lt1">
+              <a:alpha val="90000"/>
+            </a:schemeClr>
+          </a:solidFill>
+        </p:spPr>
+      </p:pic>
+      <p:pic>
+        <p:nvPicPr>
+          <p:cNvPr id="17" name="Image 16" descr="state-machine.png"/>
+          <p:cNvPicPr>
+            <a:picLocks noChangeAspect="1"/>
+          </p:cNvPicPr>
+          <p:nvPr/>
+        </p:nvPicPr>
+        <p:blipFill>
+          <a:blip r:embed="rId4" cstate="print"/>
+          <a:stretch>
+            <a:fillRect/>
+          </a:stretch>
+        </p:blipFill>
+        <p:spPr>
+          <a:xfrm>
+            <a:off x="5868144" y="2636912"/>
+            <a:ext cx="3064585" cy="1080120"/>
+          </a:xfrm>
+          <a:prstGeom prst="rect">
+            <a:avLst/>
+          </a:prstGeom>
+          <a:solidFill>
+            <a:schemeClr val="lt1">
+              <a:alpha val="90000"/>
+            </a:schemeClr>
+          </a:solidFill>
+        </p:spPr>
+      </p:pic>
+      <p:pic>
+        <p:nvPicPr>
+          <p:cNvPr id="18" name="Image 17" descr="composed-system.png"/>
+          <p:cNvPicPr>
+            <a:picLocks noChangeAspect="1"/>
+          </p:cNvPicPr>
+          <p:nvPr/>
+        </p:nvPicPr>
+        <p:blipFill>
+          <a:blip r:embed="rId5" cstate="print"/>
+          <a:stretch>
+            <a:fillRect/>
+          </a:stretch>
+        </p:blipFill>
+        <p:spPr>
+          <a:xfrm>
+            <a:off x="4473906" y="1412776"/>
+            <a:ext cx="3770502" cy="936104"/>
+          </a:xfrm>
+          <a:prstGeom prst="rect">
+            <a:avLst/>
+          </a:prstGeom>
+          <a:solidFill>
+            <a:schemeClr val="lt1">
+              <a:alpha val="90000"/>
+            </a:schemeClr>
+          </a:solidFill>
+        </p:spPr>
+      </p:pic>
+      <p:pic>
+        <p:nvPicPr>
+          <p:cNvPr id="19" name="Image 18" descr="negative-scenario.png"/>
+          <p:cNvPicPr>
+            <a:picLocks noChangeAspect="1"/>
+          </p:cNvPicPr>
+          <p:nvPr/>
+        </p:nvPicPr>
+        <p:blipFill>
+          <a:blip r:embed="rId6" cstate="print"/>
+          <a:stretch>
+            <a:fillRect/>
+          </a:stretch>
+        </p:blipFill>
+        <p:spPr>
+          <a:xfrm>
+            <a:off x="3059832" y="5085184"/>
+            <a:ext cx="2430940" cy="1539460"/>
+          </a:xfrm>
+          <a:prstGeom prst="rect">
+            <a:avLst/>
+          </a:prstGeom>
+          <a:solidFill>
+            <a:schemeClr val="lt1">
+              <a:alpha val="90000"/>
+            </a:schemeClr>
+          </a:solidFill>
+        </p:spPr>
+      </p:pic>
+      <p:pic>
+        <p:nvPicPr>
+          <p:cNvPr id="29" name="Image 28" descr="positive-scenario.png"/>
+          <p:cNvPicPr>
+            <a:picLocks noChangeAspect="1"/>
+          </p:cNvPicPr>
+          <p:nvPr/>
+        </p:nvPicPr>
+        <p:blipFill>
+          <a:blip r:embed="rId7" cstate="print"/>
+          <a:stretch>
+            <a:fillRect/>
+          </a:stretch>
+        </p:blipFill>
+        <p:spPr>
+          <a:xfrm>
+            <a:off x="683568" y="1628801"/>
+            <a:ext cx="2533000" cy="1750873"/>
+          </a:xfrm>
+          <a:prstGeom prst="rect">
+            <a:avLst/>
+          </a:prstGeom>
+          <a:solidFill>
+            <a:schemeClr val="lt1">
+              <a:alpha val="90000"/>
+            </a:schemeClr>
+          </a:solidFill>
+        </p:spPr>
+      </p:pic>
+      <p:pic>
+        <p:nvPicPr>
+          <p:cNvPr id="30" name="Image 29" descr="hmsc.png"/>
+          <p:cNvPicPr>
+            <a:picLocks noChangeAspect="1"/>
+          </p:cNvPicPr>
+          <p:nvPr/>
+        </p:nvPicPr>
+        <p:blipFill>
+          <a:blip r:embed="rId8" cstate="print"/>
+          <a:stretch>
+            <a:fillRect/>
+          </a:stretch>
+        </p:blipFill>
+        <p:spPr>
+          <a:xfrm>
+            <a:off x="5872111" y="4221088"/>
+            <a:ext cx="2084265" cy="2160240"/>
+          </a:xfrm>
+          <a:prstGeom prst="rect">
+            <a:avLst/>
+          </a:prstGeom>
+          <a:solidFill>
+            <a:schemeClr val="lt1">
+              <a:alpha val="90000"/>
+            </a:schemeClr>
+          </a:solidFill>
+        </p:spPr>
+      </p:pic>
+      <p:sp>
+        <p:nvSpPr>
+          <p:cNvPr id="21" name="Nuage 20"/>
+          <p:cNvSpPr/>
+          <p:nvPr/>
+        </p:nvSpPr>
+        <p:spPr>
+          <a:xfrm>
+            <a:off x="3131841" y="3140968"/>
+            <a:ext cx="2808312" cy="1512168"/>
+          </a:xfrm>
+          <a:prstGeom prst="cloud">
+            <a:avLst/>
+          </a:prstGeom>
+          <a:ln w="53975"/>
+        </p:spPr>
+        <p:style>
+          <a:lnRef idx="2">
+            <a:schemeClr val="dk1"/>
+          </a:lnRef>
+          <a:fillRef idx="1">
+            <a:schemeClr val="lt1"/>
+          </a:fillRef>
+          <a:effectRef idx="0">
+            <a:schemeClr val="dk1"/>
+          </a:effectRef>
+          <a:fontRef idx="minor">
+            <a:schemeClr val="dk1"/>
+          </a:fontRef>
+        </p:style>
+        <p:txBody>
+          <a:bodyPr wrap="none" lIns="0" tIns="72000" rIns="0" bIns="0" rtlCol="0" anchor="ctr">
+            <a:noAutofit/>
+          </a:bodyPr>
+          <a:lstStyle/>
+          <a:p>
+            <a:pPr algn="ctr"/>
+            <a:r>
+              <a:rPr lang="en-US" sz="2600" dirty="0" smtClean="0">
                 <a:latin typeface="Berlin Sans FB" pitchFamily="34" charset="0"/>
-              </a:endParaRPr>
-            </a:p>
-          </p:txBody>
-        </p:sp>
-        <p:sp>
-          <p:nvSpPr>
-            <p:cNvPr id="22" name="Ellipse 21"/>
-            <p:cNvSpPr/>
-            <p:nvPr/>
-          </p:nvSpPr>
-          <p:spPr>
-            <a:xfrm>
-              <a:off x="2123728" y="1554705"/>
-              <a:ext cx="4824536" cy="4684694"/>
-            </a:xfrm>
-            <a:prstGeom prst="ellipse">
-              <a:avLst/>
-            </a:prstGeom>
-            <a:noFill/>
-            <a:ln w="85725">
-              <a:solidFill>
-                <a:schemeClr val="tx1"/>
-              </a:solidFill>
-              <a:prstDash val="sysDash"/>
-            </a:ln>
-          </p:spPr>
-          <p:style>
-            <a:lnRef idx="2">
-              <a:schemeClr val="accent2"/>
-            </a:lnRef>
-            <a:fillRef idx="1">
-              <a:schemeClr val="lt1"/>
-            </a:fillRef>
-            <a:effectRef idx="0">
-              <a:schemeClr val="accent2"/>
-            </a:effectRef>
-            <a:fontRef idx="minor">
-              <a:schemeClr val="dk1"/>
-            </a:fontRef>
-          </p:style>
-          <p:txBody>
-            <a:bodyPr rtlCol="0" anchor="ctr"/>
-            <a:lstStyle/>
-            <a:p>
-              <a:pPr algn="ctr"/>
-              <a:endParaRPr lang="en-US"/>
-            </a:p>
-          </p:txBody>
-        </p:sp>
-        <p:pic>
-          <p:nvPicPr>
-            <p:cNvPr id="23" name="Image 22" descr="goals.png"/>
-            <p:cNvPicPr>
-              <a:picLocks noChangeAspect="1"/>
-            </p:cNvPicPr>
-            <p:nvPr/>
-          </p:nvPicPr>
-          <p:blipFill>
-            <a:blip r:embed="rId3" cstate="print"/>
-            <a:stretch>
-              <a:fillRect/>
-            </a:stretch>
-          </p:blipFill>
-          <p:spPr>
-            <a:xfrm>
-              <a:off x="6372201" y="4077072"/>
-              <a:ext cx="1656182" cy="1431347"/>
-            </a:xfrm>
-            <a:prstGeom prst="rect">
-              <a:avLst/>
-            </a:prstGeom>
-            <a:solidFill>
-              <a:schemeClr val="lt1">
-                <a:alpha val="90000"/>
-              </a:schemeClr>
-            </a:solidFill>
-          </p:spPr>
-        </p:pic>
-        <p:pic>
-          <p:nvPicPr>
-            <p:cNvPr id="24" name="Image 23" descr="negative-scenario.png"/>
-            <p:cNvPicPr>
-              <a:picLocks noChangeAspect="1"/>
-            </p:cNvPicPr>
-            <p:nvPr/>
-          </p:nvPicPr>
-          <p:blipFill>
-            <a:blip r:embed="rId4" cstate="print"/>
-            <a:stretch>
-              <a:fillRect/>
-            </a:stretch>
-          </p:blipFill>
-          <p:spPr>
-            <a:xfrm>
-              <a:off x="3419872" y="5157192"/>
-              <a:ext cx="2376264" cy="1504836"/>
-            </a:xfrm>
-            <a:prstGeom prst="rect">
-              <a:avLst/>
-            </a:prstGeom>
-            <a:solidFill>
-              <a:schemeClr val="lt1">
-                <a:alpha val="90000"/>
-              </a:schemeClr>
-            </a:solidFill>
-          </p:spPr>
-        </p:pic>
-        <p:pic>
-          <p:nvPicPr>
-            <p:cNvPr id="25" name="Image 24" descr="positive-scenario.png"/>
-            <p:cNvPicPr>
-              <a:picLocks noChangeAspect="1"/>
-            </p:cNvPicPr>
-            <p:nvPr/>
-          </p:nvPicPr>
-          <p:blipFill>
-            <a:blip r:embed="rId5" cstate="print"/>
-            <a:stretch>
-              <a:fillRect/>
-            </a:stretch>
-          </p:blipFill>
-          <p:spPr>
-            <a:xfrm>
-              <a:off x="611560" y="1844824"/>
-              <a:ext cx="2404795" cy="1662255"/>
-            </a:xfrm>
-            <a:prstGeom prst="rect">
-              <a:avLst/>
-            </a:prstGeom>
-            <a:solidFill>
-              <a:schemeClr val="lt1">
-                <a:alpha val="90000"/>
-              </a:schemeClr>
-            </a:solidFill>
-          </p:spPr>
-        </p:pic>
-        <p:pic>
-          <p:nvPicPr>
-            <p:cNvPr id="26" name="Image 25" descr="state-machine.png"/>
-            <p:cNvPicPr>
-              <a:picLocks noChangeAspect="1"/>
-            </p:cNvPicPr>
-            <p:nvPr/>
-          </p:nvPicPr>
-          <p:blipFill>
-            <a:blip r:embed="rId6" cstate="print"/>
-            <a:stretch>
-              <a:fillRect/>
-            </a:stretch>
-          </p:blipFill>
-          <p:spPr>
-            <a:xfrm>
-              <a:off x="5868144" y="2636912"/>
-              <a:ext cx="3064585" cy="1080120"/>
-            </a:xfrm>
-            <a:prstGeom prst="rect">
-              <a:avLst/>
-            </a:prstGeom>
-            <a:solidFill>
-              <a:schemeClr val="lt1">
-                <a:alpha val="90000"/>
-              </a:schemeClr>
-            </a:solidFill>
-          </p:spPr>
-        </p:pic>
-        <p:pic>
-          <p:nvPicPr>
-            <p:cNvPr id="27" name="Image 26" descr="composed-system.png"/>
-            <p:cNvPicPr>
-              <a:picLocks noChangeAspect="1"/>
-            </p:cNvPicPr>
-            <p:nvPr/>
-          </p:nvPicPr>
-          <p:blipFill>
-            <a:blip r:embed="rId7" cstate="print"/>
-            <a:stretch>
-              <a:fillRect/>
-            </a:stretch>
-          </p:blipFill>
-          <p:spPr>
-            <a:xfrm>
-              <a:off x="4473906" y="1196752"/>
-              <a:ext cx="3770502" cy="936104"/>
-            </a:xfrm>
-            <a:prstGeom prst="rect">
-              <a:avLst/>
-            </a:prstGeom>
-            <a:solidFill>
-              <a:schemeClr val="lt1">
-                <a:alpha val="90000"/>
-              </a:schemeClr>
-            </a:solidFill>
-          </p:spPr>
-        </p:pic>
-        <p:pic>
-          <p:nvPicPr>
-            <p:cNvPr id="28" name="Image 27" descr="hmsc.png"/>
-            <p:cNvPicPr>
-              <a:picLocks noChangeAspect="1"/>
-            </p:cNvPicPr>
-            <p:nvPr/>
-          </p:nvPicPr>
-          <p:blipFill>
-            <a:blip r:embed="rId8" cstate="print"/>
-            <a:stretch>
-              <a:fillRect/>
-            </a:stretch>
-          </p:blipFill>
-          <p:spPr>
-            <a:xfrm>
-              <a:off x="611560" y="3861048"/>
-              <a:ext cx="2014789" cy="2088232"/>
-            </a:xfrm>
-            <a:prstGeom prst="rect">
-              <a:avLst/>
-            </a:prstGeom>
-            <a:solidFill>
-              <a:schemeClr val="lt1">
-                <a:alpha val="90000"/>
-              </a:schemeClr>
-            </a:solidFill>
-          </p:spPr>
-        </p:pic>
-      </p:grpSp>
+              </a:rPr>
+              <a:t>Formal trace </a:t>
+            </a:r>
+            <a:r>
+              <a:rPr lang="en-US" sz="2600" dirty="0" smtClean="0">
+                <a:latin typeface="Berlin Sans FB" pitchFamily="34" charset="0"/>
+              </a:rPr>
+              <a:t/>
+            </a:r>
+            <a:br>
+              <a:rPr lang="en-US" sz="2600" dirty="0" smtClean="0">
+                <a:latin typeface="Berlin Sans FB" pitchFamily="34" charset="0"/>
+              </a:rPr>
+            </a:br>
+            <a:r>
+              <a:rPr lang="en-US" sz="2600" dirty="0" smtClean="0">
+                <a:latin typeface="Berlin Sans FB" pitchFamily="34" charset="0"/>
+              </a:rPr>
+              <a:t>semantics</a:t>
+            </a:r>
+            <a:endParaRPr lang="en-US" sz="2600" dirty="0">
+              <a:latin typeface="Berlin Sans FB" pitchFamily="34" charset="0"/>
+            </a:endParaRPr>
+          </a:p>
+        </p:txBody>
+      </p:sp>
     </p:spTree>
   </p:cSld>
   <p:clrMapOvr>
@@ -21764,240 +21717,51 @@
           <a:chExt cx="0" cy="0"/>
         </a:xfrm>
       </p:grpSpPr>
-      <p:grpSp>
-        <p:nvGrpSpPr>
-          <p:cNvPr id="16" name="Groupe 15"/>
-          <p:cNvGrpSpPr/>
+      <p:sp>
+        <p:nvSpPr>
+          <p:cNvPr id="19" name="Ellipse 18"/>
+          <p:cNvSpPr/>
           <p:nvPr/>
-        </p:nvGrpSpPr>
-        <p:grpSpPr>
+        </p:nvSpPr>
+        <p:spPr>
           <a:xfrm>
-            <a:off x="611560" y="1196752"/>
-            <a:ext cx="8321169" cy="5465276"/>
-            <a:chOff x="611560" y="1196752"/>
-            <a:chExt cx="8321169" cy="5465276"/>
+            <a:off x="2123728" y="1554705"/>
+            <a:ext cx="4824536" cy="4684694"/>
           </a:xfrm>
-        </p:grpSpPr>
-        <p:sp>
-          <p:nvSpPr>
-            <p:cNvPr id="19" name="Ellipse 18"/>
-            <p:cNvSpPr/>
-            <p:nvPr/>
-          </p:nvSpPr>
-          <p:spPr>
-            <a:xfrm>
-              <a:off x="2123728" y="1554705"/>
-              <a:ext cx="4824536" cy="4684694"/>
-            </a:xfrm>
-            <a:prstGeom prst="ellipse">
-              <a:avLst/>
-            </a:prstGeom>
-            <a:noFill/>
-            <a:ln w="85725">
-              <a:solidFill>
-                <a:schemeClr val="tx1"/>
-              </a:solidFill>
-              <a:prstDash val="sysDash"/>
-            </a:ln>
-          </p:spPr>
-          <p:style>
-            <a:lnRef idx="2">
-              <a:schemeClr val="accent2"/>
-            </a:lnRef>
-            <a:fillRef idx="1">
-              <a:schemeClr val="lt1"/>
-            </a:fillRef>
-            <a:effectRef idx="0">
-              <a:schemeClr val="accent2"/>
-            </a:effectRef>
-            <a:fontRef idx="minor">
-              <a:schemeClr val="dk1"/>
-            </a:fontRef>
-          </p:style>
-          <p:txBody>
-            <a:bodyPr rtlCol="0" anchor="ctr"/>
-            <a:lstStyle/>
-            <a:p>
-              <a:pPr algn="ctr"/>
-              <a:endParaRPr lang="en-US"/>
-            </a:p>
-          </p:txBody>
-        </p:sp>
-        <p:pic>
-          <p:nvPicPr>
-            <p:cNvPr id="9" name="Image 8" descr="goals.png"/>
-            <p:cNvPicPr>
-              <a:picLocks noChangeAspect="1"/>
-            </p:cNvPicPr>
-            <p:nvPr/>
-          </p:nvPicPr>
-          <p:blipFill>
-            <a:blip r:embed="rId3" cstate="print"/>
-            <a:stretch>
-              <a:fillRect/>
-            </a:stretch>
-          </p:blipFill>
-          <p:spPr>
-            <a:xfrm>
-              <a:off x="6372201" y="4077072"/>
-              <a:ext cx="1656182" cy="1431347"/>
-            </a:xfrm>
-            <a:prstGeom prst="rect">
-              <a:avLst/>
-            </a:prstGeom>
+          <a:prstGeom prst="ellipse">
+            <a:avLst/>
+          </a:prstGeom>
+          <a:noFill/>
+          <a:ln w="85725">
             <a:solidFill>
-              <a:schemeClr val="lt1">
-                <a:alpha val="90000"/>
-              </a:schemeClr>
+              <a:schemeClr val="tx1"/>
             </a:solidFill>
-          </p:spPr>
-        </p:pic>
-        <p:pic>
-          <p:nvPicPr>
-            <p:cNvPr id="10" name="Image 9" descr="negative-scenario.png"/>
-            <p:cNvPicPr>
-              <a:picLocks noChangeAspect="1"/>
-            </p:cNvPicPr>
-            <p:nvPr/>
-          </p:nvPicPr>
-          <p:blipFill>
-            <a:blip r:embed="rId4" cstate="print"/>
-            <a:stretch>
-              <a:fillRect/>
-            </a:stretch>
-          </p:blipFill>
-          <p:spPr>
-            <a:xfrm>
-              <a:off x="3419872" y="5157192"/>
-              <a:ext cx="2376264" cy="1504836"/>
-            </a:xfrm>
-            <a:prstGeom prst="rect">
-              <a:avLst/>
-            </a:prstGeom>
-            <a:solidFill>
-              <a:schemeClr val="lt1">
-                <a:alpha val="90000"/>
-              </a:schemeClr>
-            </a:solidFill>
-          </p:spPr>
-        </p:pic>
-        <p:pic>
-          <p:nvPicPr>
-            <p:cNvPr id="11" name="Image 10" descr="positive-scenario.png"/>
-            <p:cNvPicPr>
-              <a:picLocks noChangeAspect="1"/>
-            </p:cNvPicPr>
-            <p:nvPr/>
-          </p:nvPicPr>
-          <p:blipFill>
-            <a:blip r:embed="rId5" cstate="print"/>
-            <a:stretch>
-              <a:fillRect/>
-            </a:stretch>
-          </p:blipFill>
-          <p:spPr>
-            <a:xfrm>
-              <a:off x="611560" y="1844824"/>
-              <a:ext cx="2404795" cy="1662255"/>
-            </a:xfrm>
-            <a:prstGeom prst="rect">
-              <a:avLst/>
-            </a:prstGeom>
-            <a:solidFill>
-              <a:schemeClr val="lt1">
-                <a:alpha val="90000"/>
-              </a:schemeClr>
-            </a:solidFill>
-          </p:spPr>
-        </p:pic>
-        <p:pic>
-          <p:nvPicPr>
-            <p:cNvPr id="12" name="Image 11" descr="state-machine.png"/>
-            <p:cNvPicPr>
-              <a:picLocks noChangeAspect="1"/>
-            </p:cNvPicPr>
-            <p:nvPr/>
-          </p:nvPicPr>
-          <p:blipFill>
-            <a:blip r:embed="rId6" cstate="print"/>
-            <a:stretch>
-              <a:fillRect/>
-            </a:stretch>
-          </p:blipFill>
-          <p:spPr>
-            <a:xfrm>
-              <a:off x="5868144" y="2636912"/>
-              <a:ext cx="3064585" cy="1080120"/>
-            </a:xfrm>
-            <a:prstGeom prst="rect">
-              <a:avLst/>
-            </a:prstGeom>
-            <a:solidFill>
-              <a:schemeClr val="lt1">
-                <a:alpha val="90000"/>
-              </a:schemeClr>
-            </a:solidFill>
-          </p:spPr>
-        </p:pic>
-        <p:pic>
-          <p:nvPicPr>
-            <p:cNvPr id="13" name="Image 12" descr="composed-system.png"/>
-            <p:cNvPicPr>
-              <a:picLocks noChangeAspect="1"/>
-            </p:cNvPicPr>
-            <p:nvPr/>
-          </p:nvPicPr>
-          <p:blipFill>
-            <a:blip r:embed="rId7" cstate="print"/>
-            <a:stretch>
-              <a:fillRect/>
-            </a:stretch>
-          </p:blipFill>
-          <p:spPr>
-            <a:xfrm>
-              <a:off x="4473906" y="1196752"/>
-              <a:ext cx="3770502" cy="936104"/>
-            </a:xfrm>
-            <a:prstGeom prst="rect">
-              <a:avLst/>
-            </a:prstGeom>
-            <a:solidFill>
-              <a:schemeClr val="lt1">
-                <a:alpha val="90000"/>
-              </a:schemeClr>
-            </a:solidFill>
-          </p:spPr>
-        </p:pic>
-        <p:pic>
-          <p:nvPicPr>
-            <p:cNvPr id="18" name="Image 17" descr="hmsc.png"/>
-            <p:cNvPicPr>
-              <a:picLocks noChangeAspect="1"/>
-            </p:cNvPicPr>
-            <p:nvPr/>
-          </p:nvPicPr>
-          <p:blipFill>
-            <a:blip r:embed="rId8" cstate="print"/>
-            <a:stretch>
-              <a:fillRect/>
-            </a:stretch>
-          </p:blipFill>
-          <p:spPr>
-            <a:xfrm>
-              <a:off x="611560" y="3861048"/>
-              <a:ext cx="2014789" cy="2088232"/>
-            </a:xfrm>
-            <a:prstGeom prst="rect">
-              <a:avLst/>
-            </a:prstGeom>
-            <a:solidFill>
-              <a:schemeClr val="lt1">
-                <a:alpha val="90000"/>
-              </a:schemeClr>
-            </a:solidFill>
-          </p:spPr>
-        </p:pic>
-      </p:grpSp>
+            <a:prstDash val="sysDash"/>
+          </a:ln>
+        </p:spPr>
+        <p:style>
+          <a:lnRef idx="2">
+            <a:schemeClr val="accent2"/>
+          </a:lnRef>
+          <a:fillRef idx="1">
+            <a:schemeClr val="lt1"/>
+          </a:fillRef>
+          <a:effectRef idx="0">
+            <a:schemeClr val="accent2"/>
+          </a:effectRef>
+          <a:fontRef idx="minor">
+            <a:schemeClr val="dk1"/>
+          </a:fontRef>
+        </p:style>
+        <p:txBody>
+          <a:bodyPr rtlCol="0" anchor="ctr"/>
+          <a:lstStyle/>
+          <a:p>
+            <a:pPr algn="ctr"/>
+            <a:endParaRPr lang="en-US"/>
+          </a:p>
+        </p:txBody>
+      </p:sp>
       <p:sp>
         <p:nvSpPr>
           <p:cNvPr id="15" name="Titre 1"/>
@@ -22042,85 +21806,151 @@
           </a:p>
         </p:txBody>
       </p:sp>
-      <p:sp>
-        <p:nvSpPr>
-          <p:cNvPr id="21" name="Forme libre 20"/>
-          <p:cNvSpPr/>
+      <p:pic>
+        <p:nvPicPr>
+          <p:cNvPr id="30" name="Image 29" descr="goals.png"/>
+          <p:cNvPicPr>
+            <a:picLocks noChangeAspect="1"/>
+          </p:cNvPicPr>
           <p:nvPr/>
-        </p:nvSpPr>
+        </p:nvPicPr>
+        <p:blipFill>
+          <a:blip r:embed="rId3" cstate="print"/>
+          <a:stretch>
+            <a:fillRect/>
+          </a:stretch>
+        </p:blipFill>
         <p:spPr>
           <a:xfrm>
-            <a:off x="2843808" y="3377168"/>
-            <a:ext cx="3240360" cy="1419984"/>
+            <a:off x="971600" y="3861049"/>
+            <a:ext cx="1728190" cy="1493580"/>
           </a:xfrm>
-          <a:custGeom>
+          <a:prstGeom prst="rect">
             <a:avLst/>
-            <a:gdLst>
-              <a:gd name="connsiteX0" fmla="*/ 0 w 2971800"/>
-              <a:gd name="connsiteY0" fmla="*/ 1432560 h 1432560"/>
-              <a:gd name="connsiteX1" fmla="*/ 777240 w 2971800"/>
-              <a:gd name="connsiteY1" fmla="*/ 518160 h 1432560"/>
-              <a:gd name="connsiteX2" fmla="*/ 2971800 w 2971800"/>
-              <a:gd name="connsiteY2" fmla="*/ 0 h 1432560"/>
-            </a:gdLst>
-            <a:ahLst/>
-            <a:cxnLst>
-              <a:cxn ang="0">
-                <a:pos x="connsiteX0" y="connsiteY0"/>
-              </a:cxn>
-              <a:cxn ang="0">
-                <a:pos x="connsiteX1" y="connsiteY1"/>
-              </a:cxn>
-              <a:cxn ang="0">
-                <a:pos x="connsiteX2" y="connsiteY2"/>
-              </a:cxn>
-            </a:cxnLst>
-            <a:rect l="l" t="t" r="r" b="b"/>
-            <a:pathLst>
-              <a:path w="2971800" h="1432560">
-                <a:moveTo>
-                  <a:pt x="0" y="1432560"/>
-                </a:moveTo>
-                <a:cubicBezTo>
-                  <a:pt x="140970" y="1094740"/>
-                  <a:pt x="281940" y="756920"/>
-                  <a:pt x="777240" y="518160"/>
-                </a:cubicBezTo>
-                <a:cubicBezTo>
-                  <a:pt x="1272540" y="279400"/>
-                  <a:pt x="2122170" y="139700"/>
-                  <a:pt x="2971800" y="0"/>
-                </a:cubicBezTo>
-              </a:path>
-            </a:pathLst>
-          </a:custGeom>
-          <a:ln w="50800">
-            <a:tailEnd type="arrow"/>
-          </a:ln>
+          </a:prstGeom>
+          <a:solidFill>
+            <a:schemeClr val="lt1">
+              <a:alpha val="90000"/>
+            </a:schemeClr>
+          </a:solidFill>
         </p:spPr>
-        <p:style>
-          <a:lnRef idx="3">
-            <a:schemeClr val="accent2"/>
-          </a:lnRef>
-          <a:fillRef idx="0">
-            <a:schemeClr val="accent2"/>
-          </a:fillRef>
-          <a:effectRef idx="2">
-            <a:schemeClr val="accent2"/>
-          </a:effectRef>
-          <a:fontRef idx="minor">
-            <a:schemeClr val="tx1"/>
-          </a:fontRef>
-        </p:style>
-        <p:txBody>
-          <a:bodyPr rtlCol="0" anchor="ctr"/>
-          <a:lstStyle/>
-          <a:p>
-            <a:pPr algn="ctr"/>
-            <a:endParaRPr lang="en-US"/>
-          </a:p>
-        </p:txBody>
-      </p:sp>
+      </p:pic>
+      <p:pic>
+        <p:nvPicPr>
+          <p:cNvPr id="33" name="Image 32" descr="state-machine.png"/>
+          <p:cNvPicPr>
+            <a:picLocks noChangeAspect="1"/>
+          </p:cNvPicPr>
+          <p:nvPr/>
+        </p:nvPicPr>
+        <p:blipFill>
+          <a:blip r:embed="rId4" cstate="print"/>
+          <a:stretch>
+            <a:fillRect/>
+          </a:stretch>
+        </p:blipFill>
+        <p:spPr>
+          <a:xfrm>
+            <a:off x="5868144" y="2636912"/>
+            <a:ext cx="3064585" cy="1080120"/>
+          </a:xfrm>
+          <a:prstGeom prst="rect">
+            <a:avLst/>
+          </a:prstGeom>
+          <a:solidFill>
+            <a:schemeClr val="lt1">
+              <a:alpha val="90000"/>
+            </a:schemeClr>
+          </a:solidFill>
+        </p:spPr>
+      </p:pic>
+      <p:pic>
+        <p:nvPicPr>
+          <p:cNvPr id="34" name="Image 33" descr="composed-system.png"/>
+          <p:cNvPicPr>
+            <a:picLocks noChangeAspect="1"/>
+          </p:cNvPicPr>
+          <p:nvPr/>
+        </p:nvPicPr>
+        <p:blipFill>
+          <a:blip r:embed="rId5" cstate="print"/>
+          <a:stretch>
+            <a:fillRect/>
+          </a:stretch>
+        </p:blipFill>
+        <p:spPr>
+          <a:xfrm>
+            <a:off x="4473906" y="1412776"/>
+            <a:ext cx="3770502" cy="936104"/>
+          </a:xfrm>
+          <a:prstGeom prst="rect">
+            <a:avLst/>
+          </a:prstGeom>
+          <a:solidFill>
+            <a:schemeClr val="lt1">
+              <a:alpha val="90000"/>
+            </a:schemeClr>
+          </a:solidFill>
+        </p:spPr>
+      </p:pic>
+      <p:pic>
+        <p:nvPicPr>
+          <p:cNvPr id="35" name="Image 34" descr="negative-scenario.png"/>
+          <p:cNvPicPr>
+            <a:picLocks noChangeAspect="1"/>
+          </p:cNvPicPr>
+          <p:nvPr/>
+        </p:nvPicPr>
+        <p:blipFill>
+          <a:blip r:embed="rId6" cstate="print"/>
+          <a:stretch>
+            <a:fillRect/>
+          </a:stretch>
+        </p:blipFill>
+        <p:spPr>
+          <a:xfrm>
+            <a:off x="3059832" y="5085184"/>
+            <a:ext cx="2430940" cy="1539460"/>
+          </a:xfrm>
+          <a:prstGeom prst="rect">
+            <a:avLst/>
+          </a:prstGeom>
+          <a:solidFill>
+            <a:schemeClr val="lt1">
+              <a:alpha val="90000"/>
+            </a:schemeClr>
+          </a:solidFill>
+        </p:spPr>
+      </p:pic>
+      <p:pic>
+        <p:nvPicPr>
+          <p:cNvPr id="37" name="Image 36" descr="hmsc.png"/>
+          <p:cNvPicPr>
+            <a:picLocks noChangeAspect="1"/>
+          </p:cNvPicPr>
+          <p:nvPr/>
+        </p:nvPicPr>
+        <p:blipFill>
+          <a:blip r:embed="rId7" cstate="print"/>
+          <a:stretch>
+            <a:fillRect/>
+          </a:stretch>
+        </p:blipFill>
+        <p:spPr>
+          <a:xfrm>
+            <a:off x="5872111" y="4221088"/>
+            <a:ext cx="2084265" cy="2160240"/>
+          </a:xfrm>
+          <a:prstGeom prst="rect">
+            <a:avLst/>
+          </a:prstGeom>
+          <a:solidFill>
+            <a:schemeClr val="lt1">
+              <a:alpha val="90000"/>
+            </a:schemeClr>
+          </a:solidFill>
+        </p:spPr>
+      </p:pic>
       <p:sp>
         <p:nvSpPr>
           <p:cNvPr id="23" name="Forme libre 22"/>
@@ -22129,8 +21959,8 @@
         </p:nvSpPr>
         <p:spPr>
           <a:xfrm>
-            <a:off x="4211960" y="4079749"/>
-            <a:ext cx="2088232" cy="1005435"/>
+            <a:off x="4211960" y="4087157"/>
+            <a:ext cx="1584176" cy="998028"/>
           </a:xfrm>
           <a:custGeom>
             <a:avLst/>
@@ -22153,6 +21983,18 @@
               <a:gd name="connsiteY1" fmla="*/ 96011 h 933427"/>
               <a:gd name="connsiteX2" fmla="*/ 2229025 w 2229025"/>
               <a:gd name="connsiteY2" fmla="*/ 357363 h 933427"/>
+              <a:gd name="connsiteX0" fmla="*/ 285750 w 1998436"/>
+              <a:gd name="connsiteY0" fmla="*/ 948834 h 948834"/>
+              <a:gd name="connsiteX1" fmla="*/ 359482 w 1998436"/>
+              <a:gd name="connsiteY1" fmla="*/ 111418 h 948834"/>
+              <a:gd name="connsiteX2" fmla="*/ 1998436 w 1998436"/>
+              <a:gd name="connsiteY2" fmla="*/ 280325 h 948834"/>
+              <a:gd name="connsiteX0" fmla="*/ 285750 w 1690984"/>
+              <a:gd name="connsiteY0" fmla="*/ 926550 h 926550"/>
+              <a:gd name="connsiteX1" fmla="*/ 359482 w 1690984"/>
+              <a:gd name="connsiteY1" fmla="*/ 89134 h 926550"/>
+              <a:gd name="connsiteX2" fmla="*/ 1690984 w 1690984"/>
+              <a:gd name="connsiteY2" fmla="*/ 391743 h 926550"/>
             </a:gdLst>
             <a:ahLst/>
             <a:cxnLst>
@@ -22168,19 +22010,19 @@
             </a:cxnLst>
             <a:rect l="l" t="t" r="r" b="b"/>
             <a:pathLst>
-              <a:path w="2229025" h="933427">
+              <a:path w="1690984" h="926550">
                 <a:moveTo>
-                  <a:pt x="285750" y="933427"/>
+                  <a:pt x="285750" y="926550"/>
                 </a:moveTo>
                 <a:cubicBezTo>
-                  <a:pt x="0" y="534647"/>
-                  <a:pt x="35603" y="192022"/>
-                  <a:pt x="359482" y="96011"/>
+                  <a:pt x="0" y="527770"/>
+                  <a:pt x="125276" y="178268"/>
+                  <a:pt x="359482" y="89134"/>
                 </a:cubicBezTo>
                 <a:cubicBezTo>
-                  <a:pt x="683361" y="0"/>
-                  <a:pt x="1379395" y="253223"/>
-                  <a:pt x="2229025" y="357363"/>
+                  <a:pt x="593688" y="0"/>
+                  <a:pt x="841354" y="287603"/>
+                  <a:pt x="1690984" y="391743"/>
                 </a:cubicBezTo>
               </a:path>
             </a:pathLst>
@@ -22220,8 +22062,8 @@
         </p:nvSpPr>
         <p:spPr>
           <a:xfrm>
-            <a:off x="4716016" y="2545080"/>
-            <a:ext cx="1512168" cy="2324080"/>
+            <a:off x="4776023" y="2545080"/>
+            <a:ext cx="1092121" cy="2396088"/>
           </a:xfrm>
           <a:custGeom>
             <a:avLst/>
@@ -22238,6 +22080,12 @@
               <a:gd name="connsiteY1" fmla="*/ 1234440 h 1701157"/>
               <a:gd name="connsiteX2" fmla="*/ 919480 w 2047240"/>
               <a:gd name="connsiteY2" fmla="*/ 0 h 1701157"/>
+              <a:gd name="connsiteX0" fmla="*/ 1478562 w 1478562"/>
+              <a:gd name="connsiteY0" fmla="*/ 1753865 h 1753865"/>
+              <a:gd name="connsiteX1" fmla="*/ 106720 w 1478562"/>
+              <a:gd name="connsiteY1" fmla="*/ 1234440 h 1753865"/>
+              <a:gd name="connsiteX2" fmla="*/ 838240 w 1478562"/>
+              <a:gd name="connsiteY2" fmla="*/ 0 h 1753865"/>
             </a:gdLst>
             <a:ahLst/>
             <a:cxnLst>
@@ -22253,19 +22101,19 @@
             </a:cxnLst>
             <a:rect l="l" t="t" r="r" b="b"/>
             <a:pathLst>
-              <a:path w="2047240" h="1701157">
+              <a:path w="1478562" h="1753865">
                 <a:moveTo>
-                  <a:pt x="2047240" y="1701157"/>
+                  <a:pt x="1478562" y="1753865"/>
                 </a:moveTo>
                 <a:cubicBezTo>
-                  <a:pt x="1211580" y="1543677"/>
-                  <a:pt x="375920" y="1517966"/>
-                  <a:pt x="187960" y="1234440"/>
+                  <a:pt x="642902" y="1596385"/>
+                  <a:pt x="213440" y="1526751"/>
+                  <a:pt x="106720" y="1234440"/>
                 </a:cubicBezTo>
                 <a:cubicBezTo>
-                  <a:pt x="0" y="950914"/>
-                  <a:pt x="459740" y="462280"/>
-                  <a:pt x="919480" y="0"/>
+                  <a:pt x="0" y="942129"/>
+                  <a:pt x="378500" y="462280"/>
+                  <a:pt x="838240" y="0"/>
                 </a:cubicBezTo>
               </a:path>
             </a:pathLst>
@@ -22305,8 +22153,8 @@
         </p:nvSpPr>
         <p:spPr>
           <a:xfrm>
-            <a:off x="3093720" y="4077072"/>
-            <a:ext cx="1766312" cy="906408"/>
+            <a:off x="2915816" y="4156133"/>
+            <a:ext cx="1944216" cy="465783"/>
           </a:xfrm>
           <a:custGeom>
             <a:avLst/>
@@ -22351,6 +22199,48 @@
               <a:gd name="connsiteY1" fmla="*/ 115064 h 800864"/>
               <a:gd name="connsiteX2" fmla="*/ 0 w 1766312"/>
               <a:gd name="connsiteY2" fmla="*/ 800864 h 800864"/>
+              <a:gd name="connsiteX0" fmla="*/ 1656184 w 1656184"/>
+              <a:gd name="connsiteY0" fmla="*/ 72437 h 534566"/>
+              <a:gd name="connsiteX1" fmla="*/ 1139552 w 1656184"/>
+              <a:gd name="connsiteY1" fmla="*/ 77021 h 534566"/>
+              <a:gd name="connsiteX2" fmla="*/ 0 w 1656184"/>
+              <a:gd name="connsiteY2" fmla="*/ 534566 h 534566"/>
+              <a:gd name="connsiteX0" fmla="*/ 1944216 w 1944216"/>
+              <a:gd name="connsiteY0" fmla="*/ 41161 h 312420"/>
+              <a:gd name="connsiteX1" fmla="*/ 1427584 w 1944216"/>
+              <a:gd name="connsiteY1" fmla="*/ 45745 h 312420"/>
+              <a:gd name="connsiteX2" fmla="*/ 0 w 1944216"/>
+              <a:gd name="connsiteY2" fmla="*/ 312420 h 312420"/>
+              <a:gd name="connsiteX0" fmla="*/ 1728192 w 1728192"/>
+              <a:gd name="connsiteY0" fmla="*/ 51230 h 386112"/>
+              <a:gd name="connsiteX1" fmla="*/ 1211560 w 1728192"/>
+              <a:gd name="connsiteY1" fmla="*/ 55814 h 386112"/>
+              <a:gd name="connsiteX2" fmla="*/ 0 w 1728192"/>
+              <a:gd name="connsiteY2" fmla="*/ 386112 h 386112"/>
+              <a:gd name="connsiteX0" fmla="*/ 1728192 w 1728192"/>
+              <a:gd name="connsiteY0" fmla="*/ 51230 h 504932"/>
+              <a:gd name="connsiteX1" fmla="*/ 1211560 w 1728192"/>
+              <a:gd name="connsiteY1" fmla="*/ 55814 h 504932"/>
+              <a:gd name="connsiteX2" fmla="*/ 0 w 1728192"/>
+              <a:gd name="connsiteY2" fmla="*/ 386112 h 504932"/>
+              <a:gd name="connsiteX0" fmla="*/ 1728192 w 1728192"/>
+              <a:gd name="connsiteY0" fmla="*/ 51230 h 386112"/>
+              <a:gd name="connsiteX1" fmla="*/ 1211560 w 1728192"/>
+              <a:gd name="connsiteY1" fmla="*/ 55814 h 386112"/>
+              <a:gd name="connsiteX2" fmla="*/ 0 w 1728192"/>
+              <a:gd name="connsiteY2" fmla="*/ 386112 h 386112"/>
+              <a:gd name="connsiteX0" fmla="*/ 1944216 w 1944216"/>
+              <a:gd name="connsiteY0" fmla="*/ 40626 h 311885"/>
+              <a:gd name="connsiteX1" fmla="*/ 1427584 w 1944216"/>
+              <a:gd name="connsiteY1" fmla="*/ 45210 h 311885"/>
+              <a:gd name="connsiteX2" fmla="*/ 0 w 1944216"/>
+              <a:gd name="connsiteY2" fmla="*/ 311885 h 311885"/>
+              <a:gd name="connsiteX0" fmla="*/ 1944216 w 1944216"/>
+              <a:gd name="connsiteY0" fmla="*/ 40626 h 411546"/>
+              <a:gd name="connsiteX1" fmla="*/ 1427584 w 1944216"/>
+              <a:gd name="connsiteY1" fmla="*/ 45210 h 411546"/>
+              <a:gd name="connsiteX2" fmla="*/ 0 w 1944216"/>
+              <a:gd name="connsiteY2" fmla="*/ 311885 h 411546"/>
             </a:gdLst>
             <a:ahLst/>
             <a:cxnLst>
@@ -22366,19 +22256,19 @@
             </a:cxnLst>
             <a:rect l="l" t="t" r="r" b="b"/>
             <a:pathLst>
-              <a:path w="1766312" h="800864">
+              <a:path w="1944216" h="411546">
                 <a:moveTo>
-                  <a:pt x="1766312" y="110480"/>
+                  <a:pt x="1944216" y="40626"/>
                 </a:moveTo>
                 <a:cubicBezTo>
-                  <a:pt x="1620200" y="99243"/>
-                  <a:pt x="1544065" y="0"/>
-                  <a:pt x="1249680" y="115064"/>
+                  <a:pt x="1798104" y="29389"/>
+                  <a:pt x="1751620" y="0"/>
+                  <a:pt x="1427584" y="45210"/>
                 </a:cubicBezTo>
                 <a:cubicBezTo>
-                  <a:pt x="955295" y="230128"/>
-                  <a:pt x="354330" y="488444"/>
-                  <a:pt x="0" y="800864"/>
+                  <a:pt x="1103548" y="90420"/>
+                  <a:pt x="528786" y="411546"/>
+                  <a:pt x="0" y="311885"/>
                 </a:cubicBezTo>
               </a:path>
             </a:pathLst>
@@ -22418,8 +22308,8 @@
         </p:nvSpPr>
         <p:spPr>
           <a:xfrm>
-            <a:off x="3215640" y="2834640"/>
-            <a:ext cx="3124200" cy="1076960"/>
+            <a:off x="3347864" y="2924943"/>
+            <a:ext cx="2991976" cy="971605"/>
           </a:xfrm>
           <a:custGeom>
             <a:avLst/>
@@ -22430,6 +22320,12 @@
               <a:gd name="connsiteY1" fmla="*/ 944880 h 1076960"/>
               <a:gd name="connsiteX2" fmla="*/ 0 w 3124200"/>
               <a:gd name="connsiteY2" fmla="*/ 0 h 1076960"/>
+              <a:gd name="connsiteX0" fmla="*/ 2991976 w 2991976"/>
+              <a:gd name="connsiteY0" fmla="*/ 702176 h 971605"/>
+              <a:gd name="connsiteX1" fmla="*/ 1848976 w 2991976"/>
+              <a:gd name="connsiteY1" fmla="*/ 854576 h 971605"/>
+              <a:gd name="connsiteX2" fmla="*/ 0 w 2991976"/>
+              <a:gd name="connsiteY2" fmla="*/ 0 h 971605"/>
             </a:gdLst>
             <a:ahLst/>
             <a:cxnLst>
@@ -22445,17 +22341,17 @@
             </a:cxnLst>
             <a:rect l="l" t="t" r="r" b="b"/>
             <a:pathLst>
-              <a:path w="3124200" h="1076960">
+              <a:path w="2991976" h="971605">
                 <a:moveTo>
-                  <a:pt x="3124200" y="792480"/>
+                  <a:pt x="2991976" y="702176"/>
                 </a:moveTo>
                 <a:cubicBezTo>
-                  <a:pt x="2813050" y="934720"/>
-                  <a:pt x="2501900" y="1076960"/>
-                  <a:pt x="1981200" y="944880"/>
+                  <a:pt x="2680826" y="844416"/>
+                  <a:pt x="2347639" y="971605"/>
+                  <a:pt x="1848976" y="854576"/>
                 </a:cubicBezTo>
                 <a:cubicBezTo>
-                  <a:pt x="1460500" y="812800"/>
+                  <a:pt x="1350313" y="737547"/>
                   <a:pt x="730250" y="406400"/>
                   <a:pt x="0" y="0"/>
                 </a:cubicBezTo>
@@ -22576,8 +22472,8 @@
         </p:nvSpPr>
         <p:spPr>
           <a:xfrm>
-            <a:off x="3162300" y="3263900"/>
-            <a:ext cx="1714500" cy="385233"/>
+            <a:off x="3347864" y="3356992"/>
+            <a:ext cx="1528936" cy="276626"/>
           </a:xfrm>
           <a:custGeom>
             <a:avLst/>
@@ -22588,6 +22484,12 @@
               <a:gd name="connsiteY1" fmla="*/ 330200 h 385233"/>
               <a:gd name="connsiteX2" fmla="*/ 1714500 w 1714500"/>
               <a:gd name="connsiteY2" fmla="*/ 330200 h 385233"/>
+              <a:gd name="connsiteX0" fmla="*/ 0 w 1528936"/>
+              <a:gd name="connsiteY0" fmla="*/ 0 h 276626"/>
+              <a:gd name="connsiteX1" fmla="*/ 474836 w 1528936"/>
+              <a:gd name="connsiteY1" fmla="*/ 237108 h 276626"/>
+              <a:gd name="connsiteX2" fmla="*/ 1528936 w 1528936"/>
+              <a:gd name="connsiteY2" fmla="*/ 237108 h 276626"/>
             </a:gdLst>
             <a:ahLst/>
             <a:cxnLst>
@@ -22603,24 +22505,103 @@
             </a:cxnLst>
             <a:rect l="l" t="t" r="r" b="b"/>
             <a:pathLst>
-              <a:path w="1714500" h="385233">
+              <a:path w="1528936" h="276626">
                 <a:moveTo>
                   <a:pt x="0" y="0"/>
                 </a:moveTo>
                 <a:cubicBezTo>
                   <a:pt x="187325" y="137583"/>
-                  <a:pt x="374650" y="275167"/>
-                  <a:pt x="660400" y="330200"/>
+                  <a:pt x="220013" y="197590"/>
+                  <a:pt x="474836" y="237108"/>
                 </a:cubicBezTo>
                 <a:cubicBezTo>
-                  <a:pt x="946150" y="385233"/>
-                  <a:pt x="1330325" y="357716"/>
-                  <a:pt x="1714500" y="330200"/>
+                  <a:pt x="729659" y="276626"/>
+                  <a:pt x="1144761" y="264624"/>
+                  <a:pt x="1528936" y="237108"/>
                 </a:cubicBezTo>
               </a:path>
             </a:pathLst>
           </a:custGeom>
           <a:ln w="50800"/>
+        </p:spPr>
+        <p:style>
+          <a:lnRef idx="3">
+            <a:schemeClr val="accent2"/>
+          </a:lnRef>
+          <a:fillRef idx="0">
+            <a:schemeClr val="accent2"/>
+          </a:fillRef>
+          <a:effectRef idx="2">
+            <a:schemeClr val="accent2"/>
+          </a:effectRef>
+          <a:fontRef idx="minor">
+            <a:schemeClr val="tx1"/>
+          </a:fontRef>
+        </p:style>
+        <p:txBody>
+          <a:bodyPr rtlCol="0" anchor="ctr"/>
+          <a:lstStyle/>
+          <a:p>
+            <a:pPr algn="ctr"/>
+            <a:endParaRPr lang="en-US"/>
+          </a:p>
+        </p:txBody>
+      </p:sp>
+      <p:sp>
+        <p:nvSpPr>
+          <p:cNvPr id="38" name="Forme libre 37"/>
+          <p:cNvSpPr/>
+          <p:nvPr/>
+        </p:nvSpPr>
+        <p:spPr>
+          <a:xfrm>
+            <a:off x="2975429" y="3280229"/>
+            <a:ext cx="2873828" cy="885371"/>
+          </a:xfrm>
+          <a:custGeom>
+            <a:avLst/>
+            <a:gdLst>
+              <a:gd name="connsiteX0" fmla="*/ 0 w 2873828"/>
+              <a:gd name="connsiteY0" fmla="*/ 885371 h 885371"/>
+              <a:gd name="connsiteX1" fmla="*/ 1509485 w 2873828"/>
+              <a:gd name="connsiteY1" fmla="*/ 246742 h 885371"/>
+              <a:gd name="connsiteX2" fmla="*/ 2873828 w 2873828"/>
+              <a:gd name="connsiteY2" fmla="*/ 0 h 885371"/>
+            </a:gdLst>
+            <a:ahLst/>
+            <a:cxnLst>
+              <a:cxn ang="0">
+                <a:pos x="connsiteX0" y="connsiteY0"/>
+              </a:cxn>
+              <a:cxn ang="0">
+                <a:pos x="connsiteX1" y="connsiteY1"/>
+              </a:cxn>
+              <a:cxn ang="0">
+                <a:pos x="connsiteX2" y="connsiteY2"/>
+              </a:cxn>
+            </a:cxnLst>
+            <a:rect l="l" t="t" r="r" b="b"/>
+            <a:pathLst>
+              <a:path w="2873828" h="885371">
+                <a:moveTo>
+                  <a:pt x="0" y="885371"/>
+                </a:moveTo>
+                <a:cubicBezTo>
+                  <a:pt x="515257" y="639837"/>
+                  <a:pt x="1030514" y="394304"/>
+                  <a:pt x="1509485" y="246742"/>
+                </a:cubicBezTo>
+                <a:cubicBezTo>
+                  <a:pt x="1988456" y="99180"/>
+                  <a:pt x="2431142" y="49590"/>
+                  <a:pt x="2873828" y="0"/>
+                </a:cubicBezTo>
+              </a:path>
+            </a:pathLst>
+          </a:custGeom>
+          <a:ln w="50800">
+            <a:tailEnd type="arrow"/>
+          </a:ln>
         </p:spPr>
         <p:style>
           <a:lnRef idx="3">
@@ -22654,6 +22635,30 @@
           <p:nvPr/>
         </p:nvPicPr>
         <p:blipFill>
+          <a:blip r:embed="rId8" cstate="print"/>
+          <a:stretch>
+            <a:fillRect/>
+          </a:stretch>
+        </p:blipFill>
+        <p:spPr>
+          <a:xfrm>
+            <a:off x="3851920" y="3068960"/>
+            <a:ext cx="1368152" cy="1368152"/>
+          </a:xfrm>
+          <a:prstGeom prst="rect">
+            <a:avLst/>
+          </a:prstGeom>
+        </p:spPr>
+      </p:pic>
+      <p:pic>
+        <p:nvPicPr>
+          <p:cNvPr id="39" name="Image 38" descr="positive-scenario.png"/>
+          <p:cNvPicPr>
+            <a:picLocks noChangeAspect="1"/>
+          </p:cNvPicPr>
+          <p:nvPr/>
+        </p:nvPicPr>
+        <p:blipFill>
           <a:blip r:embed="rId9" cstate="print"/>
           <a:stretch>
             <a:fillRect/>
@@ -22661,12 +22666,17 @@
         </p:blipFill>
         <p:spPr>
           <a:xfrm>
-            <a:off x="3707904" y="2924944"/>
-            <a:ext cx="1656184" cy="1656184"/>
+            <a:off x="683568" y="1628801"/>
+            <a:ext cx="2533000" cy="1750873"/>
           </a:xfrm>
           <a:prstGeom prst="rect">
             <a:avLst/>
           </a:prstGeom>
+          <a:solidFill>
+            <a:schemeClr val="lt1">
+              <a:alpha val="90000"/>
+            </a:schemeClr>
+          </a:solidFill>
         </p:spPr>
       </p:pic>
     </p:spTree>
@@ -22701,182 +22711,80 @@
           <a:chExt cx="0" cy="0"/>
         </a:xfrm>
       </p:grpSpPr>
-      <p:grpSp>
-        <p:nvGrpSpPr>
-          <p:cNvPr id="2" name="Groupe 15"/>
-          <p:cNvGrpSpPr/>
+      <p:sp>
+        <p:nvSpPr>
+          <p:cNvPr id="19" name="Ellipse 18"/>
+          <p:cNvSpPr/>
           <p:nvPr/>
-        </p:nvGrpSpPr>
-        <p:grpSpPr>
+        </p:nvSpPr>
+        <p:spPr>
           <a:xfrm>
-            <a:off x="611560" y="1196752"/>
-            <a:ext cx="7632848" cy="5465276"/>
-            <a:chOff x="611560" y="1196752"/>
-            <a:chExt cx="7632848" cy="5465276"/>
+            <a:off x="2123728" y="1554705"/>
+            <a:ext cx="4824536" cy="4684694"/>
           </a:xfrm>
-        </p:grpSpPr>
-        <p:sp>
-          <p:nvSpPr>
-            <p:cNvPr id="19" name="Ellipse 18"/>
-            <p:cNvSpPr/>
-            <p:nvPr/>
-          </p:nvSpPr>
-          <p:spPr>
-            <a:xfrm>
-              <a:off x="2123728" y="1554705"/>
-              <a:ext cx="4824536" cy="4684694"/>
-            </a:xfrm>
-            <a:prstGeom prst="ellipse">
-              <a:avLst/>
-            </a:prstGeom>
-            <a:noFill/>
-            <a:ln w="85725">
-              <a:solidFill>
-                <a:schemeClr val="tx1"/>
-              </a:solidFill>
-              <a:prstDash val="sysDash"/>
-            </a:ln>
-          </p:spPr>
-          <p:style>
-            <a:lnRef idx="2">
-              <a:schemeClr val="accent2"/>
-            </a:lnRef>
-            <a:fillRef idx="1">
-              <a:schemeClr val="lt1"/>
-            </a:fillRef>
-            <a:effectRef idx="0">
-              <a:schemeClr val="accent2"/>
-            </a:effectRef>
-            <a:fontRef idx="minor">
-              <a:schemeClr val="dk1"/>
-            </a:fontRef>
-          </p:style>
-          <p:txBody>
-            <a:bodyPr rtlCol="0" anchor="ctr"/>
-            <a:lstStyle/>
-            <a:p>
-              <a:pPr algn="ctr"/>
-              <a:endParaRPr lang="en-US"/>
-            </a:p>
-          </p:txBody>
-        </p:sp>
-        <p:pic>
-          <p:nvPicPr>
-            <p:cNvPr id="9" name="Image 8" descr="goals.png"/>
-            <p:cNvPicPr>
-              <a:picLocks noChangeAspect="1"/>
-            </p:cNvPicPr>
-            <p:nvPr/>
-          </p:nvPicPr>
-          <p:blipFill>
-            <a:blip r:embed="rId3" cstate="print"/>
-            <a:stretch>
-              <a:fillRect/>
-            </a:stretch>
-          </p:blipFill>
-          <p:spPr>
-            <a:xfrm>
-              <a:off x="6372201" y="4077072"/>
-              <a:ext cx="1656182" cy="1431347"/>
-            </a:xfrm>
-            <a:prstGeom prst="rect">
-              <a:avLst/>
-            </a:prstGeom>
+          <a:prstGeom prst="ellipse">
+            <a:avLst/>
+          </a:prstGeom>
+          <a:noFill/>
+          <a:ln w="85725">
             <a:solidFill>
-              <a:schemeClr val="lt1">
-                <a:alpha val="90000"/>
-              </a:schemeClr>
+              <a:schemeClr val="tx1"/>
             </a:solidFill>
-          </p:spPr>
-        </p:pic>
-        <p:pic>
-          <p:nvPicPr>
-            <p:cNvPr id="10" name="Image 9" descr="negative-scenario.png"/>
-            <p:cNvPicPr>
-              <a:picLocks noChangeAspect="1"/>
-            </p:cNvPicPr>
-            <p:nvPr/>
-          </p:nvPicPr>
-          <p:blipFill>
-            <a:blip r:embed="rId4" cstate="print"/>
-            <a:stretch>
-              <a:fillRect/>
-            </a:stretch>
-          </p:blipFill>
-          <p:spPr>
-            <a:xfrm>
-              <a:off x="3419872" y="5157192"/>
-              <a:ext cx="2376264" cy="1504836"/>
-            </a:xfrm>
-            <a:prstGeom prst="rect">
-              <a:avLst/>
-            </a:prstGeom>
-            <a:solidFill>
-              <a:schemeClr val="lt1">
-                <a:alpha val="90000"/>
-              </a:schemeClr>
-            </a:solidFill>
-          </p:spPr>
-        </p:pic>
-        <p:pic>
-          <p:nvPicPr>
-            <p:cNvPr id="11" name="Image 10" descr="positive-scenario.png"/>
-            <p:cNvPicPr>
-              <a:picLocks noChangeAspect="1"/>
-            </p:cNvPicPr>
-            <p:nvPr/>
-          </p:nvPicPr>
-          <p:blipFill>
-            <a:blip r:embed="rId5" cstate="print"/>
-            <a:stretch>
-              <a:fillRect/>
-            </a:stretch>
-          </p:blipFill>
-          <p:spPr>
-            <a:xfrm>
-              <a:off x="611560" y="1844824"/>
-              <a:ext cx="2404795" cy="1662255"/>
-            </a:xfrm>
-            <a:prstGeom prst="rect">
-              <a:avLst/>
-            </a:prstGeom>
-            <a:solidFill>
-              <a:schemeClr val="lt1">
-                <a:alpha val="90000"/>
-              </a:schemeClr>
-            </a:solidFill>
-          </p:spPr>
-        </p:pic>
-        <p:pic>
-          <p:nvPicPr>
-            <p:cNvPr id="13" name="Image 12" descr="composed-system.png"/>
-            <p:cNvPicPr>
-              <a:picLocks noChangeAspect="1"/>
-            </p:cNvPicPr>
-            <p:nvPr/>
-          </p:nvPicPr>
-          <p:blipFill>
-            <a:blip r:embed="rId6" cstate="print"/>
-            <a:stretch>
-              <a:fillRect/>
-            </a:stretch>
-          </p:blipFill>
-          <p:spPr>
-            <a:xfrm>
-              <a:off x="4473906" y="1196752"/>
-              <a:ext cx="3770502" cy="936104"/>
-            </a:xfrm>
-            <a:prstGeom prst="rect">
-              <a:avLst/>
-            </a:prstGeom>
-            <a:solidFill>
-              <a:schemeClr val="lt1">
-                <a:alpha val="90000"/>
-              </a:schemeClr>
-            </a:solidFill>
-          </p:spPr>
-        </p:pic>
-      </p:grpSp>
+            <a:prstDash val="sysDash"/>
+          </a:ln>
+        </p:spPr>
+        <p:style>
+          <a:lnRef idx="2">
+            <a:schemeClr val="accent2"/>
+          </a:lnRef>
+          <a:fillRef idx="1">
+            <a:schemeClr val="lt1"/>
+          </a:fillRef>
+          <a:effectRef idx="0">
+            <a:schemeClr val="accent2"/>
+          </a:effectRef>
+          <a:fontRef idx="minor">
+            <a:schemeClr val="dk1"/>
+          </a:fontRef>
+        </p:style>
+        <p:txBody>
+          <a:bodyPr rtlCol="0" anchor="ctr"/>
+          <a:lstStyle/>
+          <a:p>
+            <a:pPr algn="ctr"/>
+            <a:endParaRPr lang="en-US"/>
+          </a:p>
+        </p:txBody>
+      </p:sp>
+      <p:pic>
+        <p:nvPicPr>
+          <p:cNvPr id="13" name="Image 12" descr="composed-system.png"/>
+          <p:cNvPicPr>
+            <a:picLocks noChangeAspect="1"/>
+          </p:cNvPicPr>
+          <p:nvPr/>
+        </p:nvPicPr>
+        <p:blipFill>
+          <a:blip r:embed="rId3" cstate="print"/>
+          <a:stretch>
+            <a:fillRect/>
+          </a:stretch>
+        </p:blipFill>
+        <p:spPr>
+          <a:xfrm>
+            <a:off x="4473906" y="1412776"/>
+            <a:ext cx="3770502" cy="936104"/>
+          </a:xfrm>
+          <a:prstGeom prst="rect">
+            <a:avLst/>
+          </a:prstGeom>
+          <a:solidFill>
+            <a:schemeClr val="lt1">
+              <a:alpha val="90000"/>
+            </a:schemeClr>
+          </a:solidFill>
+        </p:spPr>
+      </p:pic>
       <p:grpSp>
         <p:nvGrpSpPr>
           <p:cNvPr id="36" name="Groupe 35"/>
@@ -22885,10 +22793,10 @@
         </p:nvGrpSpPr>
         <p:grpSpPr>
           <a:xfrm>
-            <a:off x="3131840" y="2780928"/>
-            <a:ext cx="3177520" cy="2141592"/>
-            <a:chOff x="3131840" y="2225807"/>
-            <a:chExt cx="3177520" cy="2696713"/>
+            <a:off x="3347864" y="2780928"/>
+            <a:ext cx="2232248" cy="2141592"/>
+            <a:chOff x="3347864" y="2225807"/>
+            <a:chExt cx="2232248" cy="2696713"/>
           </a:xfrm>
         </p:grpSpPr>
         <p:sp>
@@ -22977,98 +22885,14 @@
         </p:sp>
         <p:sp>
           <p:nvSpPr>
-            <p:cNvPr id="20" name="Forme libre 19"/>
-            <p:cNvSpPr/>
-            <p:nvPr/>
-          </p:nvSpPr>
-          <p:spPr>
-            <a:xfrm>
-              <a:off x="4533900" y="3107832"/>
-              <a:ext cx="1775460" cy="1509887"/>
-            </a:xfrm>
-            <a:custGeom>
-              <a:avLst/>
-              <a:gdLst>
-                <a:gd name="connsiteX0" fmla="*/ 1785620 w 1785620"/>
-                <a:gd name="connsiteY0" fmla="*/ 1615440 h 1615440"/>
-                <a:gd name="connsiteX1" fmla="*/ 231140 w 1785620"/>
-                <a:gd name="connsiteY1" fmla="*/ 883920 h 1615440"/>
-                <a:gd name="connsiteX2" fmla="*/ 398780 w 1785620"/>
-                <a:gd name="connsiteY2" fmla="*/ 0 h 1615440"/>
-                <a:gd name="connsiteX0" fmla="*/ 1796035 w 1796035"/>
-                <a:gd name="connsiteY0" fmla="*/ 1548760 h 1548760"/>
-                <a:gd name="connsiteX1" fmla="*/ 241555 w 1796035"/>
-                <a:gd name="connsiteY1" fmla="*/ 817240 h 1548760"/>
-                <a:gd name="connsiteX2" fmla="*/ 346707 w 1796035"/>
-                <a:gd name="connsiteY2" fmla="*/ 0 h 1548760"/>
-              </a:gdLst>
-              <a:ahLst/>
-              <a:cxnLst>
-                <a:cxn ang="0">
-                  <a:pos x="connsiteX0" y="connsiteY0"/>
-                </a:cxn>
-                <a:cxn ang="0">
-                  <a:pos x="connsiteX1" y="connsiteY1"/>
-                </a:cxn>
-                <a:cxn ang="0">
-                  <a:pos x="connsiteX2" y="connsiteY2"/>
-                </a:cxn>
-              </a:cxnLst>
-              <a:rect l="l" t="t" r="r" b="b"/>
-              <a:pathLst>
-                <a:path w="1796035" h="1548760">
-                  <a:moveTo>
-                    <a:pt x="1796035" y="1548760"/>
-                  </a:moveTo>
-                  <a:cubicBezTo>
-                    <a:pt x="1134365" y="1317620"/>
-                    <a:pt x="483110" y="1075367"/>
-                    <a:pt x="241555" y="817240"/>
-                  </a:cubicBezTo>
-                  <a:cubicBezTo>
-                    <a:pt x="0" y="559113"/>
-                    <a:pt x="147317" y="307340"/>
-                    <a:pt x="346707" y="0"/>
-                  </a:cubicBezTo>
-                </a:path>
-              </a:pathLst>
-            </a:custGeom>
-            <a:ln w="76200"/>
-            <a:effectLst/>
-          </p:spPr>
-          <p:style>
-            <a:lnRef idx="3">
-              <a:schemeClr val="accent2"/>
-            </a:lnRef>
-            <a:fillRef idx="0">
-              <a:schemeClr val="accent2"/>
-            </a:fillRef>
-            <a:effectRef idx="2">
-              <a:schemeClr val="accent2"/>
-            </a:effectRef>
-            <a:fontRef idx="minor">
-              <a:schemeClr val="tx1"/>
-            </a:fontRef>
-          </p:style>
-          <p:txBody>
-            <a:bodyPr rtlCol="0" anchor="ctr"/>
-            <a:lstStyle/>
-            <a:p>
-              <a:pPr algn="ctr"/>
-              <a:endParaRPr lang="en-US"/>
-            </a:p>
-          </p:txBody>
-        </p:sp>
-        <p:sp>
-          <p:nvSpPr>
             <p:cNvPr id="14" name="Forme libre 13"/>
             <p:cNvSpPr/>
             <p:nvPr/>
           </p:nvSpPr>
           <p:spPr>
             <a:xfrm>
-              <a:off x="3131840" y="2225807"/>
-              <a:ext cx="2448272" cy="1096001"/>
+              <a:off x="3347864" y="2225807"/>
+              <a:ext cx="2232248" cy="1097684"/>
             </a:xfrm>
             <a:custGeom>
               <a:avLst/>
@@ -23103,6 +22927,12 @@
                 <a:gd name="connsiteY1" fmla="*/ 867889 h 930618"/>
                 <a:gd name="connsiteX2" fmla="*/ 2448272 w 2448272"/>
                 <a:gd name="connsiteY2" fmla="*/ 0 h 930618"/>
+                <a:gd name="connsiteX0" fmla="*/ 0 w 2232248"/>
+                <a:gd name="connsiteY0" fmla="*/ 384954 h 932048"/>
+                <a:gd name="connsiteX1" fmla="*/ 1239376 w 2232248"/>
+                <a:gd name="connsiteY1" fmla="*/ 867889 h 932048"/>
+                <a:gd name="connsiteX2" fmla="*/ 2232248 w 2232248"/>
+                <a:gd name="connsiteY2" fmla="*/ 0 h 932048"/>
               </a:gdLst>
               <a:ahLst/>
               <a:cxnLst>
@@ -23118,19 +22948,19 @@
               </a:cxnLst>
               <a:rect l="l" t="t" r="r" b="b"/>
               <a:pathLst>
-                <a:path w="2448272" h="930618">
+                <a:path w="2232248" h="932048">
                   <a:moveTo>
-                    <a:pt x="0" y="376375"/>
+                    <a:pt x="0" y="384954"/>
                   </a:moveTo>
                   <a:cubicBezTo>
-                    <a:pt x="515620" y="404315"/>
-                    <a:pt x="1047355" y="930618"/>
-                    <a:pt x="1455400" y="867889"/>
+                    <a:pt x="515620" y="412894"/>
+                    <a:pt x="867335" y="932048"/>
+                    <a:pt x="1239376" y="867889"/>
                   </a:cubicBezTo>
                   <a:cubicBezTo>
-                    <a:pt x="1863445" y="805160"/>
-                    <a:pt x="2098596" y="358069"/>
-                    <a:pt x="2448272" y="0"/>
+                    <a:pt x="1611417" y="803730"/>
+                    <a:pt x="1882572" y="358069"/>
+                    <a:pt x="2232248" y="0"/>
                   </a:cubicBezTo>
                 </a:path>
               </a:pathLst>
@@ -23189,15 +23019,7 @@
             <a:pPr algn="l"/>
             <a:r>
               <a:rPr lang="en-US" sz="4000" dirty="0" smtClean="0"/>
-              <a:t>State </a:t>
-            </a:r>
-            <a:r>
-              <a:rPr lang="en-US" sz="4000" dirty="0" smtClean="0"/>
-              <a:t>machine induction from </a:t>
-            </a:r>
-            <a:r>
-              <a:rPr lang="en-US" sz="4000" dirty="0" smtClean="0"/>
-              <a:t>scenarios and goals</a:t>
+              <a:t>State machine induction from scenarios</a:t>
             </a:r>
             <a:endParaRPr lang="en-US" sz="4000" dirty="0"/>
           </a:p>
@@ -23212,7 +23034,7 @@
           <p:nvPr/>
         </p:nvPicPr>
         <p:blipFill>
-          <a:blip r:embed="rId7" cstate="print"/>
+          <a:blip r:embed="rId4" cstate="print"/>
           <a:stretch>
             <a:fillRect/>
           </a:stretch>
@@ -23232,6 +23054,152 @@
           </a:solidFill>
         </p:spPr>
       </p:pic>
+      <p:pic>
+        <p:nvPicPr>
+          <p:cNvPr id="18" name="Image 17" descr="computer.jpg"/>
+          <p:cNvPicPr>
+            <a:picLocks noChangeAspect="1"/>
+          </p:cNvPicPr>
+          <p:nvPr/>
+        </p:nvPicPr>
+        <p:blipFill>
+          <a:blip r:embed="rId5" cstate="print"/>
+          <a:stretch>
+            <a:fillRect/>
+          </a:stretch>
+        </p:blipFill>
+        <p:spPr>
+          <a:xfrm>
+            <a:off x="3851920" y="3068960"/>
+            <a:ext cx="1368152" cy="1368152"/>
+          </a:xfrm>
+          <a:prstGeom prst="rect">
+            <a:avLst/>
+          </a:prstGeom>
+        </p:spPr>
+      </p:pic>
+      <p:pic>
+        <p:nvPicPr>
+          <p:cNvPr id="15" name="Image 14" descr="negative-scenario.png"/>
+          <p:cNvPicPr>
+            <a:picLocks noChangeAspect="1"/>
+          </p:cNvPicPr>
+          <p:nvPr/>
+        </p:nvPicPr>
+        <p:blipFill>
+          <a:blip r:embed="rId6" cstate="print"/>
+          <a:stretch>
+            <a:fillRect/>
+          </a:stretch>
+        </p:blipFill>
+        <p:spPr>
+          <a:xfrm>
+            <a:off x="3059832" y="5085184"/>
+            <a:ext cx="2430940" cy="1539460"/>
+          </a:xfrm>
+          <a:prstGeom prst="rect">
+            <a:avLst/>
+          </a:prstGeom>
+          <a:solidFill>
+            <a:schemeClr val="lt1">
+              <a:alpha val="90000"/>
+            </a:schemeClr>
+          </a:solidFill>
+        </p:spPr>
+      </p:pic>
+      <p:pic>
+        <p:nvPicPr>
+          <p:cNvPr id="16" name="Image 15" descr="positive-scenario.png"/>
+          <p:cNvPicPr>
+            <a:picLocks noChangeAspect="1"/>
+          </p:cNvPicPr>
+          <p:nvPr/>
+        </p:nvPicPr>
+        <p:blipFill>
+          <a:blip r:embed="rId7" cstate="print"/>
+          <a:stretch>
+            <a:fillRect/>
+          </a:stretch>
+        </p:blipFill>
+        <p:spPr>
+          <a:xfrm>
+            <a:off x="683568" y="1628801"/>
+            <a:ext cx="2533000" cy="1750873"/>
+          </a:xfrm>
+          <a:prstGeom prst="rect">
+            <a:avLst/>
+          </a:prstGeom>
+          <a:solidFill>
+            <a:schemeClr val="lt1">
+              <a:alpha val="90000"/>
+            </a:schemeClr>
+          </a:solidFill>
+        </p:spPr>
+      </p:pic>
+      <p:sp>
+        <p:nvSpPr>
+          <p:cNvPr id="20" name="ZoneTexte 19"/>
+          <p:cNvSpPr txBox="1"/>
+          <p:nvPr/>
+        </p:nvSpPr>
+        <p:spPr>
+          <a:xfrm>
+            <a:off x="179512" y="4853478"/>
+            <a:ext cx="1757212" cy="1815882"/>
+          </a:xfrm>
+          <a:prstGeom prst="rect">
+            <a:avLst/>
+          </a:prstGeom>
+          <a:noFill/>
+        </p:spPr>
+        <p:txBody>
+          <a:bodyPr wrap="none" rtlCol="0">
+            <a:spAutoFit/>
+          </a:bodyPr>
+          <a:lstStyle/>
+          <a:p>
+            <a:r>
+              <a:rPr lang="en-US" sz="2800" dirty="0" smtClean="0">
+                <a:latin typeface="Berlin Sans FB" pitchFamily="34" charset="0"/>
+              </a:rPr>
+              <a:t>Adapts</a:t>
+            </a:r>
+          </a:p>
+          <a:p>
+            <a:r>
+              <a:rPr lang="en-US" sz="2800" dirty="0" smtClean="0">
+                <a:latin typeface="Berlin Sans FB" pitchFamily="34" charset="0"/>
+              </a:rPr>
+              <a:t>Grammar </a:t>
+            </a:r>
+            <a:br>
+              <a:rPr lang="en-US" sz="2800" dirty="0" smtClean="0">
+                <a:latin typeface="Berlin Sans FB" pitchFamily="34" charset="0"/>
+              </a:rPr>
+            </a:br>
+            <a:r>
+              <a:rPr lang="en-US" sz="2800" dirty="0" smtClean="0">
+                <a:latin typeface="Berlin Sans FB" pitchFamily="34" charset="0"/>
+              </a:rPr>
+              <a:t>induction </a:t>
+            </a:r>
+            <a:br>
+              <a:rPr lang="en-US" sz="2800" dirty="0" smtClean="0">
+                <a:latin typeface="Berlin Sans FB" pitchFamily="34" charset="0"/>
+              </a:rPr>
+            </a:br>
+            <a:r>
+              <a:rPr lang="en-US" sz="2400" dirty="0" smtClean="0">
+                <a:latin typeface="Berlin Sans FB" pitchFamily="34" charset="0"/>
+              </a:rPr>
+              <a:t>[Onc92]</a:t>
+            </a:r>
+            <a:endParaRPr lang="en-US" sz="2800" dirty="0">
+              <a:latin typeface="Berlin Sans FB" pitchFamily="34" charset="0"/>
+            </a:endParaRPr>
+          </a:p>
+        </p:txBody>
+      </p:sp>
     </p:spTree>
   </p:cSld>
   <p:clrMapOvr>
@@ -23266,73 +23234,165 @@
       </p:grpSpPr>
       <p:sp>
         <p:nvSpPr>
-          <p:cNvPr id="2" name="Titre 1"/>
-          <p:cNvSpPr>
-            <a:spLocks noGrp="1"/>
-          </p:cNvSpPr>
-          <p:nvPr>
-            <p:ph type="title"/>
-          </p:nvPr>
+          <p:cNvPr id="19" name="Ellipse 18"/>
+          <p:cNvSpPr/>
+          <p:nvPr/>
         </p:nvSpPr>
-        <p:spPr/>
+        <p:spPr>
+          <a:xfrm>
+            <a:off x="2123728" y="1554705"/>
+            <a:ext cx="4824536" cy="4684694"/>
+          </a:xfrm>
+          <a:prstGeom prst="ellipse">
+            <a:avLst/>
+          </a:prstGeom>
+          <a:noFill/>
+          <a:ln w="85725">
+            <a:solidFill>
+              <a:schemeClr val="tx1"/>
+            </a:solidFill>
+            <a:prstDash val="sysDash"/>
+          </a:ln>
+        </p:spPr>
+        <p:style>
+          <a:lnRef idx="2">
+            <a:schemeClr val="accent2"/>
+          </a:lnRef>
+          <a:fillRef idx="1">
+            <a:schemeClr val="lt1"/>
+          </a:fillRef>
+          <a:effectRef idx="0">
+            <a:schemeClr val="accent2"/>
+          </a:effectRef>
+          <a:fontRef idx="minor">
+            <a:schemeClr val="dk1"/>
+          </a:fontRef>
+        </p:style>
         <p:txBody>
-          <a:bodyPr>
-            <a:noAutofit/>
-          </a:bodyPr>
+          <a:bodyPr rtlCol="0" anchor="ctr"/>
           <a:lstStyle/>
           <a:p>
-            <a:pPr algn="l"/>
-            <a:r>
-              <a:rPr lang="en-US" sz="4000" dirty="0" smtClean="0"/>
-              <a:t>Interactive state machine induction from scenarios</a:t>
-            </a:r>
-            <a:endParaRPr lang="en-US" sz="4000" dirty="0"/>
+            <a:pPr algn="ctr"/>
+            <a:endParaRPr lang="en-US"/>
           </a:p>
         </p:txBody>
       </p:sp>
+      <p:pic>
+        <p:nvPicPr>
+          <p:cNvPr id="13" name="Image 12" descr="composed-system.png"/>
+          <p:cNvPicPr>
+            <a:picLocks noChangeAspect="1"/>
+          </p:cNvPicPr>
+          <p:nvPr/>
+        </p:nvPicPr>
+        <p:blipFill>
+          <a:blip r:embed="rId3" cstate="print"/>
+          <a:stretch>
+            <a:fillRect/>
+          </a:stretch>
+        </p:blipFill>
+        <p:spPr>
+          <a:xfrm>
+            <a:off x="4473906" y="1412776"/>
+            <a:ext cx="3770502" cy="936104"/>
+          </a:xfrm>
+          <a:prstGeom prst="rect">
+            <a:avLst/>
+          </a:prstGeom>
+          <a:solidFill>
+            <a:schemeClr val="lt1">
+              <a:alpha val="90000"/>
+            </a:schemeClr>
+          </a:solidFill>
+        </p:spPr>
+      </p:pic>
       <p:grpSp>
         <p:nvGrpSpPr>
-          <p:cNvPr id="67" name="Groupe 66"/>
+          <p:cNvPr id="2" name="Groupe 35"/>
           <p:cNvGrpSpPr/>
           <p:nvPr/>
         </p:nvGrpSpPr>
         <p:grpSpPr>
           <a:xfrm>
-            <a:off x="427412" y="4437112"/>
-            <a:ext cx="5512740" cy="1800698"/>
-            <a:chOff x="427412" y="4437112"/>
-            <a:chExt cx="5512740" cy="1800698"/>
+            <a:off x="3347864" y="2780928"/>
+            <a:ext cx="2232248" cy="2141592"/>
+            <a:chOff x="3347864" y="2225807"/>
+            <a:chExt cx="2232248" cy="2696713"/>
           </a:xfrm>
         </p:grpSpPr>
         <p:sp>
           <p:nvSpPr>
-            <p:cNvPr id="29" name="Flèche droite 28"/>
+            <p:cNvPr id="17" name="Forme libre 16"/>
             <p:cNvSpPr/>
             <p:nvPr/>
           </p:nvSpPr>
           <p:spPr>
-            <a:xfrm rot="5400000">
-              <a:off x="4680012" y="4401108"/>
-              <a:ext cx="432048" cy="504056"/>
-            </a:xfrm>
-            <a:prstGeom prst="rightArrow">
+            <a:xfrm>
+              <a:off x="4211960" y="3185793"/>
+              <a:ext cx="588640" cy="1736727"/>
+            </a:xfrm>
+            <a:custGeom>
               <a:avLst/>
-            </a:prstGeom>
+              <a:gdLst>
+                <a:gd name="connsiteX0" fmla="*/ 142240 w 721360"/>
+                <a:gd name="connsiteY0" fmla="*/ 1691640 h 1691640"/>
+                <a:gd name="connsiteX1" fmla="*/ 96520 w 721360"/>
+                <a:gd name="connsiteY1" fmla="*/ 716280 h 1691640"/>
+                <a:gd name="connsiteX2" fmla="*/ 721360 w 721360"/>
+                <a:gd name="connsiteY2" fmla="*/ 0 h 1691640"/>
+                <a:gd name="connsiteX0" fmla="*/ 142240 w 721360"/>
+                <a:gd name="connsiteY0" fmla="*/ 1760014 h 1760014"/>
+                <a:gd name="connsiteX1" fmla="*/ 96520 w 721360"/>
+                <a:gd name="connsiteY1" fmla="*/ 784654 h 1760014"/>
+                <a:gd name="connsiteX2" fmla="*/ 721360 w 721360"/>
+                <a:gd name="connsiteY2" fmla="*/ 0 h 1760014"/>
+              </a:gdLst>
+              <a:ahLst/>
+              <a:cxnLst>
+                <a:cxn ang="0">
+                  <a:pos x="connsiteX0" y="connsiteY0"/>
+                </a:cxn>
+                <a:cxn ang="0">
+                  <a:pos x="connsiteX1" y="connsiteY1"/>
+                </a:cxn>
+                <a:cxn ang="0">
+                  <a:pos x="connsiteX2" y="connsiteY2"/>
+                </a:cxn>
+              </a:cxnLst>
+              <a:rect l="l" t="t" r="r" b="b"/>
+              <a:pathLst>
+                <a:path w="721360" h="1760014">
+                  <a:moveTo>
+                    <a:pt x="142240" y="1760014"/>
+                  </a:moveTo>
+                  <a:cubicBezTo>
+                    <a:pt x="71120" y="1413304"/>
+                    <a:pt x="0" y="1077990"/>
+                    <a:pt x="96520" y="784654"/>
+                  </a:cubicBezTo>
+                  <a:cubicBezTo>
+                    <a:pt x="193040" y="491318"/>
+                    <a:pt x="457200" y="217170"/>
+                    <a:pt x="721360" y="0"/>
+                  </a:cubicBezTo>
+                </a:path>
+              </a:pathLst>
+            </a:custGeom>
+            <a:ln w="76200"/>
+            <a:effectLst/>
           </p:spPr>
           <p:style>
-            <a:lnRef idx="2">
-              <a:schemeClr val="accent1">
-                <a:shade val="50000"/>
-              </a:schemeClr>
+            <a:lnRef idx="3">
+              <a:schemeClr val="accent2"/>
             </a:lnRef>
-            <a:fillRef idx="1">
-              <a:schemeClr val="accent1"/>
+            <a:fillRef idx="0">
+              <a:schemeClr val="accent2"/>
             </a:fillRef>
-            <a:effectRef idx="0">
-              <a:schemeClr val="accent1"/>
+            <a:effectRef idx="2">
+              <a:schemeClr val="accent2"/>
             </a:effectRef>
             <a:fontRef idx="minor">
-              <a:schemeClr val="lt1"/>
+              <a:schemeClr val="tx1"/>
             </a:fontRef>
           </p:style>
           <p:txBody>
@@ -23344,60 +23404,363 @@
             </a:p>
           </p:txBody>
         </p:sp>
-        <p:pic>
-          <p:nvPicPr>
-            <p:cNvPr id="28" name="Image 27" descr="composed-system.png"/>
-            <p:cNvPicPr>
-              <a:picLocks noChangeAspect="1"/>
-            </p:cNvPicPr>
-            <p:nvPr/>
-          </p:nvPicPr>
-          <p:blipFill>
-            <a:blip r:embed="rId2" cstate="print"/>
-            <a:stretch>
-              <a:fillRect/>
-            </a:stretch>
-          </p:blipFill>
+        <p:sp>
+          <p:nvSpPr>
+            <p:cNvPr id="14" name="Forme libre 13"/>
+            <p:cNvSpPr/>
+            <p:nvPr/>
+          </p:nvSpPr>
           <p:spPr>
             <a:xfrm>
-              <a:off x="427412" y="4869160"/>
-              <a:ext cx="5512740" cy="1368650"/>
-            </a:xfrm>
-            <a:prstGeom prst="rect">
+              <a:off x="3347864" y="2225807"/>
+              <a:ext cx="2232248" cy="1097684"/>
+            </a:xfrm>
+            <a:custGeom>
               <a:avLst/>
-            </a:prstGeom>
-          </p:spPr>
-        </p:pic>
+              <a:gdLst>
+                <a:gd name="connsiteX0" fmla="*/ 0 w 2133600"/>
+                <a:gd name="connsiteY0" fmla="*/ 1066800 h 1122680"/>
+                <a:gd name="connsiteX1" fmla="*/ 1386840 w 2133600"/>
+                <a:gd name="connsiteY1" fmla="*/ 944880 h 1122680"/>
+                <a:gd name="connsiteX2" fmla="*/ 2133600 w 2133600"/>
+                <a:gd name="connsiteY2" fmla="*/ 0 h 1122680"/>
+                <a:gd name="connsiteX0" fmla="*/ 0 w 2202160"/>
+                <a:gd name="connsiteY0" fmla="*/ 453366 h 1020441"/>
+                <a:gd name="connsiteX1" fmla="*/ 1455400 w 2202160"/>
+                <a:gd name="connsiteY1" fmla="*/ 944880 h 1020441"/>
+                <a:gd name="connsiteX2" fmla="*/ 2202160 w 2202160"/>
+                <a:gd name="connsiteY2" fmla="*/ 0 h 1020441"/>
+                <a:gd name="connsiteX0" fmla="*/ 0 w 2448272"/>
+                <a:gd name="connsiteY0" fmla="*/ 376375 h 930618"/>
+                <a:gd name="connsiteX1" fmla="*/ 1455400 w 2448272"/>
+                <a:gd name="connsiteY1" fmla="*/ 867889 h 930618"/>
+                <a:gd name="connsiteX2" fmla="*/ 2448272 w 2448272"/>
+                <a:gd name="connsiteY2" fmla="*/ 0 h 930618"/>
+                <a:gd name="connsiteX0" fmla="*/ 0 w 2448272"/>
+                <a:gd name="connsiteY0" fmla="*/ 376375 h 930618"/>
+                <a:gd name="connsiteX1" fmla="*/ 1455400 w 2448272"/>
+                <a:gd name="connsiteY1" fmla="*/ 867889 h 930618"/>
+                <a:gd name="connsiteX2" fmla="*/ 2448272 w 2448272"/>
+                <a:gd name="connsiteY2" fmla="*/ 0 h 930618"/>
+                <a:gd name="connsiteX0" fmla="*/ 0 w 2448272"/>
+                <a:gd name="connsiteY0" fmla="*/ 376375 h 930618"/>
+                <a:gd name="connsiteX1" fmla="*/ 1455400 w 2448272"/>
+                <a:gd name="connsiteY1" fmla="*/ 867889 h 930618"/>
+                <a:gd name="connsiteX2" fmla="*/ 2448272 w 2448272"/>
+                <a:gd name="connsiteY2" fmla="*/ 0 h 930618"/>
+                <a:gd name="connsiteX0" fmla="*/ 0 w 2232248"/>
+                <a:gd name="connsiteY0" fmla="*/ 384954 h 932048"/>
+                <a:gd name="connsiteX1" fmla="*/ 1239376 w 2232248"/>
+                <a:gd name="connsiteY1" fmla="*/ 867889 h 932048"/>
+                <a:gd name="connsiteX2" fmla="*/ 2232248 w 2232248"/>
+                <a:gd name="connsiteY2" fmla="*/ 0 h 932048"/>
+              </a:gdLst>
+              <a:ahLst/>
+              <a:cxnLst>
+                <a:cxn ang="0">
+                  <a:pos x="connsiteX0" y="connsiteY0"/>
+                </a:cxn>
+                <a:cxn ang="0">
+                  <a:pos x="connsiteX1" y="connsiteY1"/>
+                </a:cxn>
+                <a:cxn ang="0">
+                  <a:pos x="connsiteX2" y="connsiteY2"/>
+                </a:cxn>
+              </a:cxnLst>
+              <a:rect l="l" t="t" r="r" b="b"/>
+              <a:pathLst>
+                <a:path w="2232248" h="932048">
+                  <a:moveTo>
+                    <a:pt x="0" y="384954"/>
+                  </a:moveTo>
+                  <a:cubicBezTo>
+                    <a:pt x="515620" y="412894"/>
+                    <a:pt x="867335" y="932048"/>
+                    <a:pt x="1239376" y="867889"/>
+                  </a:cubicBezTo>
+                  <a:cubicBezTo>
+                    <a:pt x="1611417" y="803730"/>
+                    <a:pt x="1882572" y="358069"/>
+                    <a:pt x="2232248" y="0"/>
+                  </a:cubicBezTo>
+                </a:path>
+              </a:pathLst>
+            </a:custGeom>
+            <a:ln w="76200">
+              <a:tailEnd type="arrow"/>
+            </a:ln>
+            <a:effectLst/>
+          </p:spPr>
+          <p:style>
+            <a:lnRef idx="3">
+              <a:schemeClr val="accent2"/>
+            </a:lnRef>
+            <a:fillRef idx="0">
+              <a:schemeClr val="accent2"/>
+            </a:fillRef>
+            <a:effectRef idx="2">
+              <a:schemeClr val="accent2"/>
+            </a:effectRef>
+            <a:fontRef idx="minor">
+              <a:schemeClr val="tx1"/>
+            </a:fontRef>
+          </p:style>
+          <p:txBody>
+            <a:bodyPr rtlCol="0" anchor="ctr"/>
+            <a:lstStyle/>
+            <a:p>
+              <a:pPr algn="ctr"/>
+              <a:endParaRPr lang="en-US"/>
+            </a:p>
+          </p:txBody>
+        </p:sp>
       </p:grpSp>
       <p:sp>
         <p:nvSpPr>
-          <p:cNvPr id="14" name="Flèche droite 13"/>
+          <p:cNvPr id="34" name="Titre 1"/>
+          <p:cNvSpPr>
+            <a:spLocks noGrp="1"/>
+          </p:cNvSpPr>
+          <p:nvPr>
+            <p:ph type="title"/>
+          </p:nvPr>
+        </p:nvSpPr>
+        <p:spPr>
+          <a:xfrm>
+            <a:off x="457200" y="274638"/>
+            <a:ext cx="8229600" cy="1143000"/>
+          </a:xfrm>
+        </p:spPr>
+        <p:txBody>
+          <a:bodyPr>
+            <a:noAutofit/>
+          </a:bodyPr>
+          <a:lstStyle/>
+          <a:p>
+            <a:pPr algn="l"/>
+            <a:r>
+              <a:rPr lang="en-US" sz="4000" dirty="0" smtClean="0">
+                <a:solidFill>
+                  <a:srgbClr val="C00000"/>
+                </a:solidFill>
+              </a:rPr>
+              <a:t>Interactive</a:t>
+            </a:r>
+            <a:r>
+              <a:rPr lang="en-US" sz="4000" dirty="0" smtClean="0"/>
+              <a:t> State </a:t>
+            </a:r>
+            <a:r>
+              <a:rPr lang="en-US" sz="4000" dirty="0" smtClean="0"/>
+              <a:t>machine induction from scenarios</a:t>
+            </a:r>
+            <a:endParaRPr lang="en-US" sz="4000" dirty="0"/>
+          </a:p>
+        </p:txBody>
+      </p:sp>
+      <p:pic>
+        <p:nvPicPr>
+          <p:cNvPr id="35" name="Image 34" descr="state-machine.png"/>
+          <p:cNvPicPr>
+            <a:picLocks noChangeAspect="1"/>
+          </p:cNvPicPr>
+          <p:nvPr/>
+        </p:nvPicPr>
+        <p:blipFill>
+          <a:blip r:embed="rId4" cstate="print"/>
+          <a:stretch>
+            <a:fillRect/>
+          </a:stretch>
+        </p:blipFill>
+        <p:spPr>
+          <a:xfrm>
+            <a:off x="5868144" y="2636912"/>
+            <a:ext cx="3064585" cy="1080120"/>
+          </a:xfrm>
+          <a:prstGeom prst="rect">
+            <a:avLst/>
+          </a:prstGeom>
+          <a:solidFill>
+            <a:schemeClr val="lt1">
+              <a:alpha val="90000"/>
+            </a:schemeClr>
+          </a:solidFill>
+        </p:spPr>
+      </p:pic>
+      <p:pic>
+        <p:nvPicPr>
+          <p:cNvPr id="15" name="Image 14" descr="negative-scenario.png"/>
+          <p:cNvPicPr>
+            <a:picLocks noChangeAspect="1"/>
+          </p:cNvPicPr>
+          <p:nvPr/>
+        </p:nvPicPr>
+        <p:blipFill>
+          <a:blip r:embed="rId5" cstate="print"/>
+          <a:stretch>
+            <a:fillRect/>
+          </a:stretch>
+        </p:blipFill>
+        <p:spPr>
+          <a:xfrm>
+            <a:off x="3059832" y="5085184"/>
+            <a:ext cx="2430940" cy="1539460"/>
+          </a:xfrm>
+          <a:prstGeom prst="rect">
+            <a:avLst/>
+          </a:prstGeom>
+          <a:solidFill>
+            <a:schemeClr val="lt1">
+              <a:alpha val="90000"/>
+            </a:schemeClr>
+          </a:solidFill>
+        </p:spPr>
+      </p:pic>
+      <p:pic>
+        <p:nvPicPr>
+          <p:cNvPr id="16" name="Image 15" descr="positive-scenario.png"/>
+          <p:cNvPicPr>
+            <a:picLocks noChangeAspect="1"/>
+          </p:cNvPicPr>
+          <p:nvPr/>
+        </p:nvPicPr>
+        <p:blipFill>
+          <a:blip r:embed="rId6" cstate="print"/>
+          <a:stretch>
+            <a:fillRect/>
+          </a:stretch>
+        </p:blipFill>
+        <p:spPr>
+          <a:xfrm>
+            <a:off x="683568" y="1628801"/>
+            <a:ext cx="2533000" cy="1750873"/>
+          </a:xfrm>
+          <a:prstGeom prst="rect">
+            <a:avLst/>
+          </a:prstGeom>
+          <a:solidFill>
+            <a:schemeClr val="lt1">
+              <a:alpha val="90000"/>
+            </a:schemeClr>
+          </a:solidFill>
+        </p:spPr>
+      </p:pic>
+      <p:pic>
+        <p:nvPicPr>
+          <p:cNvPr id="21" name="Image 20" descr="scenario-question.png"/>
+          <p:cNvPicPr>
+            <a:picLocks noChangeAspect="1"/>
+          </p:cNvPicPr>
+          <p:nvPr/>
+        </p:nvPicPr>
+        <p:blipFill>
+          <a:blip r:embed="rId7" cstate="print"/>
+          <a:stretch>
+            <a:fillRect/>
+          </a:stretch>
+        </p:blipFill>
+        <p:spPr>
+          <a:xfrm>
+            <a:off x="5948756" y="4188026"/>
+            <a:ext cx="2509840" cy="1832516"/>
+          </a:xfrm>
+          <a:prstGeom prst="rect">
+            <a:avLst/>
+          </a:prstGeom>
+        </p:spPr>
+      </p:pic>
+      <p:pic>
+        <p:nvPicPr>
+          <p:cNvPr id="12" name="Image 11" descr="brain.jpg"/>
+          <p:cNvPicPr>
+            <a:picLocks noChangeAspect="1"/>
+          </p:cNvPicPr>
+          <p:nvPr/>
+        </p:nvPicPr>
+        <p:blipFill>
+          <a:blip r:embed="rId8" cstate="print"/>
+          <a:stretch>
+            <a:fillRect/>
+          </a:stretch>
+        </p:blipFill>
+        <p:spPr>
+          <a:xfrm>
+            <a:off x="7820964" y="5700194"/>
+            <a:ext cx="1071516" cy="753142"/>
+          </a:xfrm>
+          <a:prstGeom prst="rect">
+            <a:avLst/>
+          </a:prstGeom>
+        </p:spPr>
+      </p:pic>
+      <p:sp>
+        <p:nvSpPr>
+          <p:cNvPr id="22" name="Forme libre 21"/>
           <p:cNvSpPr/>
           <p:nvPr/>
         </p:nvSpPr>
         <p:spPr>
           <a:xfrm>
-            <a:off x="3347864" y="3140967"/>
-            <a:ext cx="432048" cy="504056"/>
+            <a:off x="4602480" y="3718560"/>
+            <a:ext cx="1193656" cy="502528"/>
           </a:xfrm>
-          <a:prstGeom prst="rightArrow">
+          <a:custGeom>
             <a:avLst/>
-          </a:prstGeom>
+            <a:gdLst>
+              <a:gd name="connsiteX0" fmla="*/ 0 w 1051560"/>
+              <a:gd name="connsiteY0" fmla="*/ 0 h 411480"/>
+              <a:gd name="connsiteX1" fmla="*/ 548640 w 1051560"/>
+              <a:gd name="connsiteY1" fmla="*/ 91440 h 411480"/>
+              <a:gd name="connsiteX2" fmla="*/ 1051560 w 1051560"/>
+              <a:gd name="connsiteY2" fmla="*/ 411480 h 411480"/>
+            </a:gdLst>
+            <a:ahLst/>
+            <a:cxnLst>
+              <a:cxn ang="0">
+                <a:pos x="connsiteX0" y="connsiteY0"/>
+              </a:cxn>
+              <a:cxn ang="0">
+                <a:pos x="connsiteX1" y="connsiteY1"/>
+              </a:cxn>
+              <a:cxn ang="0">
+                <a:pos x="connsiteX2" y="connsiteY2"/>
+              </a:cxn>
+            </a:cxnLst>
+            <a:rect l="l" t="t" r="r" b="b"/>
+            <a:pathLst>
+              <a:path w="1051560" h="411480">
+                <a:moveTo>
+                  <a:pt x="0" y="0"/>
+                </a:moveTo>
+                <a:cubicBezTo>
+                  <a:pt x="186690" y="11430"/>
+                  <a:pt x="373380" y="22860"/>
+                  <a:pt x="548640" y="91440"/>
+                </a:cubicBezTo>
+                <a:cubicBezTo>
+                  <a:pt x="723900" y="160020"/>
+                  <a:pt x="887730" y="285750"/>
+                  <a:pt x="1051560" y="411480"/>
+                </a:cubicBezTo>
+              </a:path>
+            </a:pathLst>
+          </a:custGeom>
+          <a:ln w="76200">
+            <a:tailEnd type="arrow"/>
+          </a:ln>
         </p:spPr>
         <p:style>
-          <a:lnRef idx="2">
-            <a:schemeClr val="accent1">
-              <a:shade val="50000"/>
-            </a:schemeClr>
+          <a:lnRef idx="3">
+            <a:schemeClr val="accent2"/>
           </a:lnRef>
-          <a:fillRef idx="1">
-            <a:schemeClr val="accent1"/>
+          <a:fillRef idx="0">
+            <a:schemeClr val="accent2"/>
           </a:fillRef>
-          <a:effectRef idx="0">
-            <a:schemeClr val="accent1"/>
+          <a:effectRef idx="2">
+            <a:schemeClr val="accent2"/>
           </a:effectRef>
           <a:fontRef idx="minor">
-            <a:schemeClr val="lt1"/>
+            <a:schemeClr val="tx1"/>
           </a:fontRef>
         </p:style>
         <p:txBody>
@@ -23411,14 +23774,122 @@
       </p:sp>
       <p:sp>
         <p:nvSpPr>
-          <p:cNvPr id="65" name="ZoneTexte 64"/>
+          <p:cNvPr id="23" name="Forme libre 22"/>
+          <p:cNvSpPr/>
+          <p:nvPr/>
+        </p:nvSpPr>
+        <p:spPr>
+          <a:xfrm rot="17316672">
+            <a:off x="4890767" y="3732889"/>
+            <a:ext cx="588640" cy="1379220"/>
+          </a:xfrm>
+          <a:custGeom>
+            <a:avLst/>
+            <a:gdLst>
+              <a:gd name="connsiteX0" fmla="*/ 142240 w 721360"/>
+              <a:gd name="connsiteY0" fmla="*/ 1691640 h 1691640"/>
+              <a:gd name="connsiteX1" fmla="*/ 96520 w 721360"/>
+              <a:gd name="connsiteY1" fmla="*/ 716280 h 1691640"/>
+              <a:gd name="connsiteX2" fmla="*/ 721360 w 721360"/>
+              <a:gd name="connsiteY2" fmla="*/ 0 h 1691640"/>
+              <a:gd name="connsiteX0" fmla="*/ 142240 w 721360"/>
+              <a:gd name="connsiteY0" fmla="*/ 1760014 h 1760014"/>
+              <a:gd name="connsiteX1" fmla="*/ 96520 w 721360"/>
+              <a:gd name="connsiteY1" fmla="*/ 784654 h 1760014"/>
+              <a:gd name="connsiteX2" fmla="*/ 721360 w 721360"/>
+              <a:gd name="connsiteY2" fmla="*/ 0 h 1760014"/>
+            </a:gdLst>
+            <a:ahLst/>
+            <a:cxnLst>
+              <a:cxn ang="0">
+                <a:pos x="connsiteX0" y="connsiteY0"/>
+              </a:cxn>
+              <a:cxn ang="0">
+                <a:pos x="connsiteX1" y="connsiteY1"/>
+              </a:cxn>
+              <a:cxn ang="0">
+                <a:pos x="connsiteX2" y="connsiteY2"/>
+              </a:cxn>
+            </a:cxnLst>
+            <a:rect l="l" t="t" r="r" b="b"/>
+            <a:pathLst>
+              <a:path w="721360" h="1760014">
+                <a:moveTo>
+                  <a:pt x="142240" y="1760014"/>
+                </a:moveTo>
+                <a:cubicBezTo>
+                  <a:pt x="71120" y="1413304"/>
+                  <a:pt x="0" y="1077990"/>
+                  <a:pt x="96520" y="784654"/>
+                </a:cubicBezTo>
+                <a:cubicBezTo>
+                  <a:pt x="193040" y="491318"/>
+                  <a:pt x="457200" y="217170"/>
+                  <a:pt x="721360" y="0"/>
+                </a:cubicBezTo>
+              </a:path>
+            </a:pathLst>
+          </a:custGeom>
+          <a:ln w="76200"/>
+          <a:effectLst/>
+        </p:spPr>
+        <p:style>
+          <a:lnRef idx="3">
+            <a:schemeClr val="accent2"/>
+          </a:lnRef>
+          <a:fillRef idx="0">
+            <a:schemeClr val="accent2"/>
+          </a:fillRef>
+          <a:effectRef idx="2">
+            <a:schemeClr val="accent2"/>
+          </a:effectRef>
+          <a:fontRef idx="minor">
+            <a:schemeClr val="tx1"/>
+          </a:fontRef>
+        </p:style>
+        <p:txBody>
+          <a:bodyPr rtlCol="0" anchor="ctr"/>
+          <a:lstStyle/>
+          <a:p>
+            <a:pPr algn="ctr"/>
+            <a:endParaRPr lang="en-US"/>
+          </a:p>
+        </p:txBody>
+      </p:sp>
+      <p:pic>
+        <p:nvPicPr>
+          <p:cNvPr id="18" name="Image 17" descr="computer.jpg"/>
+          <p:cNvPicPr>
+            <a:picLocks noChangeAspect="1"/>
+          </p:cNvPicPr>
+          <p:nvPr/>
+        </p:nvPicPr>
+        <p:blipFill>
+          <a:blip r:embed="rId9" cstate="print"/>
+          <a:stretch>
+            <a:fillRect/>
+          </a:stretch>
+        </p:blipFill>
+        <p:spPr>
+          <a:xfrm>
+            <a:off x="3851920" y="3068960"/>
+            <a:ext cx="1368152" cy="1368152"/>
+          </a:xfrm>
+          <a:prstGeom prst="rect">
+            <a:avLst/>
+          </a:prstGeom>
+        </p:spPr>
+      </p:pic>
+      <p:sp>
+        <p:nvSpPr>
+          <p:cNvPr id="24" name="ZoneTexte 23"/>
           <p:cNvSpPr txBox="1"/>
           <p:nvPr/>
         </p:nvSpPr>
         <p:spPr>
           <a:xfrm>
-            <a:off x="4056896" y="1814344"/>
-            <a:ext cx="1301959" cy="769441"/>
+            <a:off x="179512" y="4941168"/>
+            <a:ext cx="2395207" cy="1754326"/>
           </a:xfrm>
           <a:prstGeom prst="rect">
             <a:avLst/>
@@ -23432,390 +23903,44 @@
           <a:lstStyle/>
           <a:p>
             <a:r>
-              <a:rPr lang="en-US" sz="4400" dirty="0" smtClean="0">
+              <a:rPr lang="en-US" sz="2800" dirty="0" smtClean="0">
                 <a:latin typeface="Berlin Sans FB" pitchFamily="34" charset="0"/>
               </a:rPr>
-              <a:t>QSM</a:t>
+              <a:t>QSM: </a:t>
             </a:r>
-            <a:endParaRPr lang="en-US" sz="4400" dirty="0">
+          </a:p>
+          <a:p>
+            <a:r>
+              <a:rPr lang="en-US" sz="2800" dirty="0" smtClean="0">
+                <a:latin typeface="Berlin Sans FB" pitchFamily="34" charset="0"/>
+              </a:rPr>
+              <a:t>Query driven </a:t>
+            </a:r>
+          </a:p>
+          <a:p>
+            <a:r>
+              <a:rPr lang="en-US" sz="2800" dirty="0" smtClean="0">
+                <a:latin typeface="Berlin Sans FB" pitchFamily="34" charset="0"/>
+              </a:rPr>
+              <a:t>State Merging </a:t>
+            </a:r>
+            <a:br>
+              <a:rPr lang="en-US" sz="2800" dirty="0" smtClean="0">
+                <a:latin typeface="Berlin Sans FB" pitchFamily="34" charset="0"/>
+              </a:rPr>
+            </a:br>
+            <a:r>
+              <a:rPr lang="en-US" sz="2400" dirty="0" smtClean="0">
+                <a:latin typeface="Berlin Sans FB" pitchFamily="34" charset="0"/>
+              </a:rPr>
+              <a:t>[Dam05, Dup08]</a:t>
+            </a:r>
+            <a:endParaRPr lang="en-US" sz="2800" dirty="0">
               <a:latin typeface="Berlin Sans FB" pitchFamily="34" charset="0"/>
             </a:endParaRPr>
           </a:p>
         </p:txBody>
       </p:sp>
-      <p:sp>
-        <p:nvSpPr>
-          <p:cNvPr id="70" name="Flèche droite 69"/>
-          <p:cNvSpPr/>
-          <p:nvPr/>
-        </p:nvSpPr>
-        <p:spPr>
-          <a:xfrm rot="13397962">
-            <a:off x="5561380" y="4232471"/>
-            <a:ext cx="1567699" cy="504056"/>
-          </a:xfrm>
-          <a:prstGeom prst="rightArrow">
-            <a:avLst/>
-          </a:prstGeom>
-        </p:spPr>
-        <p:style>
-          <a:lnRef idx="2">
-            <a:schemeClr val="accent1">
-              <a:shade val="50000"/>
-            </a:schemeClr>
-          </a:lnRef>
-          <a:fillRef idx="1">
-            <a:schemeClr val="accent1"/>
-          </a:fillRef>
-          <a:effectRef idx="0">
-            <a:schemeClr val="accent1"/>
-          </a:effectRef>
-          <a:fontRef idx="minor">
-            <a:schemeClr val="lt1"/>
-          </a:fontRef>
-        </p:style>
-        <p:txBody>
-          <a:bodyPr rtlCol="0" anchor="ctr"/>
-          <a:lstStyle/>
-          <a:p>
-            <a:pPr algn="ctr"/>
-            <a:endParaRPr lang="en-US"/>
-          </a:p>
-        </p:txBody>
-      </p:sp>
-      <p:pic>
-        <p:nvPicPr>
-          <p:cNvPr id="71" name="Image 70" descr="computer.jpg"/>
-          <p:cNvPicPr>
-            <a:picLocks noChangeAspect="1"/>
-          </p:cNvPicPr>
-          <p:nvPr/>
-        </p:nvPicPr>
-        <p:blipFill>
-          <a:blip r:embed="rId3" cstate="print"/>
-          <a:stretch>
-            <a:fillRect/>
-          </a:stretch>
-        </p:blipFill>
-        <p:spPr>
-          <a:xfrm>
-            <a:off x="3819128" y="2473464"/>
-            <a:ext cx="1760984" cy="1760984"/>
-          </a:xfrm>
-          <a:prstGeom prst="rect">
-            <a:avLst/>
-          </a:prstGeom>
-        </p:spPr>
-      </p:pic>
-      <p:grpSp>
-        <p:nvGrpSpPr>
-          <p:cNvPr id="25" name="Groupe 24"/>
-          <p:cNvGrpSpPr/>
-          <p:nvPr/>
-        </p:nvGrpSpPr>
-        <p:grpSpPr>
-          <a:xfrm>
-            <a:off x="353154" y="2071011"/>
-            <a:ext cx="2879160" cy="2265627"/>
-            <a:chOff x="323528" y="1916832"/>
-            <a:chExt cx="2879160" cy="2265627"/>
-          </a:xfrm>
-        </p:grpSpPr>
-        <p:pic>
-          <p:nvPicPr>
-            <p:cNvPr id="24" name="Image 23" descr="positive-scenario.png"/>
-            <p:cNvPicPr>
-              <a:picLocks noChangeAspect="1"/>
-            </p:cNvPicPr>
-            <p:nvPr/>
-          </p:nvPicPr>
-          <p:blipFill>
-            <a:blip r:embed="rId4" cstate="print"/>
-            <a:stretch>
-              <a:fillRect/>
-            </a:stretch>
-          </p:blipFill>
-          <p:spPr>
-            <a:xfrm>
-              <a:off x="323528" y="1916832"/>
-              <a:ext cx="2577176" cy="1781409"/>
-            </a:xfrm>
-            <a:prstGeom prst="rect">
-              <a:avLst/>
-            </a:prstGeom>
-          </p:spPr>
-        </p:pic>
-        <p:pic>
-          <p:nvPicPr>
-            <p:cNvPr id="23" name="Image 22" descr="pickup-scenario.png"/>
-            <p:cNvPicPr>
-              <a:picLocks noChangeAspect="1"/>
-            </p:cNvPicPr>
-            <p:nvPr/>
-          </p:nvPicPr>
-          <p:blipFill>
-            <a:blip r:embed="rId5" cstate="print"/>
-            <a:stretch>
-              <a:fillRect/>
-            </a:stretch>
-          </p:blipFill>
-          <p:spPr>
-            <a:xfrm>
-              <a:off x="467544" y="2219378"/>
-              <a:ext cx="2577176" cy="1781409"/>
-            </a:xfrm>
-            <a:prstGeom prst="rect">
-              <a:avLst/>
-            </a:prstGeom>
-          </p:spPr>
-        </p:pic>
-        <p:pic>
-          <p:nvPicPr>
-            <p:cNvPr id="22" name="Image 21" descr="negative-scenario.png"/>
-            <p:cNvPicPr>
-              <a:picLocks noChangeAspect="1"/>
-            </p:cNvPicPr>
-            <p:nvPr/>
-          </p:nvPicPr>
-          <p:blipFill>
-            <a:blip r:embed="rId6" cstate="print"/>
-            <a:stretch>
-              <a:fillRect/>
-            </a:stretch>
-          </p:blipFill>
-          <p:spPr>
-            <a:xfrm>
-              <a:off x="625512" y="2550390"/>
-              <a:ext cx="2577176" cy="1632069"/>
-            </a:xfrm>
-            <a:prstGeom prst="rect">
-              <a:avLst/>
-            </a:prstGeom>
-          </p:spPr>
-        </p:pic>
-      </p:grpSp>
-      <p:grpSp>
-        <p:nvGrpSpPr>
-          <p:cNvPr id="68" name="Groupe 67"/>
-          <p:cNvGrpSpPr/>
-          <p:nvPr/>
-        </p:nvGrpSpPr>
-        <p:grpSpPr>
-          <a:xfrm>
-            <a:off x="5508104" y="1052736"/>
-            <a:ext cx="3315098" cy="1976532"/>
-            <a:chOff x="5508104" y="1052736"/>
-            <a:chExt cx="3315098" cy="1976532"/>
-          </a:xfrm>
-        </p:grpSpPr>
-        <p:pic>
-          <p:nvPicPr>
-            <p:cNvPr id="59" name="Image 58" descr="scenario-question.png"/>
-            <p:cNvPicPr>
-              <a:picLocks noChangeAspect="1"/>
-            </p:cNvPicPr>
-            <p:nvPr/>
-          </p:nvPicPr>
-          <p:blipFill>
-            <a:blip r:embed="rId7" cstate="print"/>
-            <a:stretch>
-              <a:fillRect/>
-            </a:stretch>
-          </p:blipFill>
-          <p:spPr>
-            <a:xfrm>
-              <a:off x="6116116" y="1052736"/>
-              <a:ext cx="2707086" cy="1976532"/>
-            </a:xfrm>
-            <a:prstGeom prst="rect">
-              <a:avLst/>
-            </a:prstGeom>
-          </p:spPr>
-        </p:pic>
-        <p:sp>
-          <p:nvSpPr>
-            <p:cNvPr id="60" name="Flèche droite 59"/>
-            <p:cNvSpPr/>
-            <p:nvPr/>
-          </p:nvSpPr>
-          <p:spPr>
-            <a:xfrm>
-              <a:off x="5508104" y="2348880"/>
-              <a:ext cx="432048" cy="504056"/>
-            </a:xfrm>
-            <a:prstGeom prst="rightArrow">
-              <a:avLst/>
-            </a:prstGeom>
-          </p:spPr>
-          <p:style>
-            <a:lnRef idx="2">
-              <a:schemeClr val="accent1">
-                <a:shade val="50000"/>
-              </a:schemeClr>
-            </a:lnRef>
-            <a:fillRef idx="1">
-              <a:schemeClr val="accent1"/>
-            </a:fillRef>
-            <a:effectRef idx="0">
-              <a:schemeClr val="accent1"/>
-            </a:effectRef>
-            <a:fontRef idx="minor">
-              <a:schemeClr val="lt1"/>
-            </a:fontRef>
-          </p:style>
-          <p:txBody>
-            <a:bodyPr rtlCol="0" anchor="ctr"/>
-            <a:lstStyle/>
-            <a:p>
-              <a:pPr algn="ctr"/>
-              <a:endParaRPr lang="en-US"/>
-            </a:p>
-          </p:txBody>
-        </p:sp>
-      </p:grpSp>
-      <p:grpSp>
-        <p:nvGrpSpPr>
-          <p:cNvPr id="27" name="Groupe 26"/>
-          <p:cNvGrpSpPr/>
-          <p:nvPr/>
-        </p:nvGrpSpPr>
-        <p:grpSpPr>
-          <a:xfrm>
-            <a:off x="6817113" y="3068960"/>
-            <a:ext cx="1788755" cy="3528392"/>
-            <a:chOff x="6817113" y="3068960"/>
-            <a:chExt cx="1788755" cy="3528392"/>
-          </a:xfrm>
-        </p:grpSpPr>
-        <p:pic>
-          <p:nvPicPr>
-            <p:cNvPr id="61" name="Image 60" descr="brain.jpg"/>
-            <p:cNvPicPr>
-              <a:picLocks noChangeAspect="1"/>
-            </p:cNvPicPr>
-            <p:nvPr/>
-          </p:nvPicPr>
-          <p:blipFill>
-            <a:blip r:embed="rId8" cstate="print"/>
-            <a:stretch>
-              <a:fillRect/>
-            </a:stretch>
-          </p:blipFill>
-          <p:spPr>
-            <a:xfrm>
-              <a:off x="7388916" y="3645024"/>
-              <a:ext cx="1071516" cy="753142"/>
-            </a:xfrm>
-            <a:prstGeom prst="rect">
-              <a:avLst/>
-            </a:prstGeom>
-          </p:spPr>
-        </p:pic>
-        <p:pic>
-          <p:nvPicPr>
-            <p:cNvPr id="62" name="Image 61" descr="goals.png"/>
-            <p:cNvPicPr>
-              <a:picLocks noChangeAspect="1"/>
-            </p:cNvPicPr>
-            <p:nvPr/>
-          </p:nvPicPr>
-          <p:blipFill>
-            <a:blip r:embed="rId9" cstate="print"/>
-            <a:stretch>
-              <a:fillRect/>
-            </a:stretch>
-          </p:blipFill>
-          <p:spPr>
-            <a:xfrm>
-              <a:off x="6817113" y="5051430"/>
-              <a:ext cx="1788755" cy="1545922"/>
-            </a:xfrm>
-            <a:prstGeom prst="rect">
-              <a:avLst/>
-            </a:prstGeom>
-          </p:spPr>
-        </p:pic>
-        <p:sp>
-          <p:nvSpPr>
-            <p:cNvPr id="64" name="Flèche droite 63"/>
-            <p:cNvSpPr/>
-            <p:nvPr/>
-          </p:nvSpPr>
-          <p:spPr>
-            <a:xfrm rot="5400000">
-              <a:off x="7708650" y="4457876"/>
-              <a:ext cx="432048" cy="504056"/>
-            </a:xfrm>
-            <a:prstGeom prst="rightArrow">
-              <a:avLst/>
-            </a:prstGeom>
-          </p:spPr>
-          <p:style>
-            <a:lnRef idx="2">
-              <a:schemeClr val="accent1">
-                <a:shade val="50000"/>
-              </a:schemeClr>
-            </a:lnRef>
-            <a:fillRef idx="1">
-              <a:schemeClr val="accent1"/>
-            </a:fillRef>
-            <a:effectRef idx="0">
-              <a:schemeClr val="accent1"/>
-            </a:effectRef>
-            <a:fontRef idx="minor">
-              <a:schemeClr val="lt1"/>
-            </a:fontRef>
-          </p:style>
-          <p:txBody>
-            <a:bodyPr rtlCol="0" anchor="ctr"/>
-            <a:lstStyle/>
-            <a:p>
-              <a:pPr algn="ctr"/>
-              <a:endParaRPr lang="en-US"/>
-            </a:p>
-          </p:txBody>
-        </p:sp>
-        <p:sp>
-          <p:nvSpPr>
-            <p:cNvPr id="26" name="Flèche droite 25"/>
-            <p:cNvSpPr/>
-            <p:nvPr/>
-          </p:nvSpPr>
-          <p:spPr>
-            <a:xfrm rot="5400000">
-              <a:off x="7701507" y="3032956"/>
-              <a:ext cx="432048" cy="504056"/>
-            </a:xfrm>
-            <a:prstGeom prst="rightArrow">
-              <a:avLst/>
-            </a:prstGeom>
-          </p:spPr>
-          <p:style>
-            <a:lnRef idx="2">
-              <a:schemeClr val="accent1">
-                <a:shade val="50000"/>
-              </a:schemeClr>
-            </a:lnRef>
-            <a:fillRef idx="1">
-              <a:schemeClr val="accent1"/>
-            </a:fillRef>
-            <a:effectRef idx="0">
-              <a:schemeClr val="accent1"/>
-            </a:effectRef>
-            <a:fontRef idx="minor">
-              <a:schemeClr val="lt1"/>
-            </a:fontRef>
-          </p:style>
-          <p:txBody>
-            <a:bodyPr rtlCol="0" anchor="ctr"/>
-            <a:lstStyle/>
-            <a:p>
-              <a:pPr algn="ctr"/>
-              <a:endParaRPr lang="en-US"/>
-            </a:p>
-          </p:txBody>
-        </p:sp>
-      </p:grpSp>
     </p:spTree>
   </p:cSld>
   <p:clrMapOvr>
@@ -23824,215 +23949,9 @@
   <p:timing>
     <p:tnLst>
       <p:par>
-        <p:cTn id="1" dur="indefinite" restart="never" nodeType="tmRoot">
-          <p:childTnLst>
-            <p:seq concurrent="1" nextAc="seek">
-              <p:cTn id="2" dur="indefinite" nodeType="mainSeq">
-                <p:childTnLst>
-                  <p:par>
-                    <p:cTn id="3" fill="hold">
-                      <p:stCondLst>
-                        <p:cond delay="indefinite"/>
-                      </p:stCondLst>
-                      <p:childTnLst>
-                        <p:par>
-                          <p:cTn id="4" fill="hold">
-                            <p:stCondLst>
-                              <p:cond delay="0"/>
-                            </p:stCondLst>
-                            <p:childTnLst>
-                              <p:par>
-                                <p:cTn id="5" presetID="1" presetClass="entr" presetSubtype="0" fill="hold" nodeType="clickEffect">
-                                  <p:stCondLst>
-                                    <p:cond delay="0"/>
-                                  </p:stCondLst>
-                                  <p:childTnLst>
-                                    <p:set>
-                                      <p:cBhvr>
-                                        <p:cTn id="6" dur="1" fill="hold">
-                                          <p:stCondLst>
-                                            <p:cond delay="0"/>
-                                          </p:stCondLst>
-                                        </p:cTn>
-                                        <p:tgtEl>
-                                          <p:spTgt spid="67"/>
-                                        </p:tgtEl>
-                                        <p:attrNameLst>
-                                          <p:attrName>style.visibility</p:attrName>
-                                        </p:attrNameLst>
-                                      </p:cBhvr>
-                                      <p:to>
-                                        <p:strVal val="visible"/>
-                                      </p:to>
-                                    </p:set>
-                                  </p:childTnLst>
-                                </p:cTn>
-                              </p:par>
-                            </p:childTnLst>
-                          </p:cTn>
-                        </p:par>
-                      </p:childTnLst>
-                    </p:cTn>
-                  </p:par>
-                  <p:par>
-                    <p:cTn id="7" fill="hold">
-                      <p:stCondLst>
-                        <p:cond delay="indefinite"/>
-                      </p:stCondLst>
-                      <p:childTnLst>
-                        <p:par>
-                          <p:cTn id="8" fill="hold">
-                            <p:stCondLst>
-                              <p:cond delay="0"/>
-                            </p:stCondLst>
-                            <p:childTnLst>
-                              <p:par>
-                                <p:cTn id="9" presetID="1" presetClass="entr" presetSubtype="0" fill="hold" nodeType="clickEffect">
-                                  <p:stCondLst>
-                                    <p:cond delay="0"/>
-                                  </p:stCondLst>
-                                  <p:childTnLst>
-                                    <p:set>
-                                      <p:cBhvr>
-                                        <p:cTn id="10" dur="1" fill="hold">
-                                          <p:stCondLst>
-                                            <p:cond delay="0"/>
-                                          </p:stCondLst>
-                                        </p:cTn>
-                                        <p:tgtEl>
-                                          <p:spTgt spid="68"/>
-                                        </p:tgtEl>
-                                        <p:attrNameLst>
-                                          <p:attrName>style.visibility</p:attrName>
-                                        </p:attrNameLst>
-                                      </p:cBhvr>
-                                      <p:to>
-                                        <p:strVal val="visible"/>
-                                      </p:to>
-                                    </p:set>
-                                  </p:childTnLst>
-                                </p:cTn>
-                              </p:par>
-                            </p:childTnLst>
-                          </p:cTn>
-                        </p:par>
-                      </p:childTnLst>
-                    </p:cTn>
-                  </p:par>
-                  <p:par>
-                    <p:cTn id="11" fill="hold">
-                      <p:stCondLst>
-                        <p:cond delay="indefinite"/>
-                      </p:stCondLst>
-                      <p:childTnLst>
-                        <p:par>
-                          <p:cTn id="12" fill="hold">
-                            <p:stCondLst>
-                              <p:cond delay="0"/>
-                            </p:stCondLst>
-                            <p:childTnLst>
-                              <p:par>
-                                <p:cTn id="13" presetID="1" presetClass="entr" presetSubtype="0" fill="hold" nodeType="clickEffect">
-                                  <p:stCondLst>
-                                    <p:cond delay="0"/>
-                                  </p:stCondLst>
-                                  <p:childTnLst>
-                                    <p:set>
-                                      <p:cBhvr>
-                                        <p:cTn id="14" dur="1" fill="hold">
-                                          <p:stCondLst>
-                                            <p:cond delay="0"/>
-                                          </p:stCondLst>
-                                        </p:cTn>
-                                        <p:tgtEl>
-                                          <p:spTgt spid="27"/>
-                                        </p:tgtEl>
-                                        <p:attrNameLst>
-                                          <p:attrName>style.visibility</p:attrName>
-                                        </p:attrNameLst>
-                                      </p:cBhvr>
-                                      <p:to>
-                                        <p:strVal val="visible"/>
-                                      </p:to>
-                                    </p:set>
-                                  </p:childTnLst>
-                                </p:cTn>
-                              </p:par>
-                            </p:childTnLst>
-                          </p:cTn>
-                        </p:par>
-                      </p:childTnLst>
-                    </p:cTn>
-                  </p:par>
-                  <p:par>
-                    <p:cTn id="15" fill="hold">
-                      <p:stCondLst>
-                        <p:cond delay="indefinite"/>
-                      </p:stCondLst>
-                      <p:childTnLst>
-                        <p:par>
-                          <p:cTn id="16" fill="hold">
-                            <p:stCondLst>
-                              <p:cond delay="0"/>
-                            </p:stCondLst>
-                            <p:childTnLst>
-                              <p:par>
-                                <p:cTn id="17" presetID="1" presetClass="entr" presetSubtype="0" fill="hold" grpId="0" nodeType="clickEffect">
-                                  <p:stCondLst>
-                                    <p:cond delay="0"/>
-                                  </p:stCondLst>
-                                  <p:childTnLst>
-                                    <p:set>
-                                      <p:cBhvr>
-                                        <p:cTn id="18" dur="1" fill="hold">
-                                          <p:stCondLst>
-                                            <p:cond delay="0"/>
-                                          </p:stCondLst>
-                                        </p:cTn>
-                                        <p:tgtEl>
-                                          <p:spTgt spid="70"/>
-                                        </p:tgtEl>
-                                        <p:attrNameLst>
-                                          <p:attrName>style.visibility</p:attrName>
-                                        </p:attrNameLst>
-                                      </p:cBhvr>
-                                      <p:to>
-                                        <p:strVal val="visible"/>
-                                      </p:to>
-                                    </p:set>
-                                  </p:childTnLst>
-                                </p:cTn>
-                              </p:par>
-                            </p:childTnLst>
-                          </p:cTn>
-                        </p:par>
-                      </p:childTnLst>
-                    </p:cTn>
-                  </p:par>
-                </p:childTnLst>
-              </p:cTn>
-              <p:prevCondLst>
-                <p:cond evt="onPrev" delay="0">
-                  <p:tgtEl>
-                    <p:sldTgt/>
-                  </p:tgtEl>
-                </p:cond>
-              </p:prevCondLst>
-              <p:nextCondLst>
-                <p:cond evt="onNext" delay="0">
-                  <p:tgtEl>
-                    <p:sldTgt/>
-                  </p:tgtEl>
-                </p:cond>
-              </p:nextCondLst>
-            </p:seq>
-          </p:childTnLst>
-        </p:cTn>
+        <p:cTn id="1" dur="indefinite" restart="never" nodeType="tmRoot"/>
       </p:par>
     </p:tnLst>
-    <p:bldLst>
-      <p:bldP spid="70" grpId="0" animBg="1"/>
-    </p:bldLst>
   </p:timing>
 </p:sld>
 </file>
@@ -24056,113 +23975,35 @@
       </p:grpSpPr>
       <p:sp>
         <p:nvSpPr>
-          <p:cNvPr id="44" name="Rectangle à coins arrondis 43"/>
+          <p:cNvPr id="19" name="Ellipse 18"/>
           <p:cNvSpPr/>
           <p:nvPr/>
         </p:nvSpPr>
         <p:spPr>
           <a:xfrm>
-            <a:off x="5508104" y="1052736"/>
-            <a:ext cx="3096344" cy="936104"/>
+            <a:off x="2123728" y="1554705"/>
+            <a:ext cx="4824536" cy="4684694"/>
           </a:xfrm>
-          <a:prstGeom prst="roundRect">
+          <a:prstGeom prst="ellipse">
             <a:avLst/>
           </a:prstGeom>
+          <a:noFill/>
+          <a:ln w="85725">
+            <a:solidFill>
+              <a:schemeClr val="tx1"/>
+            </a:solidFill>
+            <a:prstDash val="sysDash"/>
+          </a:ln>
         </p:spPr>
         <p:style>
           <a:lnRef idx="2">
-            <a:schemeClr val="dk1"/>
+            <a:schemeClr val="accent2"/>
           </a:lnRef>
           <a:fillRef idx="1">
             <a:schemeClr val="lt1"/>
           </a:fillRef>
           <a:effectRef idx="0">
-            <a:schemeClr val="dk1"/>
-          </a:effectRef>
-          <a:fontRef idx="minor">
-            <a:schemeClr val="dk1"/>
-          </a:fontRef>
-        </p:style>
-        <p:txBody>
-          <a:bodyPr rtlCol="0" anchor="ctr"/>
-          <a:lstStyle/>
-          <a:p>
-            <a:pPr algn="ctr"/>
-            <a:r>
-              <a:rPr lang="en-US" sz="2800" dirty="0" smtClean="0">
-                <a:latin typeface="Berlin Sans FB" pitchFamily="34" charset="0"/>
-              </a:rPr>
-              <a:t>Subscribing and identification</a:t>
-            </a:r>
-            <a:endParaRPr lang="en-US" sz="2800" dirty="0">
-              <a:latin typeface="Berlin Sans FB" pitchFamily="34" charset="0"/>
-            </a:endParaRPr>
-          </a:p>
-        </p:txBody>
-      </p:sp>
-      <p:sp>
-        <p:nvSpPr>
-          <p:cNvPr id="58" name="Titre 1"/>
-          <p:cNvSpPr>
-            <a:spLocks noGrp="1"/>
-          </p:cNvSpPr>
-          <p:nvPr>
-            <p:ph type="title"/>
-          </p:nvPr>
-        </p:nvSpPr>
-        <p:spPr>
-          <a:xfrm>
-            <a:off x="457200" y="274638"/>
-            <a:ext cx="8229600" cy="1143000"/>
-          </a:xfrm>
-          <a:noFill/>
-        </p:spPr>
-        <p:txBody>
-          <a:bodyPr>
-            <a:noAutofit/>
-          </a:bodyPr>
-          <a:lstStyle/>
-          <a:p>
-            <a:pPr algn="l">
-              <a:lnSpc>
-                <a:spcPts val="4800"/>
-              </a:lnSpc>
-            </a:pPr>
-            <a:r>
-              <a:rPr lang="en-US" dirty="0" smtClean="0"/>
-              <a:t>Scenario questions</a:t>
-            </a:r>
-            <a:endParaRPr lang="en-US" dirty="0"/>
-          </a:p>
-        </p:txBody>
-      </p:sp>
-      <p:sp>
-        <p:nvSpPr>
-          <p:cNvPr id="121" name="Arrondir un rectangle avec un coin diagonal 120"/>
-          <p:cNvSpPr/>
-          <p:nvPr/>
-        </p:nvSpPr>
-        <p:spPr>
-          <a:xfrm flipV="1">
-            <a:off x="971600" y="3429000"/>
-            <a:ext cx="7272808" cy="3096344"/>
-          </a:xfrm>
-          <a:prstGeom prst="round2DiagRect">
-            <a:avLst>
-              <a:gd name="adj1" fmla="val 9337"/>
-              <a:gd name="adj2" fmla="val 0"/>
-            </a:avLst>
-          </a:prstGeom>
-        </p:spPr>
-        <p:style>
-          <a:lnRef idx="2">
-            <a:schemeClr val="dk1"/>
-          </a:lnRef>
-          <a:fillRef idx="1">
-            <a:schemeClr val="lt1"/>
-          </a:fillRef>
-          <a:effectRef idx="0">
-            <a:schemeClr val="dk1"/>
+            <a:schemeClr val="accent2"/>
           </a:effectRef>
           <a:fontRef idx="minor">
             <a:schemeClr val="dk1"/>
@@ -24177,583 +24018,498 @@
           </a:p>
         </p:txBody>
       </p:sp>
-      <p:cxnSp>
-        <p:nvCxnSpPr>
-          <p:cNvPr id="122" name="Connecteur droit avec flèche 121"/>
-          <p:cNvCxnSpPr/>
+      <p:pic>
+        <p:nvPicPr>
+          <p:cNvPr id="13" name="Image 12" descr="composed-system.png"/>
+          <p:cNvPicPr>
+            <a:picLocks noChangeAspect="1"/>
+          </p:cNvPicPr>
           <p:nvPr/>
-        </p:nvCxnSpPr>
+        </p:nvPicPr>
+        <p:blipFill>
+          <a:blip r:embed="rId3" cstate="print"/>
+          <a:stretch>
+            <a:fillRect/>
+          </a:stretch>
+        </p:blipFill>
         <p:spPr>
           <a:xfrm>
-            <a:off x="1799692" y="4941168"/>
-            <a:ext cx="0" cy="1404000"/>
+            <a:off x="4473906" y="1412776"/>
+            <a:ext cx="3770502" cy="936104"/>
           </a:xfrm>
-          <a:prstGeom prst="straightConnector1">
+          <a:prstGeom prst="rect">
             <a:avLst/>
           </a:prstGeom>
-          <a:ln>
+          <a:solidFill>
+            <a:schemeClr val="lt1">
+              <a:alpha val="90000"/>
+            </a:schemeClr>
+          </a:solidFill>
+        </p:spPr>
+      </p:pic>
+      <p:grpSp>
+        <p:nvGrpSpPr>
+          <p:cNvPr id="2" name="Groupe 35"/>
+          <p:cNvGrpSpPr/>
+          <p:nvPr/>
+        </p:nvGrpSpPr>
+        <p:grpSpPr>
+          <a:xfrm>
+            <a:off x="3347864" y="2780928"/>
+            <a:ext cx="2232248" cy="2141592"/>
+            <a:chOff x="3347864" y="2225807"/>
+            <a:chExt cx="2232248" cy="2696713"/>
+          </a:xfrm>
+        </p:grpSpPr>
+        <p:sp>
+          <p:nvSpPr>
+            <p:cNvPr id="17" name="Forme libre 16"/>
+            <p:cNvSpPr/>
+            <p:nvPr/>
+          </p:nvSpPr>
+          <p:spPr>
+            <a:xfrm>
+              <a:off x="4211960" y="3185793"/>
+              <a:ext cx="588640" cy="1736727"/>
+            </a:xfrm>
+            <a:custGeom>
+              <a:avLst/>
+              <a:gdLst>
+                <a:gd name="connsiteX0" fmla="*/ 142240 w 721360"/>
+                <a:gd name="connsiteY0" fmla="*/ 1691640 h 1691640"/>
+                <a:gd name="connsiteX1" fmla="*/ 96520 w 721360"/>
+                <a:gd name="connsiteY1" fmla="*/ 716280 h 1691640"/>
+                <a:gd name="connsiteX2" fmla="*/ 721360 w 721360"/>
+                <a:gd name="connsiteY2" fmla="*/ 0 h 1691640"/>
+                <a:gd name="connsiteX0" fmla="*/ 142240 w 721360"/>
+                <a:gd name="connsiteY0" fmla="*/ 1760014 h 1760014"/>
+                <a:gd name="connsiteX1" fmla="*/ 96520 w 721360"/>
+                <a:gd name="connsiteY1" fmla="*/ 784654 h 1760014"/>
+                <a:gd name="connsiteX2" fmla="*/ 721360 w 721360"/>
+                <a:gd name="connsiteY2" fmla="*/ 0 h 1760014"/>
+              </a:gdLst>
+              <a:ahLst/>
+              <a:cxnLst>
+                <a:cxn ang="0">
+                  <a:pos x="connsiteX0" y="connsiteY0"/>
+                </a:cxn>
+                <a:cxn ang="0">
+                  <a:pos x="connsiteX1" y="connsiteY1"/>
+                </a:cxn>
+                <a:cxn ang="0">
+                  <a:pos x="connsiteX2" y="connsiteY2"/>
+                </a:cxn>
+              </a:cxnLst>
+              <a:rect l="l" t="t" r="r" b="b"/>
+              <a:pathLst>
+                <a:path w="721360" h="1760014">
+                  <a:moveTo>
+                    <a:pt x="142240" y="1760014"/>
+                  </a:moveTo>
+                  <a:cubicBezTo>
+                    <a:pt x="71120" y="1413304"/>
+                    <a:pt x="0" y="1077990"/>
+                    <a:pt x="96520" y="784654"/>
+                  </a:cubicBezTo>
+                  <a:cubicBezTo>
+                    <a:pt x="193040" y="491318"/>
+                    <a:pt x="457200" y="217170"/>
+                    <a:pt x="721360" y="0"/>
+                  </a:cubicBezTo>
+                </a:path>
+              </a:pathLst>
+            </a:custGeom>
+            <a:ln w="76200"/>
+            <a:effectLst/>
+          </p:spPr>
+          <p:style>
+            <a:lnRef idx="3">
+              <a:schemeClr val="accent2"/>
+            </a:lnRef>
+            <a:fillRef idx="0">
+              <a:schemeClr val="accent2"/>
+            </a:fillRef>
+            <a:effectRef idx="2">
+              <a:schemeClr val="accent2"/>
+            </a:effectRef>
+            <a:fontRef idx="minor">
+              <a:schemeClr val="tx1"/>
+            </a:fontRef>
+          </p:style>
+          <p:txBody>
+            <a:bodyPr rtlCol="0" anchor="ctr"/>
+            <a:lstStyle/>
+            <a:p>
+              <a:pPr algn="ctr"/>
+              <a:endParaRPr lang="en-US"/>
+            </a:p>
+          </p:txBody>
+        </p:sp>
+        <p:sp>
+          <p:nvSpPr>
+            <p:cNvPr id="14" name="Forme libre 13"/>
+            <p:cNvSpPr/>
+            <p:nvPr/>
+          </p:nvSpPr>
+          <p:spPr>
+            <a:xfrm>
+              <a:off x="3347864" y="2225807"/>
+              <a:ext cx="2232248" cy="1097684"/>
+            </a:xfrm>
+            <a:custGeom>
+              <a:avLst/>
+              <a:gdLst>
+                <a:gd name="connsiteX0" fmla="*/ 0 w 2133600"/>
+                <a:gd name="connsiteY0" fmla="*/ 1066800 h 1122680"/>
+                <a:gd name="connsiteX1" fmla="*/ 1386840 w 2133600"/>
+                <a:gd name="connsiteY1" fmla="*/ 944880 h 1122680"/>
+                <a:gd name="connsiteX2" fmla="*/ 2133600 w 2133600"/>
+                <a:gd name="connsiteY2" fmla="*/ 0 h 1122680"/>
+                <a:gd name="connsiteX0" fmla="*/ 0 w 2202160"/>
+                <a:gd name="connsiteY0" fmla="*/ 453366 h 1020441"/>
+                <a:gd name="connsiteX1" fmla="*/ 1455400 w 2202160"/>
+                <a:gd name="connsiteY1" fmla="*/ 944880 h 1020441"/>
+                <a:gd name="connsiteX2" fmla="*/ 2202160 w 2202160"/>
+                <a:gd name="connsiteY2" fmla="*/ 0 h 1020441"/>
+                <a:gd name="connsiteX0" fmla="*/ 0 w 2448272"/>
+                <a:gd name="connsiteY0" fmla="*/ 376375 h 930618"/>
+                <a:gd name="connsiteX1" fmla="*/ 1455400 w 2448272"/>
+                <a:gd name="connsiteY1" fmla="*/ 867889 h 930618"/>
+                <a:gd name="connsiteX2" fmla="*/ 2448272 w 2448272"/>
+                <a:gd name="connsiteY2" fmla="*/ 0 h 930618"/>
+                <a:gd name="connsiteX0" fmla="*/ 0 w 2448272"/>
+                <a:gd name="connsiteY0" fmla="*/ 376375 h 930618"/>
+                <a:gd name="connsiteX1" fmla="*/ 1455400 w 2448272"/>
+                <a:gd name="connsiteY1" fmla="*/ 867889 h 930618"/>
+                <a:gd name="connsiteX2" fmla="*/ 2448272 w 2448272"/>
+                <a:gd name="connsiteY2" fmla="*/ 0 h 930618"/>
+                <a:gd name="connsiteX0" fmla="*/ 0 w 2448272"/>
+                <a:gd name="connsiteY0" fmla="*/ 376375 h 930618"/>
+                <a:gd name="connsiteX1" fmla="*/ 1455400 w 2448272"/>
+                <a:gd name="connsiteY1" fmla="*/ 867889 h 930618"/>
+                <a:gd name="connsiteX2" fmla="*/ 2448272 w 2448272"/>
+                <a:gd name="connsiteY2" fmla="*/ 0 h 930618"/>
+                <a:gd name="connsiteX0" fmla="*/ 0 w 2232248"/>
+                <a:gd name="connsiteY0" fmla="*/ 384954 h 932048"/>
+                <a:gd name="connsiteX1" fmla="*/ 1239376 w 2232248"/>
+                <a:gd name="connsiteY1" fmla="*/ 867889 h 932048"/>
+                <a:gd name="connsiteX2" fmla="*/ 2232248 w 2232248"/>
+                <a:gd name="connsiteY2" fmla="*/ 0 h 932048"/>
+              </a:gdLst>
+              <a:ahLst/>
+              <a:cxnLst>
+                <a:cxn ang="0">
+                  <a:pos x="connsiteX0" y="connsiteY0"/>
+                </a:cxn>
+                <a:cxn ang="0">
+                  <a:pos x="connsiteX1" y="connsiteY1"/>
+                </a:cxn>
+                <a:cxn ang="0">
+                  <a:pos x="connsiteX2" y="connsiteY2"/>
+                </a:cxn>
+              </a:cxnLst>
+              <a:rect l="l" t="t" r="r" b="b"/>
+              <a:pathLst>
+                <a:path w="2232248" h="932048">
+                  <a:moveTo>
+                    <a:pt x="0" y="384954"/>
+                  </a:moveTo>
+                  <a:cubicBezTo>
+                    <a:pt x="515620" y="412894"/>
+                    <a:pt x="867335" y="932048"/>
+                    <a:pt x="1239376" y="867889"/>
+                  </a:cubicBezTo>
+                  <a:cubicBezTo>
+                    <a:pt x="1611417" y="803730"/>
+                    <a:pt x="1882572" y="358069"/>
+                    <a:pt x="2232248" y="0"/>
+                  </a:cubicBezTo>
+                </a:path>
+              </a:pathLst>
+            </a:custGeom>
+            <a:ln w="76200">
+              <a:tailEnd type="arrow"/>
+            </a:ln>
+            <a:effectLst/>
+          </p:spPr>
+          <p:style>
+            <a:lnRef idx="3">
+              <a:schemeClr val="accent2"/>
+            </a:lnRef>
+            <a:fillRef idx="0">
+              <a:schemeClr val="accent2"/>
+            </a:fillRef>
+            <a:effectRef idx="2">
+              <a:schemeClr val="accent2"/>
+            </a:effectRef>
+            <a:fontRef idx="minor">
+              <a:schemeClr val="tx1"/>
+            </a:fontRef>
+          </p:style>
+          <p:txBody>
+            <a:bodyPr rtlCol="0" anchor="ctr"/>
+            <a:lstStyle/>
+            <a:p>
+              <a:pPr algn="ctr"/>
+              <a:endParaRPr lang="en-US"/>
+            </a:p>
+          </p:txBody>
+        </p:sp>
+      </p:grpSp>
+      <p:sp>
+        <p:nvSpPr>
+          <p:cNvPr id="34" name="Titre 1"/>
+          <p:cNvSpPr>
+            <a:spLocks noGrp="1"/>
+          </p:cNvSpPr>
+          <p:nvPr>
+            <p:ph type="title"/>
+          </p:nvPr>
+        </p:nvSpPr>
+        <p:spPr>
+          <a:xfrm>
+            <a:off x="457200" y="274638"/>
+            <a:ext cx="8229600" cy="1143000"/>
+          </a:xfrm>
+        </p:spPr>
+        <p:txBody>
+          <a:bodyPr>
+            <a:noAutofit/>
+          </a:bodyPr>
+          <a:lstStyle/>
+          <a:p>
+            <a:pPr algn="l"/>
+            <a:r>
+              <a:rPr lang="en-US" sz="4000" dirty="0" smtClean="0"/>
+              <a:t>Interactive State </a:t>
+            </a:r>
+            <a:r>
+              <a:rPr lang="en-US" sz="4000" dirty="0" smtClean="0"/>
+              <a:t>machine induction from </a:t>
+            </a:r>
+            <a:r>
+              <a:rPr lang="en-US" sz="4000" dirty="0" smtClean="0"/>
+              <a:t>scenarios </a:t>
+            </a:r>
+            <a:r>
+              <a:rPr lang="en-US" sz="4000" dirty="0" smtClean="0">
+                <a:solidFill>
+                  <a:srgbClr val="C00000"/>
+                </a:solidFill>
+              </a:rPr>
+              <a:t>and goals</a:t>
+            </a:r>
+            <a:endParaRPr lang="en-US" sz="4000" dirty="0">
+              <a:solidFill>
+                <a:srgbClr val="C00000"/>
+              </a:solidFill>
+            </a:endParaRPr>
+          </a:p>
+        </p:txBody>
+      </p:sp>
+      <p:pic>
+        <p:nvPicPr>
+          <p:cNvPr id="35" name="Image 34" descr="state-machine.png"/>
+          <p:cNvPicPr>
+            <a:picLocks noChangeAspect="1"/>
+          </p:cNvPicPr>
+          <p:nvPr/>
+        </p:nvPicPr>
+        <p:blipFill>
+          <a:blip r:embed="rId4" cstate="print"/>
+          <a:stretch>
+            <a:fillRect/>
+          </a:stretch>
+        </p:blipFill>
+        <p:spPr>
+          <a:xfrm>
+            <a:off x="5868144" y="2636912"/>
+            <a:ext cx="3064585" cy="1080120"/>
+          </a:xfrm>
+          <a:prstGeom prst="rect">
+            <a:avLst/>
+          </a:prstGeom>
+          <a:solidFill>
+            <a:schemeClr val="lt1">
+              <a:alpha val="90000"/>
+            </a:schemeClr>
+          </a:solidFill>
+        </p:spPr>
+      </p:pic>
+      <p:pic>
+        <p:nvPicPr>
+          <p:cNvPr id="15" name="Image 14" descr="negative-scenario.png"/>
+          <p:cNvPicPr>
+            <a:picLocks noChangeAspect="1"/>
+          </p:cNvPicPr>
+          <p:nvPr/>
+        </p:nvPicPr>
+        <p:blipFill>
+          <a:blip r:embed="rId5" cstate="print"/>
+          <a:stretch>
+            <a:fillRect/>
+          </a:stretch>
+        </p:blipFill>
+        <p:spPr>
+          <a:xfrm>
+            <a:off x="3059832" y="5085184"/>
+            <a:ext cx="2430940" cy="1539460"/>
+          </a:xfrm>
+          <a:prstGeom prst="rect">
+            <a:avLst/>
+          </a:prstGeom>
+          <a:solidFill>
+            <a:schemeClr val="lt1">
+              <a:alpha val="90000"/>
+            </a:schemeClr>
+          </a:solidFill>
+        </p:spPr>
+      </p:pic>
+      <p:pic>
+        <p:nvPicPr>
+          <p:cNvPr id="16" name="Image 15" descr="positive-scenario.png"/>
+          <p:cNvPicPr>
+            <a:picLocks noChangeAspect="1"/>
+          </p:cNvPicPr>
+          <p:nvPr/>
+        </p:nvPicPr>
+        <p:blipFill>
+          <a:blip r:embed="rId6" cstate="print"/>
+          <a:stretch>
+            <a:fillRect/>
+          </a:stretch>
+        </p:blipFill>
+        <p:spPr>
+          <a:xfrm>
+            <a:off x="683568" y="1628801"/>
+            <a:ext cx="2533000" cy="1750873"/>
+          </a:xfrm>
+          <a:prstGeom prst="rect">
+            <a:avLst/>
+          </a:prstGeom>
+          <a:solidFill>
+            <a:schemeClr val="lt1">
+              <a:alpha val="90000"/>
+            </a:schemeClr>
+          </a:solidFill>
+        </p:spPr>
+      </p:pic>
+      <p:pic>
+        <p:nvPicPr>
+          <p:cNvPr id="21" name="Image 20" descr="scenario-question.png"/>
+          <p:cNvPicPr>
+            <a:picLocks noChangeAspect="1"/>
+          </p:cNvPicPr>
+          <p:nvPr/>
+        </p:nvPicPr>
+        <p:blipFill>
+          <a:blip r:embed="rId7" cstate="print"/>
+          <a:stretch>
+            <a:fillRect/>
+          </a:stretch>
+        </p:blipFill>
+        <p:spPr>
+          <a:xfrm>
+            <a:off x="5948756" y="4188026"/>
+            <a:ext cx="2509840" cy="1832516"/>
+          </a:xfrm>
+          <a:prstGeom prst="rect">
+            <a:avLst/>
+          </a:prstGeom>
+        </p:spPr>
+      </p:pic>
+      <p:pic>
+        <p:nvPicPr>
+          <p:cNvPr id="12" name="Image 11" descr="brain.jpg"/>
+          <p:cNvPicPr>
+            <a:picLocks noChangeAspect="1"/>
+          </p:cNvPicPr>
+          <p:nvPr/>
+        </p:nvPicPr>
+        <p:blipFill>
+          <a:blip r:embed="rId8" cstate="print"/>
+          <a:stretch>
+            <a:fillRect/>
+          </a:stretch>
+        </p:blipFill>
+        <p:spPr>
+          <a:xfrm>
+            <a:off x="7820964" y="5700194"/>
+            <a:ext cx="1071516" cy="753142"/>
+          </a:xfrm>
+          <a:prstGeom prst="rect">
+            <a:avLst/>
+          </a:prstGeom>
+        </p:spPr>
+      </p:pic>
+      <p:sp>
+        <p:nvSpPr>
+          <p:cNvPr id="22" name="Forme libre 21"/>
+          <p:cNvSpPr/>
+          <p:nvPr/>
+        </p:nvSpPr>
+        <p:spPr>
+          <a:xfrm>
+            <a:off x="4602480" y="3718560"/>
+            <a:ext cx="1193656" cy="502528"/>
+          </a:xfrm>
+          <a:custGeom>
+            <a:avLst/>
+            <a:gdLst>
+              <a:gd name="connsiteX0" fmla="*/ 0 w 1051560"/>
+              <a:gd name="connsiteY0" fmla="*/ 0 h 411480"/>
+              <a:gd name="connsiteX1" fmla="*/ 548640 w 1051560"/>
+              <a:gd name="connsiteY1" fmla="*/ 91440 h 411480"/>
+              <a:gd name="connsiteX2" fmla="*/ 1051560 w 1051560"/>
+              <a:gd name="connsiteY2" fmla="*/ 411480 h 411480"/>
+            </a:gdLst>
+            <a:ahLst/>
+            <a:cxnLst>
+              <a:cxn ang="0">
+                <a:pos x="connsiteX0" y="connsiteY0"/>
+              </a:cxn>
+              <a:cxn ang="0">
+                <a:pos x="connsiteX1" y="connsiteY1"/>
+              </a:cxn>
+              <a:cxn ang="0">
+                <a:pos x="connsiteX2" y="connsiteY2"/>
+              </a:cxn>
+            </a:cxnLst>
+            <a:rect l="l" t="t" r="r" b="b"/>
+            <a:pathLst>
+              <a:path w="1051560" h="411480">
+                <a:moveTo>
+                  <a:pt x="0" y="0"/>
+                </a:moveTo>
+                <a:cubicBezTo>
+                  <a:pt x="186690" y="11430"/>
+                  <a:pt x="373380" y="22860"/>
+                  <a:pt x="548640" y="91440"/>
+                </a:cubicBezTo>
+                <a:cubicBezTo>
+                  <a:pt x="723900" y="160020"/>
+                  <a:pt x="887730" y="285750"/>
+                  <a:pt x="1051560" y="411480"/>
+                </a:cubicBezTo>
+              </a:path>
+            </a:pathLst>
+          </a:custGeom>
+          <a:ln w="76200">
             <a:tailEnd type="arrow"/>
           </a:ln>
         </p:spPr>
         <p:style>
           <a:lnRef idx="3">
-            <a:schemeClr val="dk1"/>
+            <a:schemeClr val="accent2"/>
           </a:lnRef>
           <a:fillRef idx="0">
-            <a:schemeClr val="dk1"/>
+            <a:schemeClr val="accent2"/>
           </a:fillRef>
           <a:effectRef idx="2">
-            <a:schemeClr val="dk1"/>
+            <a:schemeClr val="accent2"/>
           </a:effectRef>
           <a:fontRef idx="minor">
             <a:schemeClr val="tx1"/>
-          </a:fontRef>
-        </p:style>
-      </p:cxnSp>
-      <p:cxnSp>
-        <p:nvCxnSpPr>
-          <p:cNvPr id="123" name="Connecteur droit avec flèche 122"/>
-          <p:cNvCxnSpPr/>
-          <p:nvPr/>
-        </p:nvCxnSpPr>
-        <p:spPr>
-          <a:xfrm>
-            <a:off x="3695903" y="4941168"/>
-            <a:ext cx="0" cy="1404000"/>
-          </a:xfrm>
-          <a:prstGeom prst="straightConnector1">
-            <a:avLst/>
-          </a:prstGeom>
-          <a:ln>
-            <a:tailEnd type="arrow"/>
-          </a:ln>
-        </p:spPr>
-        <p:style>
-          <a:lnRef idx="3">
-            <a:schemeClr val="dk1"/>
-          </a:lnRef>
-          <a:fillRef idx="0">
-            <a:schemeClr val="dk1"/>
-          </a:fillRef>
-          <a:effectRef idx="2">
-            <a:schemeClr val="dk1"/>
-          </a:effectRef>
-          <a:fontRef idx="minor">
-            <a:schemeClr val="tx1"/>
-          </a:fontRef>
-        </p:style>
-      </p:cxnSp>
-      <p:cxnSp>
-        <p:nvCxnSpPr>
-          <p:cNvPr id="124" name="Connecteur droit avec flèche 123"/>
-          <p:cNvCxnSpPr/>
-          <p:nvPr/>
-        </p:nvCxnSpPr>
-        <p:spPr>
-          <a:xfrm>
-            <a:off x="5592114" y="4941168"/>
-            <a:ext cx="0" cy="1404000"/>
-          </a:xfrm>
-          <a:prstGeom prst="straightConnector1">
-            <a:avLst/>
-          </a:prstGeom>
-          <a:ln>
-            <a:tailEnd type="arrow"/>
-          </a:ln>
-        </p:spPr>
-        <p:style>
-          <a:lnRef idx="3">
-            <a:schemeClr val="dk1"/>
-          </a:lnRef>
-          <a:fillRef idx="0">
-            <a:schemeClr val="dk1"/>
-          </a:fillRef>
-          <a:effectRef idx="2">
-            <a:schemeClr val="dk1"/>
-          </a:effectRef>
-          <a:fontRef idx="minor">
-            <a:schemeClr val="tx1"/>
-          </a:fontRef>
-        </p:style>
-      </p:cxnSp>
-      <p:cxnSp>
-        <p:nvCxnSpPr>
-          <p:cNvPr id="125" name="Connecteur droit avec flèche 124"/>
-          <p:cNvCxnSpPr/>
-          <p:nvPr/>
-        </p:nvCxnSpPr>
-        <p:spPr>
-          <a:xfrm>
-            <a:off x="7488324" y="4941168"/>
-            <a:ext cx="0" cy="1404000"/>
-          </a:xfrm>
-          <a:prstGeom prst="straightConnector1">
-            <a:avLst/>
-          </a:prstGeom>
-          <a:ln>
-            <a:tailEnd type="arrow"/>
-          </a:ln>
-        </p:spPr>
-        <p:style>
-          <a:lnRef idx="3">
-            <a:schemeClr val="dk1"/>
-          </a:lnRef>
-          <a:fillRef idx="0">
-            <a:schemeClr val="dk1"/>
-          </a:fillRef>
-          <a:effectRef idx="2">
-            <a:schemeClr val="dk1"/>
-          </a:effectRef>
-          <a:fontRef idx="minor">
-            <a:schemeClr val="tx1"/>
-          </a:fontRef>
-        </p:style>
-      </p:cxnSp>
-      <p:grpSp>
-        <p:nvGrpSpPr>
-          <p:cNvPr id="2" name="Groupe 13"/>
-          <p:cNvGrpSpPr/>
-          <p:nvPr/>
-        </p:nvGrpSpPr>
-        <p:grpSpPr>
-          <a:xfrm>
-            <a:off x="1223628" y="3604890"/>
-            <a:ext cx="6696744" cy="1264270"/>
-            <a:chOff x="755576" y="1628800"/>
-            <a:chExt cx="6696744" cy="1264270"/>
-          </a:xfrm>
-        </p:grpSpPr>
-        <p:pic>
-          <p:nvPicPr>
-            <p:cNvPr id="143" name="Image 142" descr="attache-velib.jpg"/>
-            <p:cNvPicPr>
-              <a:picLocks noChangeAspect="1"/>
-            </p:cNvPicPr>
-            <p:nvPr/>
-          </p:nvPicPr>
-          <p:blipFill>
-            <a:blip r:embed="rId2" cstate="print"/>
-            <a:stretch>
-              <a:fillRect/>
-            </a:stretch>
-          </p:blipFill>
-          <p:spPr>
-            <a:xfrm>
-              <a:off x="6563353" y="1629768"/>
-              <a:ext cx="888967" cy="1262333"/>
-            </a:xfrm>
-            <a:prstGeom prst="rect">
-              <a:avLst/>
-            </a:prstGeom>
-          </p:spPr>
-        </p:pic>
-        <p:pic>
-          <p:nvPicPr>
-            <p:cNvPr id="144" name="Image 7" descr="velo.jpg"/>
-            <p:cNvPicPr>
-              <a:picLocks noChangeAspect="1"/>
-            </p:cNvPicPr>
-            <p:nvPr/>
-          </p:nvPicPr>
-          <p:blipFill>
-            <a:blip r:embed="rId3" cstate="print"/>
-            <a:stretch>
-              <a:fillRect/>
-            </a:stretch>
-          </p:blipFill>
-          <p:spPr>
-            <a:xfrm>
-              <a:off x="755576" y="1759586"/>
-              <a:ext cx="1014634" cy="1002697"/>
-            </a:xfrm>
-            <a:prstGeom prst="rect">
-              <a:avLst/>
-            </a:prstGeom>
-          </p:spPr>
-        </p:pic>
-        <p:grpSp>
-          <p:nvGrpSpPr>
-            <p:cNvPr id="3" name="Groupe 22"/>
-            <p:cNvGrpSpPr/>
-            <p:nvPr/>
-          </p:nvGrpSpPr>
-          <p:grpSpPr>
-            <a:xfrm>
-              <a:off x="2882790" y="1768567"/>
-              <a:ext cx="837053" cy="984736"/>
-              <a:chOff x="2849290" y="2018507"/>
-              <a:chExt cx="1382585" cy="1626517"/>
-            </a:xfrm>
-          </p:grpSpPr>
-          <p:pic>
-            <p:nvPicPr>
-              <p:cNvPr id="147" name="Image 10" descr="cloud.JPG"/>
-              <p:cNvPicPr>
-                <a:picLocks noChangeAspect="1"/>
-              </p:cNvPicPr>
-              <p:nvPr/>
-            </p:nvPicPr>
-            <p:blipFill>
-              <a:blip r:embed="rId4" cstate="print"/>
-              <a:stretch>
-                <a:fillRect/>
-              </a:stretch>
-            </p:blipFill>
-            <p:spPr>
-              <a:xfrm>
-                <a:off x="2862611" y="2018507"/>
-                <a:ext cx="1369264" cy="844334"/>
-              </a:xfrm>
-              <a:prstGeom prst="rect">
-                <a:avLst/>
-              </a:prstGeom>
-            </p:spPr>
-          </p:pic>
-          <p:pic>
-            <p:nvPicPr>
-              <p:cNvPr id="148" name="Image 11" descr="database.jpg"/>
-              <p:cNvPicPr>
-                <a:picLocks noChangeAspect="1"/>
-              </p:cNvPicPr>
-              <p:nvPr/>
-            </p:nvPicPr>
-            <p:blipFill>
-              <a:blip r:embed="rId5" cstate="print"/>
-              <a:stretch>
-                <a:fillRect/>
-              </a:stretch>
-            </p:blipFill>
-            <p:spPr>
-              <a:xfrm>
-                <a:off x="2849290" y="2852936"/>
-                <a:ext cx="645552" cy="792088"/>
-              </a:xfrm>
-              <a:prstGeom prst="rect">
-                <a:avLst/>
-              </a:prstGeom>
-            </p:spPr>
-          </p:pic>
-          <p:pic>
-            <p:nvPicPr>
-              <p:cNvPr id="149" name="Image 12" descr="database.jpg"/>
-              <p:cNvPicPr>
-                <a:picLocks noChangeAspect="1"/>
-              </p:cNvPicPr>
-              <p:nvPr/>
-            </p:nvPicPr>
-            <p:blipFill>
-              <a:blip r:embed="rId5" cstate="print"/>
-              <a:stretch>
-                <a:fillRect/>
-              </a:stretch>
-            </p:blipFill>
-            <p:spPr>
-              <a:xfrm>
-                <a:off x="3563888" y="2852936"/>
-                <a:ext cx="645552" cy="792088"/>
-              </a:xfrm>
-              <a:prstGeom prst="rect">
-                <a:avLst/>
-              </a:prstGeom>
-            </p:spPr>
-          </p:pic>
-        </p:grpSp>
-        <p:pic>
-          <p:nvPicPr>
-            <p:cNvPr id="146" name="Image 9" descr="borne-velib.jpg"/>
-            <p:cNvPicPr>
-              <a:picLocks noChangeAspect="1"/>
-            </p:cNvPicPr>
-            <p:nvPr/>
-          </p:nvPicPr>
-          <p:blipFill>
-            <a:blip r:embed="rId6" cstate="print"/>
-            <a:stretch>
-              <a:fillRect/>
-            </a:stretch>
-          </p:blipFill>
-          <p:spPr>
-            <a:xfrm>
-              <a:off x="4832423" y="1628800"/>
-              <a:ext cx="618350" cy="1264270"/>
-            </a:xfrm>
-            <a:prstGeom prst="rect">
-              <a:avLst/>
-            </a:prstGeom>
-          </p:spPr>
-        </p:pic>
-      </p:grpSp>
-      <p:sp>
-        <p:nvSpPr>
-          <p:cNvPr id="132" name="Arrondir un rectangle avec un coin du même côté 131"/>
-          <p:cNvSpPr/>
-          <p:nvPr/>
-        </p:nvSpPr>
-        <p:spPr>
-          <a:xfrm>
-            <a:off x="971600" y="2852936"/>
-            <a:ext cx="2160240" cy="577510"/>
-          </a:xfrm>
-          <a:prstGeom prst="round2SameRect">
-            <a:avLst/>
-          </a:prstGeom>
-        </p:spPr>
-        <p:style>
-          <a:lnRef idx="2">
-            <a:schemeClr val="dk1"/>
-          </a:lnRef>
-          <a:fillRef idx="1">
-            <a:schemeClr val="lt1"/>
-          </a:fillRef>
-          <a:effectRef idx="0">
-            <a:schemeClr val="dk1"/>
-          </a:effectRef>
-          <a:fontRef idx="minor">
-            <a:schemeClr val="dk1"/>
-          </a:fontRef>
-        </p:style>
-        <p:txBody>
-          <a:bodyPr rtlCol="0" anchor="ctr">
-            <a:noAutofit/>
-          </a:bodyPr>
-          <a:lstStyle/>
-          <a:p>
-            <a:pPr algn="ctr"/>
-            <a:r>
-              <a:rPr lang="en-US" sz="2800" dirty="0" smtClean="0">
-                <a:latin typeface="Berlin Sans FB" pitchFamily="34" charset="0"/>
-              </a:rPr>
-              <a:t>Acceptable?</a:t>
-            </a:r>
-            <a:endParaRPr lang="en-US" sz="2800" dirty="0" smtClean="0"/>
-          </a:p>
-        </p:txBody>
-      </p:sp>
-      <p:grpSp>
-        <p:nvGrpSpPr>
-          <p:cNvPr id="9" name="Groupe 50"/>
-          <p:cNvGrpSpPr/>
-          <p:nvPr/>
-        </p:nvGrpSpPr>
-        <p:grpSpPr>
-          <a:xfrm>
-            <a:off x="1820198" y="5013176"/>
-            <a:ext cx="5688000" cy="442035"/>
-            <a:chOff x="1619672" y="5902596"/>
-            <a:chExt cx="5688000" cy="442035"/>
-          </a:xfrm>
-        </p:grpSpPr>
-        <p:cxnSp>
-          <p:nvCxnSpPr>
-            <p:cNvPr id="160" name="Connecteur droit avec flèche 159"/>
-            <p:cNvCxnSpPr/>
-            <p:nvPr/>
-          </p:nvCxnSpPr>
-          <p:spPr>
-            <a:xfrm>
-              <a:off x="1619672" y="6123613"/>
-              <a:ext cx="5688000" cy="0"/>
-            </a:xfrm>
-            <a:prstGeom prst="straightConnector1">
-              <a:avLst/>
-            </a:prstGeom>
-            <a:ln>
-              <a:tailEnd type="arrow"/>
-            </a:ln>
-          </p:spPr>
-          <p:style>
-            <a:lnRef idx="2">
-              <a:schemeClr val="dk1"/>
-            </a:lnRef>
-            <a:fillRef idx="0">
-              <a:schemeClr val="dk1"/>
-            </a:fillRef>
-            <a:effectRef idx="1">
-              <a:schemeClr val="dk1"/>
-            </a:effectRef>
-            <a:fontRef idx="minor">
-              <a:schemeClr val="tx1"/>
-            </a:fontRef>
-          </p:style>
-        </p:cxnSp>
-        <p:sp>
-          <p:nvSpPr>
-            <p:cNvPr id="161" name="ZoneTexte 160"/>
-            <p:cNvSpPr txBox="1"/>
-            <p:nvPr/>
-          </p:nvSpPr>
-          <p:spPr>
-            <a:xfrm>
-              <a:off x="1982288" y="5902596"/>
-              <a:ext cx="805010" cy="442035"/>
-            </a:xfrm>
-            <a:prstGeom prst="rect">
-              <a:avLst/>
-            </a:prstGeom>
-            <a:solidFill>
-              <a:schemeClr val="bg1"/>
-            </a:solidFill>
-          </p:spPr>
-          <p:txBody>
-            <a:bodyPr wrap="none" lIns="72000" tIns="0" rIns="72000" bIns="72000" rtlCol="0">
-              <a:spAutoFit/>
-            </a:bodyPr>
-            <a:lstStyle/>
-            <a:p>
-              <a:r>
-                <a:rPr lang="en-US" sz="2400" dirty="0" smtClean="0"/>
-                <a:t>press</a:t>
-              </a:r>
-              <a:endParaRPr lang="en-US" sz="2400" dirty="0"/>
-            </a:p>
-          </p:txBody>
-        </p:sp>
-      </p:grpSp>
-      <p:grpSp>
-        <p:nvGrpSpPr>
-          <p:cNvPr id="10" name="Groupe 51"/>
-          <p:cNvGrpSpPr/>
-          <p:nvPr/>
-        </p:nvGrpSpPr>
-        <p:grpSpPr>
-          <a:xfrm>
-            <a:off x="5636622" y="5332749"/>
-            <a:ext cx="1872000" cy="442035"/>
-            <a:chOff x="5436304" y="6106197"/>
-            <a:chExt cx="1872000" cy="442035"/>
-          </a:xfrm>
-        </p:grpSpPr>
-        <p:cxnSp>
-          <p:nvCxnSpPr>
-            <p:cNvPr id="158" name="Connecteur droit avec flèche 157"/>
-            <p:cNvCxnSpPr/>
-            <p:nvPr/>
-          </p:nvCxnSpPr>
-          <p:spPr>
-            <a:xfrm flipH="1">
-              <a:off x="5436304" y="6320098"/>
-              <a:ext cx="1872000" cy="0"/>
-            </a:xfrm>
-            <a:prstGeom prst="straightConnector1">
-              <a:avLst/>
-            </a:prstGeom>
-            <a:ln>
-              <a:tailEnd type="arrow"/>
-            </a:ln>
-          </p:spPr>
-          <p:style>
-            <a:lnRef idx="2">
-              <a:schemeClr val="dk1"/>
-            </a:lnRef>
-            <a:fillRef idx="0">
-              <a:schemeClr val="dk1"/>
-            </a:fillRef>
-            <a:effectRef idx="1">
-              <a:schemeClr val="dk1"/>
-            </a:effectRef>
-            <a:fontRef idx="minor">
-              <a:schemeClr val="tx1"/>
-            </a:fontRef>
-          </p:style>
-        </p:cxnSp>
-        <p:sp>
-          <p:nvSpPr>
-            <p:cNvPr id="159" name="ZoneTexte 158"/>
-            <p:cNvSpPr txBox="1"/>
-            <p:nvPr/>
-          </p:nvSpPr>
-          <p:spPr>
-            <a:xfrm>
-              <a:off x="5709354" y="6106197"/>
-              <a:ext cx="1099706" cy="442035"/>
-            </a:xfrm>
-            <a:prstGeom prst="rect">
-              <a:avLst/>
-            </a:prstGeom>
-            <a:solidFill>
-              <a:schemeClr val="bg1"/>
-            </a:solidFill>
-          </p:spPr>
-          <p:txBody>
-            <a:bodyPr wrap="none" lIns="72000" tIns="0" rIns="72000" bIns="72000" rtlCol="0">
-              <a:spAutoFit/>
-            </a:bodyPr>
-            <a:lstStyle/>
-            <a:p>
-              <a:r>
-                <a:rPr lang="en-US" sz="2400" dirty="0" smtClean="0"/>
-                <a:t>request</a:t>
-              </a:r>
-              <a:endParaRPr lang="en-US" sz="2400" dirty="0"/>
-            </a:p>
-          </p:txBody>
-        </p:sp>
-      </p:grpSp>
-      <p:cxnSp>
-        <p:nvCxnSpPr>
-          <p:cNvPr id="173" name="Connecteur droit avec flèche 172"/>
-          <p:cNvCxnSpPr>
-            <a:stCxn id="44" idx="1"/>
-            <a:endCxn id="46" idx="0"/>
-          </p:cNvCxnSpPr>
-          <p:nvPr/>
-        </p:nvCxnSpPr>
-        <p:spPr>
-          <a:xfrm rot="10800000" flipV="1">
-            <a:off x="4610656" y="1520788"/>
-            <a:ext cx="897448" cy="684076"/>
-          </a:xfrm>
-          <a:prstGeom prst="bentConnector2">
-            <a:avLst/>
-          </a:prstGeom>
-          <a:ln>
-            <a:tailEnd type="arrow" w="med" len="lg"/>
-          </a:ln>
-        </p:spPr>
-        <p:style>
-          <a:lnRef idx="2">
-            <a:schemeClr val="dk1"/>
-          </a:lnRef>
-          <a:fillRef idx="0">
-            <a:schemeClr val="dk1"/>
-          </a:fillRef>
-          <a:effectRef idx="1">
-            <a:schemeClr val="dk1"/>
-          </a:effectRef>
-          <a:fontRef idx="minor">
-            <a:schemeClr val="tx1"/>
-          </a:fontRef>
-        </p:style>
-      </p:cxnSp>
-      <p:sp>
-        <p:nvSpPr>
-          <p:cNvPr id="175" name="Ellipse 174"/>
-          <p:cNvSpPr/>
-          <p:nvPr/>
-        </p:nvSpPr>
-        <p:spPr>
-          <a:xfrm>
-            <a:off x="6948264" y="476672"/>
-            <a:ext cx="216024" cy="216024"/>
-          </a:xfrm>
-          <a:prstGeom prst="ellipse">
-            <a:avLst/>
-          </a:prstGeom>
-        </p:spPr>
-        <p:style>
-          <a:lnRef idx="2">
-            <a:schemeClr val="dk1">
-              <a:shade val="50000"/>
-            </a:schemeClr>
-          </a:lnRef>
-          <a:fillRef idx="1">
-            <a:schemeClr val="dk1"/>
-          </a:fillRef>
-          <a:effectRef idx="0">
-            <a:schemeClr val="dk1"/>
-          </a:effectRef>
-          <a:fontRef idx="minor">
-            <a:schemeClr val="lt1"/>
           </a:fontRef>
         </p:style>
         <p:txBody>
@@ -24765,71 +24521,79 @@
           </a:p>
         </p:txBody>
       </p:sp>
-      <p:cxnSp>
-        <p:nvCxnSpPr>
-          <p:cNvPr id="176" name="Connecteur droit avec flèche 172"/>
-          <p:cNvCxnSpPr>
-            <a:stCxn id="175" idx="4"/>
-            <a:endCxn id="44" idx="0"/>
-          </p:cNvCxnSpPr>
-          <p:nvPr/>
-        </p:nvCxnSpPr>
-        <p:spPr>
-          <a:xfrm rot="5400000">
-            <a:off x="6876256" y="872716"/>
-            <a:ext cx="360040" cy="12700"/>
-          </a:xfrm>
-          <a:prstGeom prst="bentConnector3">
-            <a:avLst>
-              <a:gd name="adj1" fmla="val 50000"/>
-            </a:avLst>
-          </a:prstGeom>
-          <a:ln>
-            <a:tailEnd type="arrow" w="med" len="lg"/>
-          </a:ln>
-        </p:spPr>
-        <p:style>
-          <a:lnRef idx="2">
-            <a:schemeClr val="dk1"/>
-          </a:lnRef>
-          <a:fillRef idx="0">
-            <a:schemeClr val="dk1"/>
-          </a:fillRef>
-          <a:effectRef idx="1">
-            <a:schemeClr val="dk1"/>
-          </a:effectRef>
-          <a:fontRef idx="minor">
-            <a:schemeClr val="tx1"/>
-          </a:fontRef>
-        </p:style>
-      </p:cxnSp>
       <p:sp>
         <p:nvSpPr>
-          <p:cNvPr id="46" name="Rectangle à coins arrondis 45"/>
+          <p:cNvPr id="23" name="Forme libre 22"/>
           <p:cNvSpPr/>
           <p:nvPr/>
         </p:nvSpPr>
         <p:spPr>
-          <a:xfrm>
-            <a:off x="3620656" y="2204864"/>
-            <a:ext cx="1980000" cy="792088"/>
+          <a:xfrm rot="17316672">
+            <a:off x="4890767" y="3732889"/>
+            <a:ext cx="588640" cy="1379220"/>
           </a:xfrm>
-          <a:prstGeom prst="roundRect">
+          <a:custGeom>
             <a:avLst/>
-          </a:prstGeom>
+            <a:gdLst>
+              <a:gd name="connsiteX0" fmla="*/ 142240 w 721360"/>
+              <a:gd name="connsiteY0" fmla="*/ 1691640 h 1691640"/>
+              <a:gd name="connsiteX1" fmla="*/ 96520 w 721360"/>
+              <a:gd name="connsiteY1" fmla="*/ 716280 h 1691640"/>
+              <a:gd name="connsiteX2" fmla="*/ 721360 w 721360"/>
+              <a:gd name="connsiteY2" fmla="*/ 0 h 1691640"/>
+              <a:gd name="connsiteX0" fmla="*/ 142240 w 721360"/>
+              <a:gd name="connsiteY0" fmla="*/ 1760014 h 1760014"/>
+              <a:gd name="connsiteX1" fmla="*/ 96520 w 721360"/>
+              <a:gd name="connsiteY1" fmla="*/ 784654 h 1760014"/>
+              <a:gd name="connsiteX2" fmla="*/ 721360 w 721360"/>
+              <a:gd name="connsiteY2" fmla="*/ 0 h 1760014"/>
+            </a:gdLst>
+            <a:ahLst/>
+            <a:cxnLst>
+              <a:cxn ang="0">
+                <a:pos x="connsiteX0" y="connsiteY0"/>
+              </a:cxn>
+              <a:cxn ang="0">
+                <a:pos x="connsiteX1" y="connsiteY1"/>
+              </a:cxn>
+              <a:cxn ang="0">
+                <a:pos x="connsiteX2" y="connsiteY2"/>
+              </a:cxn>
+            </a:cxnLst>
+            <a:rect l="l" t="t" r="r" b="b"/>
+            <a:pathLst>
+              <a:path w="721360" h="1760014">
+                <a:moveTo>
+                  <a:pt x="142240" y="1760014"/>
+                </a:moveTo>
+                <a:cubicBezTo>
+                  <a:pt x="71120" y="1413304"/>
+                  <a:pt x="0" y="1077990"/>
+                  <a:pt x="96520" y="784654"/>
+                </a:cubicBezTo>
+                <a:cubicBezTo>
+                  <a:pt x="193040" y="491318"/>
+                  <a:pt x="457200" y="217170"/>
+                  <a:pt x="721360" y="0"/>
+                </a:cubicBezTo>
+              </a:path>
+            </a:pathLst>
+          </a:custGeom>
+          <a:ln w="76200"/>
+          <a:effectLst/>
         </p:spPr>
         <p:style>
-          <a:lnRef idx="2">
-            <a:schemeClr val="dk1"/>
+          <a:lnRef idx="3">
+            <a:schemeClr val="accent2"/>
           </a:lnRef>
-          <a:fillRef idx="1">
-            <a:schemeClr val="lt1"/>
+          <a:fillRef idx="0">
+            <a:schemeClr val="accent2"/>
           </a:fillRef>
-          <a:effectRef idx="0">
-            <a:schemeClr val="dk1"/>
+          <a:effectRef idx="2">
+            <a:schemeClr val="accent2"/>
           </a:effectRef>
           <a:fontRef idx="minor">
-            <a:schemeClr val="dk1"/>
+            <a:schemeClr val="tx1"/>
           </a:fontRef>
         </p:style>
         <p:txBody>
@@ -24837,66 +24601,49 @@
           <a:lstStyle/>
           <a:p>
             <a:pPr algn="ctr"/>
-            <a:r>
-              <a:rPr lang="en-US" sz="2800" dirty="0" smtClean="0">
-                <a:latin typeface="Berlin Sans FB" pitchFamily="34" charset="0"/>
-              </a:rPr>
-              <a:t>Pickup</a:t>
-            </a:r>
-            <a:endParaRPr lang="en-US" sz="2800" dirty="0">
-              <a:latin typeface="Berlin Sans FB" pitchFamily="34" charset="0"/>
-            </a:endParaRPr>
+            <a:endParaRPr lang="en-US"/>
           </a:p>
         </p:txBody>
       </p:sp>
-      <p:cxnSp>
-        <p:nvCxnSpPr>
-          <p:cNvPr id="48" name="Connecteur droit avec flèche 172"/>
-          <p:cNvCxnSpPr>
-            <a:stCxn id="46" idx="2"/>
-            <a:endCxn id="121" idx="1"/>
-          </p:cNvCxnSpPr>
+      <p:pic>
+        <p:nvPicPr>
+          <p:cNvPr id="20" name="Image 19" descr="goals.png"/>
+          <p:cNvPicPr>
+            <a:picLocks noChangeAspect="1"/>
+          </p:cNvPicPr>
           <p:nvPr/>
-        </p:nvCxnSpPr>
+        </p:nvPicPr>
+        <p:blipFill>
+          <a:blip r:embed="rId9" cstate="print"/>
+          <a:stretch>
+            <a:fillRect/>
+          </a:stretch>
+        </p:blipFill>
         <p:spPr>
-          <a:xfrm rot="5400000">
-            <a:off x="4393306" y="3211650"/>
-            <a:ext cx="432048" cy="2652"/>
+          <a:xfrm>
+            <a:off x="971600" y="3861049"/>
+            <a:ext cx="1728190" cy="1493580"/>
           </a:xfrm>
-          <a:prstGeom prst="bentConnector3">
-            <a:avLst>
-              <a:gd name="adj1" fmla="val 50000"/>
-            </a:avLst>
+          <a:prstGeom prst="rect">
+            <a:avLst/>
           </a:prstGeom>
-          <a:ln>
-            <a:tailEnd type="arrow" w="med" len="lg"/>
-          </a:ln>
+          <a:solidFill>
+            <a:schemeClr val="lt1">
+              <a:alpha val="90000"/>
+            </a:schemeClr>
+          </a:solidFill>
         </p:spPr>
-        <p:style>
-          <a:lnRef idx="2">
-            <a:schemeClr val="dk1"/>
-          </a:lnRef>
-          <a:fillRef idx="0">
-            <a:schemeClr val="dk1"/>
-          </a:fillRef>
-          <a:effectRef idx="1">
-            <a:schemeClr val="dk1"/>
-          </a:effectRef>
-          <a:fontRef idx="minor">
-            <a:schemeClr val="tx1"/>
-          </a:fontRef>
-        </p:style>
-      </p:cxnSp>
+      </p:pic>
       <p:sp>
         <p:nvSpPr>
-          <p:cNvPr id="53" name="ZoneTexte 52"/>
+          <p:cNvPr id="26" name="ZoneTexte 25"/>
           <p:cNvSpPr txBox="1"/>
           <p:nvPr/>
         </p:nvSpPr>
         <p:spPr>
           <a:xfrm>
-            <a:off x="5940152" y="2006258"/>
-            <a:ext cx="1031051" cy="2646878"/>
+            <a:off x="179512" y="4941168"/>
+            <a:ext cx="2872902" cy="1754326"/>
           </a:xfrm>
           <a:prstGeom prst="rect">
             <a:avLst/>
@@ -24909,18 +24656,144 @@
           </a:bodyPr>
           <a:lstStyle/>
           <a:p>
+            <a:endParaRPr lang="en-US" sz="2800" dirty="0" smtClean="0">
+              <a:latin typeface="Berlin Sans FB" pitchFamily="34" charset="0"/>
+            </a:endParaRPr>
+          </a:p>
+          <a:p>
+            <a:endParaRPr lang="en-US" sz="2800" dirty="0" smtClean="0">
+              <a:latin typeface="Berlin Sans FB" pitchFamily="34" charset="0"/>
+            </a:endParaRPr>
+          </a:p>
+          <a:p>
             <a:r>
-              <a:rPr lang="en-US" sz="16600" dirty="0" smtClean="0">
+              <a:rPr lang="en-US" sz="2800" dirty="0" smtClean="0">
                 <a:latin typeface="Berlin Sans FB" pitchFamily="34" charset="0"/>
               </a:rPr>
-              <a:t>?</a:t>
+              <a:t>QSM + constraints </a:t>
             </a:r>
-            <a:endParaRPr lang="en-US" sz="16600" dirty="0">
+          </a:p>
+          <a:p>
+            <a:r>
+              <a:rPr lang="en-US" sz="2400" dirty="0" smtClean="0">
+                <a:latin typeface="Berlin Sans FB" pitchFamily="34" charset="0"/>
+              </a:rPr>
+              <a:t>[Dam06]</a:t>
+            </a:r>
+            <a:endParaRPr lang="en-US" sz="2800" dirty="0">
               <a:latin typeface="Berlin Sans FB" pitchFamily="34" charset="0"/>
             </a:endParaRPr>
           </a:p>
         </p:txBody>
       </p:sp>
+      <p:sp>
+        <p:nvSpPr>
+          <p:cNvPr id="27" name="Forme libre 26"/>
+          <p:cNvSpPr/>
+          <p:nvPr/>
+        </p:nvSpPr>
+        <p:spPr>
+          <a:xfrm rot="13260994">
+            <a:off x="3297347" y="3171468"/>
+            <a:ext cx="964305" cy="1742855"/>
+          </a:xfrm>
+          <a:custGeom>
+            <a:avLst/>
+            <a:gdLst>
+              <a:gd name="connsiteX0" fmla="*/ 142240 w 721360"/>
+              <a:gd name="connsiteY0" fmla="*/ 1691640 h 1691640"/>
+              <a:gd name="connsiteX1" fmla="*/ 96520 w 721360"/>
+              <a:gd name="connsiteY1" fmla="*/ 716280 h 1691640"/>
+              <a:gd name="connsiteX2" fmla="*/ 721360 w 721360"/>
+              <a:gd name="connsiteY2" fmla="*/ 0 h 1691640"/>
+              <a:gd name="connsiteX0" fmla="*/ 142240 w 721360"/>
+              <a:gd name="connsiteY0" fmla="*/ 1760014 h 1760014"/>
+              <a:gd name="connsiteX1" fmla="*/ 96520 w 721360"/>
+              <a:gd name="connsiteY1" fmla="*/ 784654 h 1760014"/>
+              <a:gd name="connsiteX2" fmla="*/ 721360 w 721360"/>
+              <a:gd name="connsiteY2" fmla="*/ 0 h 1760014"/>
+            </a:gdLst>
+            <a:ahLst/>
+            <a:cxnLst>
+              <a:cxn ang="0">
+                <a:pos x="connsiteX0" y="connsiteY0"/>
+              </a:cxn>
+              <a:cxn ang="0">
+                <a:pos x="connsiteX1" y="connsiteY1"/>
+              </a:cxn>
+              <a:cxn ang="0">
+                <a:pos x="connsiteX2" y="connsiteY2"/>
+              </a:cxn>
+            </a:cxnLst>
+            <a:rect l="l" t="t" r="r" b="b"/>
+            <a:pathLst>
+              <a:path w="721360" h="1760014">
+                <a:moveTo>
+                  <a:pt x="142240" y="1760014"/>
+                </a:moveTo>
+                <a:cubicBezTo>
+                  <a:pt x="71120" y="1413304"/>
+                  <a:pt x="0" y="1077990"/>
+                  <a:pt x="96520" y="784654"/>
+                </a:cubicBezTo>
+                <a:cubicBezTo>
+                  <a:pt x="193040" y="491318"/>
+                  <a:pt x="457200" y="217170"/>
+                  <a:pt x="721360" y="0"/>
+                </a:cubicBezTo>
+              </a:path>
+            </a:pathLst>
+          </a:custGeom>
+          <a:ln w="76200"/>
+          <a:effectLst/>
+        </p:spPr>
+        <p:style>
+          <a:lnRef idx="3">
+            <a:schemeClr val="accent2"/>
+          </a:lnRef>
+          <a:fillRef idx="0">
+            <a:schemeClr val="accent2"/>
+          </a:fillRef>
+          <a:effectRef idx="2">
+            <a:schemeClr val="accent2"/>
+          </a:effectRef>
+          <a:fontRef idx="minor">
+            <a:schemeClr val="tx1"/>
+          </a:fontRef>
+        </p:style>
+        <p:txBody>
+          <a:bodyPr rtlCol="0" anchor="ctr"/>
+          <a:lstStyle/>
+          <a:p>
+            <a:pPr algn="ctr"/>
+            <a:endParaRPr lang="en-US"/>
+          </a:p>
+        </p:txBody>
+      </p:sp>
+      <p:pic>
+        <p:nvPicPr>
+          <p:cNvPr id="18" name="Image 17" descr="computer.jpg"/>
+          <p:cNvPicPr>
+            <a:picLocks noChangeAspect="1"/>
+          </p:cNvPicPr>
+          <p:nvPr/>
+        </p:nvPicPr>
+        <p:blipFill>
+          <a:blip r:embed="rId10" cstate="print"/>
+          <a:stretch>
+            <a:fillRect/>
+          </a:stretch>
+        </p:blipFill>
+        <p:spPr>
+          <a:xfrm>
+            <a:off x="3851920" y="3068960"/>
+            <a:ext cx="1368152" cy="1368152"/>
+          </a:xfrm>
+          <a:prstGeom prst="rect">
+            <a:avLst/>
+          </a:prstGeom>
+        </p:spPr>
+      </p:pic>
     </p:spTree>
   </p:cSld>
   <p:clrMapOvr>
@@ -25430,13 +25303,13 @@
       </p:sp>
       <p:grpSp>
         <p:nvGrpSpPr>
-          <p:cNvPr id="4" name="Groupe 50"/>
+          <p:cNvPr id="9" name="Groupe 50"/>
           <p:cNvGrpSpPr/>
           <p:nvPr/>
         </p:nvGrpSpPr>
         <p:grpSpPr>
           <a:xfrm>
-            <a:off x="1820198" y="5445224"/>
+            <a:off x="1820198" y="5013176"/>
             <a:ext cx="5688000" cy="442035"/>
             <a:chOff x="1619672" y="5902596"/>
             <a:chExt cx="5688000" cy="442035"/>
@@ -25502,6 +25375,86 @@
               <a:r>
                 <a:rPr lang="en-US" sz="2400" dirty="0" smtClean="0"/>
                 <a:t>press</a:t>
+              </a:r>
+              <a:endParaRPr lang="en-US" sz="2400" dirty="0"/>
+            </a:p>
+          </p:txBody>
+        </p:sp>
+      </p:grpSp>
+      <p:grpSp>
+        <p:nvGrpSpPr>
+          <p:cNvPr id="10" name="Groupe 51"/>
+          <p:cNvGrpSpPr/>
+          <p:nvPr/>
+        </p:nvGrpSpPr>
+        <p:grpSpPr>
+          <a:xfrm>
+            <a:off x="5636622" y="5332749"/>
+            <a:ext cx="1872000" cy="442035"/>
+            <a:chOff x="5436304" y="6106197"/>
+            <a:chExt cx="1872000" cy="442035"/>
+          </a:xfrm>
+        </p:grpSpPr>
+        <p:cxnSp>
+          <p:nvCxnSpPr>
+            <p:cNvPr id="158" name="Connecteur droit avec flèche 157"/>
+            <p:cNvCxnSpPr/>
+            <p:nvPr/>
+          </p:nvCxnSpPr>
+          <p:spPr>
+            <a:xfrm flipH="1">
+              <a:off x="5436304" y="6320098"/>
+              <a:ext cx="1872000" cy="0"/>
+            </a:xfrm>
+            <a:prstGeom prst="straightConnector1">
+              <a:avLst/>
+            </a:prstGeom>
+            <a:ln>
+              <a:tailEnd type="arrow"/>
+            </a:ln>
+          </p:spPr>
+          <p:style>
+            <a:lnRef idx="2">
+              <a:schemeClr val="dk1"/>
+            </a:lnRef>
+            <a:fillRef idx="0">
+              <a:schemeClr val="dk1"/>
+            </a:fillRef>
+            <a:effectRef idx="1">
+              <a:schemeClr val="dk1"/>
+            </a:effectRef>
+            <a:fontRef idx="minor">
+              <a:schemeClr val="tx1"/>
+            </a:fontRef>
+          </p:style>
+        </p:cxnSp>
+        <p:sp>
+          <p:nvSpPr>
+            <p:cNvPr id="159" name="ZoneTexte 158"/>
+            <p:cNvSpPr txBox="1"/>
+            <p:nvPr/>
+          </p:nvSpPr>
+          <p:spPr>
+            <a:xfrm>
+              <a:off x="5709354" y="6106197"/>
+              <a:ext cx="1099706" cy="442035"/>
+            </a:xfrm>
+            <a:prstGeom prst="rect">
+              <a:avLst/>
+            </a:prstGeom>
+            <a:solidFill>
+              <a:schemeClr val="bg1"/>
+            </a:solidFill>
+          </p:spPr>
+          <p:txBody>
+            <a:bodyPr wrap="none" lIns="72000" tIns="0" rIns="72000" bIns="72000" rtlCol="0">
+              <a:spAutoFit/>
+            </a:bodyPr>
+            <a:lstStyle/>
+            <a:p>
+              <a:r>
+                <a:rPr lang="en-US" sz="2400" dirty="0" smtClean="0"/>
+                <a:t>request</a:t>
               </a:r>
               <a:endParaRPr lang="en-US" sz="2400" dirty="0"/>
             </a:p>
@@ -25736,80 +25689,6 @@
             </a:r>
             <a:endParaRPr lang="en-US" sz="16600" dirty="0">
               <a:latin typeface="Berlin Sans FB" pitchFamily="34" charset="0"/>
-            </a:endParaRPr>
-          </a:p>
-        </p:txBody>
-      </p:sp>
-      <p:cxnSp>
-        <p:nvCxnSpPr>
-          <p:cNvPr id="30" name="Connecteur droit 29"/>
-          <p:cNvCxnSpPr/>
-          <p:nvPr/>
-        </p:nvCxnSpPr>
-        <p:spPr>
-          <a:xfrm>
-            <a:off x="1331640" y="5247059"/>
-            <a:ext cx="6624736" cy="0"/>
-          </a:xfrm>
-          <a:prstGeom prst="line">
-            <a:avLst/>
-          </a:prstGeom>
-          <a:ln w="66675">
-            <a:solidFill>
-              <a:srgbClr val="FF0000"/>
-            </a:solidFill>
-            <a:prstDash val="lgDash"/>
-          </a:ln>
-        </p:spPr>
-        <p:style>
-          <a:lnRef idx="1">
-            <a:schemeClr val="accent1"/>
-          </a:lnRef>
-          <a:fillRef idx="0">
-            <a:schemeClr val="accent1"/>
-          </a:fillRef>
-          <a:effectRef idx="0">
-            <a:schemeClr val="accent1"/>
-          </a:effectRef>
-          <a:fontRef idx="minor">
-            <a:schemeClr val="tx1"/>
-          </a:fontRef>
-        </p:style>
-      </p:cxnSp>
-      <p:sp>
-        <p:nvSpPr>
-          <p:cNvPr id="31" name="ZoneTexte 30"/>
-          <p:cNvSpPr txBox="1"/>
-          <p:nvPr/>
-        </p:nvSpPr>
-        <p:spPr>
-          <a:xfrm>
-            <a:off x="1763688" y="5262299"/>
-            <a:ext cx="503664" cy="830997"/>
-          </a:xfrm>
-          <a:prstGeom prst="rect">
-            <a:avLst/>
-          </a:prstGeom>
-          <a:noFill/>
-        </p:spPr>
-        <p:txBody>
-          <a:bodyPr wrap="none" rtlCol="0">
-            <a:spAutoFit/>
-          </a:bodyPr>
-          <a:lstStyle/>
-          <a:p>
-            <a:r>
-              <a:rPr lang="en-US" sz="4800" dirty="0" smtClean="0">
-                <a:solidFill>
-                  <a:srgbClr val="FF0000"/>
-                </a:solidFill>
-              </a:rPr>
-              <a:t>X</a:t>
-            </a:r>
-            <a:endParaRPr lang="en-US" sz="4800" dirty="0">
-              <a:solidFill>
-                <a:srgbClr val="FF0000"/>
-              </a:solidFill>
             </a:endParaRPr>
           </a:p>
         </p:txBody>
@@ -26494,7 +26373,7 @@
         </p:nvGrpSpPr>
         <p:grpSpPr>
           <a:xfrm>
-            <a:off x="1820198" y="5013176"/>
+            <a:off x="1820198" y="5445224"/>
             <a:ext cx="5688000" cy="442035"/>
             <a:chOff x="1619672" y="5902596"/>
             <a:chExt cx="5688000" cy="442035"/>
@@ -26806,7 +26685,7 @@
         </p:nvCxnSpPr>
         <p:spPr>
           <a:xfrm>
-            <a:off x="1331640" y="5517232"/>
+            <a:off x="1331640" y="5247059"/>
             <a:ext cx="6624736" cy="0"/>
           </a:xfrm>
           <a:prstGeom prst="line">
@@ -26834,86 +26713,6 @@
           </a:fontRef>
         </p:style>
       </p:cxnSp>
-      <p:grpSp>
-        <p:nvGrpSpPr>
-          <p:cNvPr id="32" name="Groupe 51"/>
-          <p:cNvGrpSpPr/>
-          <p:nvPr/>
-        </p:nvGrpSpPr>
-        <p:grpSpPr>
-          <a:xfrm>
-            <a:off x="5636622" y="5666501"/>
-            <a:ext cx="1872000" cy="442035"/>
-            <a:chOff x="5436304" y="6106197"/>
-            <a:chExt cx="1872000" cy="442035"/>
-          </a:xfrm>
-        </p:grpSpPr>
-        <p:cxnSp>
-          <p:nvCxnSpPr>
-            <p:cNvPr id="33" name="Connecteur droit avec flèche 32"/>
-            <p:cNvCxnSpPr/>
-            <p:nvPr/>
-          </p:nvCxnSpPr>
-          <p:spPr>
-            <a:xfrm flipH="1">
-              <a:off x="5436304" y="6320098"/>
-              <a:ext cx="1872000" cy="0"/>
-            </a:xfrm>
-            <a:prstGeom prst="straightConnector1">
-              <a:avLst/>
-            </a:prstGeom>
-            <a:ln>
-              <a:tailEnd type="arrow"/>
-            </a:ln>
-          </p:spPr>
-          <p:style>
-            <a:lnRef idx="2">
-              <a:schemeClr val="dk1"/>
-            </a:lnRef>
-            <a:fillRef idx="0">
-              <a:schemeClr val="dk1"/>
-            </a:fillRef>
-            <a:effectRef idx="1">
-              <a:schemeClr val="dk1"/>
-            </a:effectRef>
-            <a:fontRef idx="minor">
-              <a:schemeClr val="tx1"/>
-            </a:fontRef>
-          </p:style>
-        </p:cxnSp>
-        <p:sp>
-          <p:nvSpPr>
-            <p:cNvPr id="34" name="ZoneTexte 33"/>
-            <p:cNvSpPr txBox="1"/>
-            <p:nvPr/>
-          </p:nvSpPr>
-          <p:spPr>
-            <a:xfrm>
-              <a:off x="5709354" y="6106197"/>
-              <a:ext cx="1099706" cy="442035"/>
-            </a:xfrm>
-            <a:prstGeom prst="rect">
-              <a:avLst/>
-            </a:prstGeom>
-            <a:solidFill>
-              <a:schemeClr val="bg1"/>
-            </a:solidFill>
-          </p:spPr>
-          <p:txBody>
-            <a:bodyPr wrap="none" lIns="72000" tIns="0" rIns="72000" bIns="72000" rtlCol="0">
-              <a:spAutoFit/>
-            </a:bodyPr>
-            <a:lstStyle/>
-            <a:p>
-              <a:r>
-                <a:rPr lang="en-US" sz="2400" dirty="0" smtClean="0"/>
-                <a:t>request</a:t>
-              </a:r>
-              <a:endParaRPr lang="en-US" sz="2400" dirty="0"/>
-            </a:p>
-          </p:txBody>
-        </p:sp>
-      </p:grpSp>
       <p:sp>
         <p:nvSpPr>
           <p:cNvPr id="31" name="ZoneTexte 30"/>
@@ -26922,7 +26721,7 @@
         </p:nvSpPr>
         <p:spPr>
           <a:xfrm>
-            <a:off x="6948264" y="5460464"/>
+            <a:off x="1763688" y="5262299"/>
             <a:ext cx="503664" cy="830997"/>
           </a:xfrm>
           <a:prstGeom prst="rect">
@@ -27771,6 +27570,979 @@
           </a:p>
         </p:txBody>
       </p:sp>
+      <p:cxnSp>
+        <p:nvCxnSpPr>
+          <p:cNvPr id="30" name="Connecteur droit 29"/>
+          <p:cNvCxnSpPr/>
+          <p:nvPr/>
+        </p:nvCxnSpPr>
+        <p:spPr>
+          <a:xfrm>
+            <a:off x="1331640" y="5517232"/>
+            <a:ext cx="6624736" cy="0"/>
+          </a:xfrm>
+          <a:prstGeom prst="line">
+            <a:avLst/>
+          </a:prstGeom>
+          <a:ln w="66675">
+            <a:solidFill>
+              <a:srgbClr val="FF0000"/>
+            </a:solidFill>
+            <a:prstDash val="lgDash"/>
+          </a:ln>
+        </p:spPr>
+        <p:style>
+          <a:lnRef idx="1">
+            <a:schemeClr val="accent1"/>
+          </a:lnRef>
+          <a:fillRef idx="0">
+            <a:schemeClr val="accent1"/>
+          </a:fillRef>
+          <a:effectRef idx="0">
+            <a:schemeClr val="accent1"/>
+          </a:effectRef>
+          <a:fontRef idx="minor">
+            <a:schemeClr val="tx1"/>
+          </a:fontRef>
+        </p:style>
+      </p:cxnSp>
+      <p:grpSp>
+        <p:nvGrpSpPr>
+          <p:cNvPr id="32" name="Groupe 51"/>
+          <p:cNvGrpSpPr/>
+          <p:nvPr/>
+        </p:nvGrpSpPr>
+        <p:grpSpPr>
+          <a:xfrm>
+            <a:off x="5636622" y="5666501"/>
+            <a:ext cx="1872000" cy="442035"/>
+            <a:chOff x="5436304" y="6106197"/>
+            <a:chExt cx="1872000" cy="442035"/>
+          </a:xfrm>
+        </p:grpSpPr>
+        <p:cxnSp>
+          <p:nvCxnSpPr>
+            <p:cNvPr id="33" name="Connecteur droit avec flèche 32"/>
+            <p:cNvCxnSpPr/>
+            <p:nvPr/>
+          </p:nvCxnSpPr>
+          <p:spPr>
+            <a:xfrm flipH="1">
+              <a:off x="5436304" y="6320098"/>
+              <a:ext cx="1872000" cy="0"/>
+            </a:xfrm>
+            <a:prstGeom prst="straightConnector1">
+              <a:avLst/>
+            </a:prstGeom>
+            <a:ln>
+              <a:tailEnd type="arrow"/>
+            </a:ln>
+          </p:spPr>
+          <p:style>
+            <a:lnRef idx="2">
+              <a:schemeClr val="dk1"/>
+            </a:lnRef>
+            <a:fillRef idx="0">
+              <a:schemeClr val="dk1"/>
+            </a:fillRef>
+            <a:effectRef idx="1">
+              <a:schemeClr val="dk1"/>
+            </a:effectRef>
+            <a:fontRef idx="minor">
+              <a:schemeClr val="tx1"/>
+            </a:fontRef>
+          </p:style>
+        </p:cxnSp>
+        <p:sp>
+          <p:nvSpPr>
+            <p:cNvPr id="34" name="ZoneTexte 33"/>
+            <p:cNvSpPr txBox="1"/>
+            <p:nvPr/>
+          </p:nvSpPr>
+          <p:spPr>
+            <a:xfrm>
+              <a:off x="5709354" y="6106197"/>
+              <a:ext cx="1099706" cy="442035"/>
+            </a:xfrm>
+            <a:prstGeom prst="rect">
+              <a:avLst/>
+            </a:prstGeom>
+            <a:solidFill>
+              <a:schemeClr val="bg1"/>
+            </a:solidFill>
+          </p:spPr>
+          <p:txBody>
+            <a:bodyPr wrap="none" lIns="72000" tIns="0" rIns="72000" bIns="72000" rtlCol="0">
+              <a:spAutoFit/>
+            </a:bodyPr>
+            <a:lstStyle/>
+            <a:p>
+              <a:r>
+                <a:rPr lang="en-US" sz="2400" dirty="0" smtClean="0"/>
+                <a:t>request</a:t>
+              </a:r>
+              <a:endParaRPr lang="en-US" sz="2400" dirty="0"/>
+            </a:p>
+          </p:txBody>
+        </p:sp>
+      </p:grpSp>
+      <p:sp>
+        <p:nvSpPr>
+          <p:cNvPr id="31" name="ZoneTexte 30"/>
+          <p:cNvSpPr txBox="1"/>
+          <p:nvPr/>
+        </p:nvSpPr>
+        <p:spPr>
+          <a:xfrm>
+            <a:off x="6948264" y="5460464"/>
+            <a:ext cx="503664" cy="830997"/>
+          </a:xfrm>
+          <a:prstGeom prst="rect">
+            <a:avLst/>
+          </a:prstGeom>
+          <a:noFill/>
+        </p:spPr>
+        <p:txBody>
+          <a:bodyPr wrap="none" rtlCol="0">
+            <a:spAutoFit/>
+          </a:bodyPr>
+          <a:lstStyle/>
+          <a:p>
+            <a:r>
+              <a:rPr lang="en-US" sz="4800" dirty="0" smtClean="0">
+                <a:solidFill>
+                  <a:srgbClr val="FF0000"/>
+                </a:solidFill>
+              </a:rPr>
+              <a:t>X</a:t>
+            </a:r>
+            <a:endParaRPr lang="en-US" sz="4800" dirty="0">
+              <a:solidFill>
+                <a:srgbClr val="FF0000"/>
+              </a:solidFill>
+            </a:endParaRPr>
+          </a:p>
+        </p:txBody>
+      </p:sp>
+    </p:spTree>
+  </p:cSld>
+  <p:clrMapOvr>
+    <a:masterClrMapping/>
+  </p:clrMapOvr>
+  <p:timing>
+    <p:tnLst>
+      <p:par>
+        <p:cTn id="1" dur="indefinite" restart="never" nodeType="tmRoot"/>
+      </p:par>
+    </p:tnLst>
+  </p:timing>
+</p:sld>
+</file>
+
+<file path=ppt/slides/slide42.xml><?xml version="1.0" encoding="utf-8"?>
+<p:sld xmlns:a="http://schemas.openxmlformats.org/drawingml/2006/main" xmlns:r="http://schemas.openxmlformats.org/officeDocument/2006/relationships" xmlns:p="http://schemas.openxmlformats.org/presentationml/2006/main">
+  <p:cSld>
+    <p:spTree>
+      <p:nvGrpSpPr>
+        <p:cNvPr id="1" name=""/>
+        <p:cNvGrpSpPr/>
+        <p:nvPr/>
+      </p:nvGrpSpPr>
+      <p:grpSpPr>
+        <a:xfrm>
+          <a:off x="0" y="0"/>
+          <a:ext cx="0" cy="0"/>
+          <a:chOff x="0" y="0"/>
+          <a:chExt cx="0" cy="0"/>
+        </a:xfrm>
+      </p:grpSpPr>
+      <p:sp>
+        <p:nvSpPr>
+          <p:cNvPr id="44" name="Rectangle à coins arrondis 43"/>
+          <p:cNvSpPr/>
+          <p:nvPr/>
+        </p:nvSpPr>
+        <p:spPr>
+          <a:xfrm>
+            <a:off x="5508104" y="1052736"/>
+            <a:ext cx="3096344" cy="936104"/>
+          </a:xfrm>
+          <a:prstGeom prst="roundRect">
+            <a:avLst/>
+          </a:prstGeom>
+        </p:spPr>
+        <p:style>
+          <a:lnRef idx="2">
+            <a:schemeClr val="dk1"/>
+          </a:lnRef>
+          <a:fillRef idx="1">
+            <a:schemeClr val="lt1"/>
+          </a:fillRef>
+          <a:effectRef idx="0">
+            <a:schemeClr val="dk1"/>
+          </a:effectRef>
+          <a:fontRef idx="minor">
+            <a:schemeClr val="dk1"/>
+          </a:fontRef>
+        </p:style>
+        <p:txBody>
+          <a:bodyPr rtlCol="0" anchor="ctr"/>
+          <a:lstStyle/>
+          <a:p>
+            <a:pPr algn="ctr"/>
+            <a:r>
+              <a:rPr lang="en-US" sz="2800" dirty="0" smtClean="0">
+                <a:latin typeface="Berlin Sans FB" pitchFamily="34" charset="0"/>
+              </a:rPr>
+              <a:t>Subscribing and identification</a:t>
+            </a:r>
+            <a:endParaRPr lang="en-US" sz="2800" dirty="0">
+              <a:latin typeface="Berlin Sans FB" pitchFamily="34" charset="0"/>
+            </a:endParaRPr>
+          </a:p>
+        </p:txBody>
+      </p:sp>
+      <p:sp>
+        <p:nvSpPr>
+          <p:cNvPr id="58" name="Titre 1"/>
+          <p:cNvSpPr>
+            <a:spLocks noGrp="1"/>
+          </p:cNvSpPr>
+          <p:nvPr>
+            <p:ph type="title"/>
+          </p:nvPr>
+        </p:nvSpPr>
+        <p:spPr>
+          <a:xfrm>
+            <a:off x="457200" y="274638"/>
+            <a:ext cx="8229600" cy="1143000"/>
+          </a:xfrm>
+          <a:noFill/>
+        </p:spPr>
+        <p:txBody>
+          <a:bodyPr>
+            <a:noAutofit/>
+          </a:bodyPr>
+          <a:lstStyle/>
+          <a:p>
+            <a:pPr algn="l">
+              <a:lnSpc>
+                <a:spcPts val="4800"/>
+              </a:lnSpc>
+            </a:pPr>
+            <a:r>
+              <a:rPr lang="en-US" dirty="0" smtClean="0"/>
+              <a:t>Scenario questions</a:t>
+            </a:r>
+            <a:endParaRPr lang="en-US" dirty="0"/>
+          </a:p>
+        </p:txBody>
+      </p:sp>
+      <p:sp>
+        <p:nvSpPr>
+          <p:cNvPr id="121" name="Arrondir un rectangle avec un coin diagonal 120"/>
+          <p:cNvSpPr/>
+          <p:nvPr/>
+        </p:nvSpPr>
+        <p:spPr>
+          <a:xfrm flipV="1">
+            <a:off x="971600" y="3429000"/>
+            <a:ext cx="7272808" cy="3096344"/>
+          </a:xfrm>
+          <a:prstGeom prst="round2DiagRect">
+            <a:avLst>
+              <a:gd name="adj1" fmla="val 9337"/>
+              <a:gd name="adj2" fmla="val 0"/>
+            </a:avLst>
+          </a:prstGeom>
+        </p:spPr>
+        <p:style>
+          <a:lnRef idx="2">
+            <a:schemeClr val="dk1"/>
+          </a:lnRef>
+          <a:fillRef idx="1">
+            <a:schemeClr val="lt1"/>
+          </a:fillRef>
+          <a:effectRef idx="0">
+            <a:schemeClr val="dk1"/>
+          </a:effectRef>
+          <a:fontRef idx="minor">
+            <a:schemeClr val="dk1"/>
+          </a:fontRef>
+        </p:style>
+        <p:txBody>
+          <a:bodyPr rtlCol="0" anchor="ctr"/>
+          <a:lstStyle/>
+          <a:p>
+            <a:pPr algn="ctr"/>
+            <a:endParaRPr lang="en-US"/>
+          </a:p>
+        </p:txBody>
+      </p:sp>
+      <p:cxnSp>
+        <p:nvCxnSpPr>
+          <p:cNvPr id="122" name="Connecteur droit avec flèche 121"/>
+          <p:cNvCxnSpPr/>
+          <p:nvPr/>
+        </p:nvCxnSpPr>
+        <p:spPr>
+          <a:xfrm>
+            <a:off x="1799692" y="4941168"/>
+            <a:ext cx="0" cy="1404000"/>
+          </a:xfrm>
+          <a:prstGeom prst="straightConnector1">
+            <a:avLst/>
+          </a:prstGeom>
+          <a:ln>
+            <a:tailEnd type="arrow"/>
+          </a:ln>
+        </p:spPr>
+        <p:style>
+          <a:lnRef idx="3">
+            <a:schemeClr val="dk1"/>
+          </a:lnRef>
+          <a:fillRef idx="0">
+            <a:schemeClr val="dk1"/>
+          </a:fillRef>
+          <a:effectRef idx="2">
+            <a:schemeClr val="dk1"/>
+          </a:effectRef>
+          <a:fontRef idx="minor">
+            <a:schemeClr val="tx1"/>
+          </a:fontRef>
+        </p:style>
+      </p:cxnSp>
+      <p:cxnSp>
+        <p:nvCxnSpPr>
+          <p:cNvPr id="123" name="Connecteur droit avec flèche 122"/>
+          <p:cNvCxnSpPr/>
+          <p:nvPr/>
+        </p:nvCxnSpPr>
+        <p:spPr>
+          <a:xfrm>
+            <a:off x="3695903" y="4941168"/>
+            <a:ext cx="0" cy="1404000"/>
+          </a:xfrm>
+          <a:prstGeom prst="straightConnector1">
+            <a:avLst/>
+          </a:prstGeom>
+          <a:ln>
+            <a:tailEnd type="arrow"/>
+          </a:ln>
+        </p:spPr>
+        <p:style>
+          <a:lnRef idx="3">
+            <a:schemeClr val="dk1"/>
+          </a:lnRef>
+          <a:fillRef idx="0">
+            <a:schemeClr val="dk1"/>
+          </a:fillRef>
+          <a:effectRef idx="2">
+            <a:schemeClr val="dk1"/>
+          </a:effectRef>
+          <a:fontRef idx="minor">
+            <a:schemeClr val="tx1"/>
+          </a:fontRef>
+        </p:style>
+      </p:cxnSp>
+      <p:cxnSp>
+        <p:nvCxnSpPr>
+          <p:cNvPr id="124" name="Connecteur droit avec flèche 123"/>
+          <p:cNvCxnSpPr/>
+          <p:nvPr/>
+        </p:nvCxnSpPr>
+        <p:spPr>
+          <a:xfrm>
+            <a:off x="5592114" y="4941168"/>
+            <a:ext cx="0" cy="1404000"/>
+          </a:xfrm>
+          <a:prstGeom prst="straightConnector1">
+            <a:avLst/>
+          </a:prstGeom>
+          <a:ln>
+            <a:tailEnd type="arrow"/>
+          </a:ln>
+        </p:spPr>
+        <p:style>
+          <a:lnRef idx="3">
+            <a:schemeClr val="dk1"/>
+          </a:lnRef>
+          <a:fillRef idx="0">
+            <a:schemeClr val="dk1"/>
+          </a:fillRef>
+          <a:effectRef idx="2">
+            <a:schemeClr val="dk1"/>
+          </a:effectRef>
+          <a:fontRef idx="minor">
+            <a:schemeClr val="tx1"/>
+          </a:fontRef>
+        </p:style>
+      </p:cxnSp>
+      <p:cxnSp>
+        <p:nvCxnSpPr>
+          <p:cNvPr id="125" name="Connecteur droit avec flèche 124"/>
+          <p:cNvCxnSpPr/>
+          <p:nvPr/>
+        </p:nvCxnSpPr>
+        <p:spPr>
+          <a:xfrm>
+            <a:off x="7488324" y="4941168"/>
+            <a:ext cx="0" cy="1404000"/>
+          </a:xfrm>
+          <a:prstGeom prst="straightConnector1">
+            <a:avLst/>
+          </a:prstGeom>
+          <a:ln>
+            <a:tailEnd type="arrow"/>
+          </a:ln>
+        </p:spPr>
+        <p:style>
+          <a:lnRef idx="3">
+            <a:schemeClr val="dk1"/>
+          </a:lnRef>
+          <a:fillRef idx="0">
+            <a:schemeClr val="dk1"/>
+          </a:fillRef>
+          <a:effectRef idx="2">
+            <a:schemeClr val="dk1"/>
+          </a:effectRef>
+          <a:fontRef idx="minor">
+            <a:schemeClr val="tx1"/>
+          </a:fontRef>
+        </p:style>
+      </p:cxnSp>
+      <p:grpSp>
+        <p:nvGrpSpPr>
+          <p:cNvPr id="2" name="Groupe 13"/>
+          <p:cNvGrpSpPr/>
+          <p:nvPr/>
+        </p:nvGrpSpPr>
+        <p:grpSpPr>
+          <a:xfrm>
+            <a:off x="1223628" y="3604890"/>
+            <a:ext cx="6696744" cy="1264270"/>
+            <a:chOff x="755576" y="1628800"/>
+            <a:chExt cx="6696744" cy="1264270"/>
+          </a:xfrm>
+        </p:grpSpPr>
+        <p:pic>
+          <p:nvPicPr>
+            <p:cNvPr id="143" name="Image 142" descr="attache-velib.jpg"/>
+            <p:cNvPicPr>
+              <a:picLocks noChangeAspect="1"/>
+            </p:cNvPicPr>
+            <p:nvPr/>
+          </p:nvPicPr>
+          <p:blipFill>
+            <a:blip r:embed="rId2" cstate="print"/>
+            <a:stretch>
+              <a:fillRect/>
+            </a:stretch>
+          </p:blipFill>
+          <p:spPr>
+            <a:xfrm>
+              <a:off x="6563353" y="1629768"/>
+              <a:ext cx="888967" cy="1262333"/>
+            </a:xfrm>
+            <a:prstGeom prst="rect">
+              <a:avLst/>
+            </a:prstGeom>
+          </p:spPr>
+        </p:pic>
+        <p:pic>
+          <p:nvPicPr>
+            <p:cNvPr id="144" name="Image 7" descr="velo.jpg"/>
+            <p:cNvPicPr>
+              <a:picLocks noChangeAspect="1"/>
+            </p:cNvPicPr>
+            <p:nvPr/>
+          </p:nvPicPr>
+          <p:blipFill>
+            <a:blip r:embed="rId3" cstate="print"/>
+            <a:stretch>
+              <a:fillRect/>
+            </a:stretch>
+          </p:blipFill>
+          <p:spPr>
+            <a:xfrm>
+              <a:off x="755576" y="1759586"/>
+              <a:ext cx="1014634" cy="1002697"/>
+            </a:xfrm>
+            <a:prstGeom prst="rect">
+              <a:avLst/>
+            </a:prstGeom>
+          </p:spPr>
+        </p:pic>
+        <p:grpSp>
+          <p:nvGrpSpPr>
+            <p:cNvPr id="3" name="Groupe 22"/>
+            <p:cNvGrpSpPr/>
+            <p:nvPr/>
+          </p:nvGrpSpPr>
+          <p:grpSpPr>
+            <a:xfrm>
+              <a:off x="2882790" y="1768567"/>
+              <a:ext cx="837053" cy="984736"/>
+              <a:chOff x="2849290" y="2018507"/>
+              <a:chExt cx="1382585" cy="1626517"/>
+            </a:xfrm>
+          </p:grpSpPr>
+          <p:pic>
+            <p:nvPicPr>
+              <p:cNvPr id="147" name="Image 10" descr="cloud.JPG"/>
+              <p:cNvPicPr>
+                <a:picLocks noChangeAspect="1"/>
+              </p:cNvPicPr>
+              <p:nvPr/>
+            </p:nvPicPr>
+            <p:blipFill>
+              <a:blip r:embed="rId4" cstate="print"/>
+              <a:stretch>
+                <a:fillRect/>
+              </a:stretch>
+            </p:blipFill>
+            <p:spPr>
+              <a:xfrm>
+                <a:off x="2862611" y="2018507"/>
+                <a:ext cx="1369264" cy="844334"/>
+              </a:xfrm>
+              <a:prstGeom prst="rect">
+                <a:avLst/>
+              </a:prstGeom>
+            </p:spPr>
+          </p:pic>
+          <p:pic>
+            <p:nvPicPr>
+              <p:cNvPr id="148" name="Image 11" descr="database.jpg"/>
+              <p:cNvPicPr>
+                <a:picLocks noChangeAspect="1"/>
+              </p:cNvPicPr>
+              <p:nvPr/>
+            </p:nvPicPr>
+            <p:blipFill>
+              <a:blip r:embed="rId5" cstate="print"/>
+              <a:stretch>
+                <a:fillRect/>
+              </a:stretch>
+            </p:blipFill>
+            <p:spPr>
+              <a:xfrm>
+                <a:off x="2849290" y="2852936"/>
+                <a:ext cx="645552" cy="792088"/>
+              </a:xfrm>
+              <a:prstGeom prst="rect">
+                <a:avLst/>
+              </a:prstGeom>
+            </p:spPr>
+          </p:pic>
+          <p:pic>
+            <p:nvPicPr>
+              <p:cNvPr id="149" name="Image 12" descr="database.jpg"/>
+              <p:cNvPicPr>
+                <a:picLocks noChangeAspect="1"/>
+              </p:cNvPicPr>
+              <p:nvPr/>
+            </p:nvPicPr>
+            <p:blipFill>
+              <a:blip r:embed="rId5" cstate="print"/>
+              <a:stretch>
+                <a:fillRect/>
+              </a:stretch>
+            </p:blipFill>
+            <p:spPr>
+              <a:xfrm>
+                <a:off x="3563888" y="2852936"/>
+                <a:ext cx="645552" cy="792088"/>
+              </a:xfrm>
+              <a:prstGeom prst="rect">
+                <a:avLst/>
+              </a:prstGeom>
+            </p:spPr>
+          </p:pic>
+        </p:grpSp>
+        <p:pic>
+          <p:nvPicPr>
+            <p:cNvPr id="146" name="Image 9" descr="borne-velib.jpg"/>
+            <p:cNvPicPr>
+              <a:picLocks noChangeAspect="1"/>
+            </p:cNvPicPr>
+            <p:nvPr/>
+          </p:nvPicPr>
+          <p:blipFill>
+            <a:blip r:embed="rId6" cstate="print"/>
+            <a:stretch>
+              <a:fillRect/>
+            </a:stretch>
+          </p:blipFill>
+          <p:spPr>
+            <a:xfrm>
+              <a:off x="4832423" y="1628800"/>
+              <a:ext cx="618350" cy="1264270"/>
+            </a:xfrm>
+            <a:prstGeom prst="rect">
+              <a:avLst/>
+            </a:prstGeom>
+          </p:spPr>
+        </p:pic>
+      </p:grpSp>
+      <p:sp>
+        <p:nvSpPr>
+          <p:cNvPr id="132" name="Arrondir un rectangle avec un coin du même côté 131"/>
+          <p:cNvSpPr/>
+          <p:nvPr/>
+        </p:nvSpPr>
+        <p:spPr>
+          <a:xfrm>
+            <a:off x="971600" y="2852936"/>
+            <a:ext cx="2160240" cy="577510"/>
+          </a:xfrm>
+          <a:prstGeom prst="round2SameRect">
+            <a:avLst/>
+          </a:prstGeom>
+        </p:spPr>
+        <p:style>
+          <a:lnRef idx="2">
+            <a:schemeClr val="dk1"/>
+          </a:lnRef>
+          <a:fillRef idx="1">
+            <a:schemeClr val="lt1"/>
+          </a:fillRef>
+          <a:effectRef idx="0">
+            <a:schemeClr val="dk1"/>
+          </a:effectRef>
+          <a:fontRef idx="minor">
+            <a:schemeClr val="dk1"/>
+          </a:fontRef>
+        </p:style>
+        <p:txBody>
+          <a:bodyPr rtlCol="0" anchor="ctr">
+            <a:noAutofit/>
+          </a:bodyPr>
+          <a:lstStyle/>
+          <a:p>
+            <a:pPr algn="ctr"/>
+            <a:r>
+              <a:rPr lang="en-US" sz="2800" dirty="0" smtClean="0">
+                <a:latin typeface="Berlin Sans FB" pitchFamily="34" charset="0"/>
+              </a:rPr>
+              <a:t>Acceptable?</a:t>
+            </a:r>
+            <a:endParaRPr lang="en-US" sz="2800" dirty="0" smtClean="0"/>
+          </a:p>
+        </p:txBody>
+      </p:sp>
+      <p:grpSp>
+        <p:nvGrpSpPr>
+          <p:cNvPr id="4" name="Groupe 50"/>
+          <p:cNvGrpSpPr/>
+          <p:nvPr/>
+        </p:nvGrpSpPr>
+        <p:grpSpPr>
+          <a:xfrm>
+            <a:off x="1820198" y="5013176"/>
+            <a:ext cx="5688000" cy="442035"/>
+            <a:chOff x="1619672" y="5902596"/>
+            <a:chExt cx="5688000" cy="442035"/>
+          </a:xfrm>
+        </p:grpSpPr>
+        <p:cxnSp>
+          <p:nvCxnSpPr>
+            <p:cNvPr id="160" name="Connecteur droit avec flèche 159"/>
+            <p:cNvCxnSpPr/>
+            <p:nvPr/>
+          </p:nvCxnSpPr>
+          <p:spPr>
+            <a:xfrm>
+              <a:off x="1619672" y="6123613"/>
+              <a:ext cx="5688000" cy="0"/>
+            </a:xfrm>
+            <a:prstGeom prst="straightConnector1">
+              <a:avLst/>
+            </a:prstGeom>
+            <a:ln>
+              <a:tailEnd type="arrow"/>
+            </a:ln>
+          </p:spPr>
+          <p:style>
+            <a:lnRef idx="2">
+              <a:schemeClr val="dk1"/>
+            </a:lnRef>
+            <a:fillRef idx="0">
+              <a:schemeClr val="dk1"/>
+            </a:fillRef>
+            <a:effectRef idx="1">
+              <a:schemeClr val="dk1"/>
+            </a:effectRef>
+            <a:fontRef idx="minor">
+              <a:schemeClr val="tx1"/>
+            </a:fontRef>
+          </p:style>
+        </p:cxnSp>
+        <p:sp>
+          <p:nvSpPr>
+            <p:cNvPr id="161" name="ZoneTexte 160"/>
+            <p:cNvSpPr txBox="1"/>
+            <p:nvPr/>
+          </p:nvSpPr>
+          <p:spPr>
+            <a:xfrm>
+              <a:off x="1982288" y="5902596"/>
+              <a:ext cx="805010" cy="442035"/>
+            </a:xfrm>
+            <a:prstGeom prst="rect">
+              <a:avLst/>
+            </a:prstGeom>
+            <a:solidFill>
+              <a:schemeClr val="bg1"/>
+            </a:solidFill>
+          </p:spPr>
+          <p:txBody>
+            <a:bodyPr wrap="none" lIns="72000" tIns="0" rIns="72000" bIns="72000" rtlCol="0">
+              <a:spAutoFit/>
+            </a:bodyPr>
+            <a:lstStyle/>
+            <a:p>
+              <a:r>
+                <a:rPr lang="en-US" sz="2400" dirty="0" smtClean="0"/>
+                <a:t>press</a:t>
+              </a:r>
+              <a:endParaRPr lang="en-US" sz="2400" dirty="0"/>
+            </a:p>
+          </p:txBody>
+        </p:sp>
+      </p:grpSp>
+      <p:cxnSp>
+        <p:nvCxnSpPr>
+          <p:cNvPr id="173" name="Connecteur droit avec flèche 172"/>
+          <p:cNvCxnSpPr>
+            <a:stCxn id="44" idx="1"/>
+            <a:endCxn id="46" idx="0"/>
+          </p:cNvCxnSpPr>
+          <p:nvPr/>
+        </p:nvCxnSpPr>
+        <p:spPr>
+          <a:xfrm rot="10800000" flipV="1">
+            <a:off x="4610656" y="1520788"/>
+            <a:ext cx="897448" cy="684076"/>
+          </a:xfrm>
+          <a:prstGeom prst="bentConnector2">
+            <a:avLst/>
+          </a:prstGeom>
+          <a:ln>
+            <a:tailEnd type="arrow" w="med" len="lg"/>
+          </a:ln>
+        </p:spPr>
+        <p:style>
+          <a:lnRef idx="2">
+            <a:schemeClr val="dk1"/>
+          </a:lnRef>
+          <a:fillRef idx="0">
+            <a:schemeClr val="dk1"/>
+          </a:fillRef>
+          <a:effectRef idx="1">
+            <a:schemeClr val="dk1"/>
+          </a:effectRef>
+          <a:fontRef idx="minor">
+            <a:schemeClr val="tx1"/>
+          </a:fontRef>
+        </p:style>
+      </p:cxnSp>
+      <p:sp>
+        <p:nvSpPr>
+          <p:cNvPr id="175" name="Ellipse 174"/>
+          <p:cNvSpPr/>
+          <p:nvPr/>
+        </p:nvSpPr>
+        <p:spPr>
+          <a:xfrm>
+            <a:off x="6948264" y="476672"/>
+            <a:ext cx="216024" cy="216024"/>
+          </a:xfrm>
+          <a:prstGeom prst="ellipse">
+            <a:avLst/>
+          </a:prstGeom>
+        </p:spPr>
+        <p:style>
+          <a:lnRef idx="2">
+            <a:schemeClr val="dk1">
+              <a:shade val="50000"/>
+            </a:schemeClr>
+          </a:lnRef>
+          <a:fillRef idx="1">
+            <a:schemeClr val="dk1"/>
+          </a:fillRef>
+          <a:effectRef idx="0">
+            <a:schemeClr val="dk1"/>
+          </a:effectRef>
+          <a:fontRef idx="minor">
+            <a:schemeClr val="lt1"/>
+          </a:fontRef>
+        </p:style>
+        <p:txBody>
+          <a:bodyPr rtlCol="0" anchor="ctr"/>
+          <a:lstStyle/>
+          <a:p>
+            <a:pPr algn="ctr"/>
+            <a:endParaRPr lang="en-US"/>
+          </a:p>
+        </p:txBody>
+      </p:sp>
+      <p:cxnSp>
+        <p:nvCxnSpPr>
+          <p:cNvPr id="176" name="Connecteur droit avec flèche 172"/>
+          <p:cNvCxnSpPr>
+            <a:stCxn id="175" idx="4"/>
+            <a:endCxn id="44" idx="0"/>
+          </p:cNvCxnSpPr>
+          <p:nvPr/>
+        </p:nvCxnSpPr>
+        <p:spPr>
+          <a:xfrm rot="5400000">
+            <a:off x="6876256" y="872716"/>
+            <a:ext cx="360040" cy="12700"/>
+          </a:xfrm>
+          <a:prstGeom prst="bentConnector3">
+            <a:avLst>
+              <a:gd name="adj1" fmla="val 50000"/>
+            </a:avLst>
+          </a:prstGeom>
+          <a:ln>
+            <a:tailEnd type="arrow" w="med" len="lg"/>
+          </a:ln>
+        </p:spPr>
+        <p:style>
+          <a:lnRef idx="2">
+            <a:schemeClr val="dk1"/>
+          </a:lnRef>
+          <a:fillRef idx="0">
+            <a:schemeClr val="dk1"/>
+          </a:fillRef>
+          <a:effectRef idx="1">
+            <a:schemeClr val="dk1"/>
+          </a:effectRef>
+          <a:fontRef idx="minor">
+            <a:schemeClr val="tx1"/>
+          </a:fontRef>
+        </p:style>
+      </p:cxnSp>
+      <p:sp>
+        <p:nvSpPr>
+          <p:cNvPr id="46" name="Rectangle à coins arrondis 45"/>
+          <p:cNvSpPr/>
+          <p:nvPr/>
+        </p:nvSpPr>
+        <p:spPr>
+          <a:xfrm>
+            <a:off x="3620656" y="2204864"/>
+            <a:ext cx="1980000" cy="792088"/>
+          </a:xfrm>
+          <a:prstGeom prst="roundRect">
+            <a:avLst/>
+          </a:prstGeom>
+        </p:spPr>
+        <p:style>
+          <a:lnRef idx="2">
+            <a:schemeClr val="dk1"/>
+          </a:lnRef>
+          <a:fillRef idx="1">
+            <a:schemeClr val="lt1"/>
+          </a:fillRef>
+          <a:effectRef idx="0">
+            <a:schemeClr val="dk1"/>
+          </a:effectRef>
+          <a:fontRef idx="minor">
+            <a:schemeClr val="dk1"/>
+          </a:fontRef>
+        </p:style>
+        <p:txBody>
+          <a:bodyPr rtlCol="0" anchor="ctr"/>
+          <a:lstStyle/>
+          <a:p>
+            <a:pPr algn="ctr"/>
+            <a:r>
+              <a:rPr lang="en-US" sz="2800" dirty="0" smtClean="0">
+                <a:latin typeface="Berlin Sans FB" pitchFamily="34" charset="0"/>
+              </a:rPr>
+              <a:t>Pickup</a:t>
+            </a:r>
+            <a:endParaRPr lang="en-US" sz="2800" dirty="0">
+              <a:latin typeface="Berlin Sans FB" pitchFamily="34" charset="0"/>
+            </a:endParaRPr>
+          </a:p>
+        </p:txBody>
+      </p:sp>
+      <p:cxnSp>
+        <p:nvCxnSpPr>
+          <p:cNvPr id="48" name="Connecteur droit avec flèche 172"/>
+          <p:cNvCxnSpPr>
+            <a:stCxn id="46" idx="2"/>
+            <a:endCxn id="121" idx="1"/>
+          </p:cNvCxnSpPr>
+          <p:nvPr/>
+        </p:nvCxnSpPr>
+        <p:spPr>
+          <a:xfrm rot="5400000">
+            <a:off x="4393306" y="3211650"/>
+            <a:ext cx="432048" cy="2652"/>
+          </a:xfrm>
+          <a:prstGeom prst="bentConnector3">
+            <a:avLst>
+              <a:gd name="adj1" fmla="val 50000"/>
+            </a:avLst>
+          </a:prstGeom>
+          <a:ln>
+            <a:tailEnd type="arrow" w="med" len="lg"/>
+          </a:ln>
+        </p:spPr>
+        <p:style>
+          <a:lnRef idx="2">
+            <a:schemeClr val="dk1"/>
+          </a:lnRef>
+          <a:fillRef idx="0">
+            <a:schemeClr val="dk1"/>
+          </a:fillRef>
+          <a:effectRef idx="1">
+            <a:schemeClr val="dk1"/>
+          </a:effectRef>
+          <a:fontRef idx="minor">
+            <a:schemeClr val="tx1"/>
+          </a:fontRef>
+        </p:style>
+      </p:cxnSp>
+      <p:sp>
+        <p:nvSpPr>
+          <p:cNvPr id="53" name="ZoneTexte 52"/>
+          <p:cNvSpPr txBox="1"/>
+          <p:nvPr/>
+        </p:nvSpPr>
+        <p:spPr>
+          <a:xfrm>
+            <a:off x="5940152" y="2006258"/>
+            <a:ext cx="1031051" cy="2646878"/>
+          </a:xfrm>
+          <a:prstGeom prst="rect">
+            <a:avLst/>
+          </a:prstGeom>
+          <a:noFill/>
+        </p:spPr>
+        <p:txBody>
+          <a:bodyPr wrap="none" rtlCol="0">
+            <a:spAutoFit/>
+          </a:bodyPr>
+          <a:lstStyle/>
+          <a:p>
+            <a:r>
+              <a:rPr lang="en-US" sz="16600" dirty="0" smtClean="0">
+                <a:latin typeface="Berlin Sans FB" pitchFamily="34" charset="0"/>
+              </a:rPr>
+              <a:t>?</a:t>
+            </a:r>
+            <a:endParaRPr lang="en-US" sz="16600" dirty="0">
+              <a:latin typeface="Berlin Sans FB" pitchFamily="34" charset="0"/>
+            </a:endParaRPr>
+          </a:p>
+        </p:txBody>
+      </p:sp>
       <p:grpSp>
         <p:nvGrpSpPr>
           <p:cNvPr id="5" name="Groupe 51"/>
@@ -28026,7 +28798,7 @@
 </p:sld>
 </file>
 
-<file path=ppt/slides/slide42.xml><?xml version="1.0" encoding="utf-8"?>
+<file path=ppt/slides/slide43.xml><?xml version="1.0" encoding="utf-8"?>
 <p:sld xmlns:a="http://schemas.openxmlformats.org/drawingml/2006/main" xmlns:r="http://schemas.openxmlformats.org/officeDocument/2006/relationships" xmlns:p="http://schemas.openxmlformats.org/presentationml/2006/main">
   <p:cSld>
     <p:spTree>
@@ -28740,7 +29512,7 @@
 </p:sld>
 </file>
 
-<file path=ppt/slides/slide43.xml><?xml version="1.0" encoding="utf-8"?>
+<file path=ppt/slides/slide44.xml><?xml version="1.0" encoding="utf-8"?>
 <p:sld xmlns:a="http://schemas.openxmlformats.org/drawingml/2006/main" xmlns:r="http://schemas.openxmlformats.org/officeDocument/2006/relationships" xmlns:p="http://schemas.openxmlformats.org/presentationml/2006/main">
   <p:cSld>
     <p:spTree>
@@ -28797,7 +29569,7 @@
 </p:sld>
 </file>
 
-<file path=ppt/slides/slide44.xml><?xml version="1.0" encoding="utf-8"?>
+<file path=ppt/slides/slide45.xml><?xml version="1.0" encoding="utf-8"?>
 <p:sld xmlns:a="http://schemas.openxmlformats.org/drawingml/2006/main" xmlns:r="http://schemas.openxmlformats.org/officeDocument/2006/relationships" xmlns:p="http://schemas.openxmlformats.org/presentationml/2006/main">
   <p:cSld>
     <p:spTree>
@@ -28873,21 +29645,7 @@
                 <a:latin typeface="+mj-lt"/>
                 <a:cs typeface="Arial" pitchFamily="34" charset="0"/>
               </a:rPr>
-              <a:t>[</a:t>
-            </a:r>
-            <a:r>
-              <a:rPr lang="en-US" sz="1600" dirty="0" smtClean="0">
-                <a:latin typeface="+mj-lt"/>
-                <a:cs typeface="Arial" pitchFamily="34" charset="0"/>
-              </a:rPr>
-              <a:t>Avl09]	</a:t>
-            </a:r>
-            <a:r>
-              <a:rPr lang="en-US" sz="1600" dirty="0" smtClean="0">
-                <a:latin typeface="+mj-lt"/>
-                <a:cs typeface="Arial" pitchFamily="34" charset="0"/>
-              </a:rPr>
-              <a:t>A. van </a:t>
+              <a:t>[Avl09]	A. van </a:t>
             </a:r>
             <a:r>
               <a:rPr lang="en-US" sz="1600" dirty="0" err="1" smtClean="0">
@@ -28915,21 +29673,7 @@
                 <a:latin typeface="+mj-lt"/>
                 <a:cs typeface="Arial" pitchFamily="34" charset="0"/>
               </a:rPr>
-              <a:t> </a:t>
-            </a:r>
-            <a:r>
-              <a:rPr lang="en-US" sz="1600" dirty="0" smtClean="0">
-                <a:latin typeface="+mj-lt"/>
-                <a:cs typeface="Arial" pitchFamily="34" charset="0"/>
-              </a:rPr>
-              <a:t>Wiley, </a:t>
-            </a:r>
-            <a:r>
-              <a:rPr lang="en-US" sz="1600" dirty="0" smtClean="0">
-                <a:latin typeface="+mj-lt"/>
-                <a:cs typeface="Arial" pitchFamily="34" charset="0"/>
-              </a:rPr>
-              <a:t>March 2009.</a:t>
+              <a:t> Wiley, March 2009.</a:t>
             </a:r>
           </a:p>
           <a:p>
@@ -28954,40 +29698,15 @@
                 <a:latin typeface="+mj-lt"/>
                 <a:cs typeface="Arial" pitchFamily="34" charset="0"/>
               </a:rPr>
-              <a:t>No silver bullet: Essence and accidents of </a:t>
-            </a:r>
-            <a:r>
-              <a:rPr lang="en-US" sz="1600" i="1" dirty="0" smtClean="0">
-                <a:latin typeface="+mj-lt"/>
-                <a:cs typeface="Arial" pitchFamily="34" charset="0"/>
-              </a:rPr>
-              <a:t>software engineering</a:t>
+              <a:t>No silver bullet: Essence and accidents of software engineering</a:t>
             </a:r>
             <a:r>
               <a:rPr lang="en-US" sz="1600" dirty="0" smtClean="0">
                 <a:latin typeface="+mj-lt"/>
                 <a:cs typeface="Arial" pitchFamily="34" charset="0"/>
               </a:rPr>
-              <a:t>. IEEE Computer, 20(4):</a:t>
+              <a:t>. IEEE Computer, 20(4):10-19, April 1987.</a:t>
             </a:r>
-            <a:r>
-              <a:rPr lang="en-US" sz="1600" dirty="0" smtClean="0">
-                <a:latin typeface="+mj-lt"/>
-                <a:cs typeface="Arial" pitchFamily="34" charset="0"/>
-              </a:rPr>
-              <a:t>10-19</a:t>
-            </a:r>
-            <a:r>
-              <a:rPr lang="en-US" sz="1600" dirty="0" smtClean="0">
-                <a:latin typeface="+mj-lt"/>
-                <a:cs typeface="Arial" pitchFamily="34" charset="0"/>
-              </a:rPr>
-              <a:t>, April 1987.</a:t>
-            </a:r>
-            <a:endParaRPr lang="en-US" sz="1600" dirty="0" smtClean="0">
-              <a:latin typeface="+mj-lt"/>
-              <a:cs typeface="Arial" pitchFamily="34" charset="0"/>
-            </a:endParaRPr>
           </a:p>
           <a:p>
             <a:pPr marL="900113" indent="-900113" algn="just">
@@ -29004,14 +29723,7 @@
                 <a:latin typeface="+mj-lt"/>
                 <a:cs typeface="Arial" pitchFamily="34" charset="0"/>
               </a:rPr>
-              <a:t>[Dam11]	</a:t>
-            </a:r>
-            <a:r>
-              <a:rPr lang="en-US" sz="1600" dirty="0" smtClean="0">
-                <a:latin typeface="+mj-lt"/>
-                <a:cs typeface="Arial" pitchFamily="34" charset="0"/>
-              </a:rPr>
-              <a:t>C. </a:t>
+              <a:t>[Dam11]	C. </a:t>
             </a:r>
             <a:r>
               <a:rPr lang="en-US" sz="1600" dirty="0" err="1" smtClean="0">
@@ -29032,35 +29744,14 @@
                 <a:latin typeface="+mj-lt"/>
                 <a:cs typeface="Arial" pitchFamily="34" charset="0"/>
               </a:rPr>
-              <a:t>Analyzing </a:t>
-            </a:r>
-            <a:r>
-              <a:rPr lang="en-US" sz="1600" i="1" dirty="0" smtClean="0">
-                <a:latin typeface="+mj-lt"/>
-                <a:cs typeface="Arial" pitchFamily="34" charset="0"/>
-              </a:rPr>
-              <a:t>Multi-View Models of Software </a:t>
-            </a:r>
-            <a:r>
-              <a:rPr lang="en-US" sz="1600" i="1" dirty="0" smtClean="0">
-                <a:latin typeface="+mj-lt"/>
-                <a:cs typeface="Arial" pitchFamily="34" charset="0"/>
-              </a:rPr>
-              <a:t>Systems</a:t>
+              <a:t>Analyzing Multi-View Models of Software Systems</a:t>
             </a:r>
             <a:r>
               <a:rPr lang="en-US" sz="1600" dirty="0" smtClean="0">
                 <a:latin typeface="+mj-lt"/>
                 <a:cs typeface="Arial" pitchFamily="34" charset="0"/>
               </a:rPr>
-              <a:t>, PhD </a:t>
-            </a:r>
-            <a:r>
-              <a:rPr lang="en-US" sz="1600" dirty="0" smtClean="0">
-                <a:latin typeface="+mj-lt"/>
-                <a:cs typeface="Arial" pitchFamily="34" charset="0"/>
-              </a:rPr>
-              <a:t>thesis, </a:t>
+              <a:t>, PhD thesis, </a:t>
             </a:r>
             <a:r>
               <a:rPr lang="en-US" sz="1600" dirty="0" err="1" smtClean="0">
@@ -29088,14 +29779,7 @@
                 <a:latin typeface="+mj-lt"/>
                 <a:cs typeface="Arial" pitchFamily="34" charset="0"/>
               </a:rPr>
-              <a:t> de Louvain, </a:t>
-            </a:r>
-            <a:r>
-              <a:rPr lang="en-US" sz="1600" dirty="0" smtClean="0">
-                <a:latin typeface="+mj-lt"/>
-                <a:cs typeface="Arial" pitchFamily="34" charset="0"/>
-              </a:rPr>
-              <a:t>Louvain-la-</a:t>
+              <a:t> de Louvain, Louvain-la-</a:t>
             </a:r>
             <a:r>
               <a:rPr lang="en-US" sz="1600" dirty="0" err="1" smtClean="0">
@@ -29109,14 +29793,7 @@
                 <a:latin typeface="+mj-lt"/>
                 <a:cs typeface="Arial" pitchFamily="34" charset="0"/>
               </a:rPr>
-              <a:t>, 2011</a:t>
-            </a:r>
-            <a:r>
-              <a:rPr lang="en-US" sz="1600" dirty="0" smtClean="0">
-                <a:latin typeface="+mj-lt"/>
-                <a:cs typeface="Arial" pitchFamily="34" charset="0"/>
-              </a:rPr>
-              <a:t>.</a:t>
+              <a:t>, 2011.</a:t>
             </a:r>
           </a:p>
           <a:p>
@@ -29134,98 +29811,21 @@
                 <a:latin typeface="+mj-lt"/>
                 <a:cs typeface="Arial" pitchFamily="34" charset="0"/>
               </a:rPr>
-              <a:t>[Fea87]</a:t>
+              <a:t>[Fea87]	M.S. Feather, </a:t>
+            </a:r>
+            <a:r>
+              <a:rPr lang="en-US" sz="1600" i="1" dirty="0" smtClean="0">
+                <a:latin typeface="+mj-lt"/>
+                <a:cs typeface="Arial" pitchFamily="34" charset="0"/>
+              </a:rPr>
+              <a:t>Language support for the specification and development of composite systems.</a:t>
             </a:r>
             <a:r>
               <a:rPr lang="en-US" sz="1600" dirty="0" smtClean="0">
                 <a:latin typeface="+mj-lt"/>
                 <a:cs typeface="Arial" pitchFamily="34" charset="0"/>
               </a:rPr>
-              <a:t>	</a:t>
-            </a:r>
-            <a:r>
-              <a:rPr lang="en-US" sz="1600" dirty="0" smtClean="0">
-                <a:latin typeface="+mj-lt"/>
-                <a:cs typeface="Arial" pitchFamily="34" charset="0"/>
-              </a:rPr>
-              <a:t>M.S. Feather</a:t>
-            </a:r>
-            <a:r>
-              <a:rPr lang="en-US" sz="1600" dirty="0" smtClean="0">
-                <a:latin typeface="+mj-lt"/>
-                <a:cs typeface="Arial" pitchFamily="34" charset="0"/>
-              </a:rPr>
-              <a:t>, </a:t>
-            </a:r>
-            <a:r>
-              <a:rPr lang="en-US" sz="1600" i="1" dirty="0" smtClean="0">
-                <a:latin typeface="+mj-lt"/>
-                <a:cs typeface="Arial" pitchFamily="34" charset="0"/>
-              </a:rPr>
-              <a:t>Language </a:t>
-            </a:r>
-            <a:r>
-              <a:rPr lang="en-US" sz="1600" i="1" dirty="0" smtClean="0">
-                <a:latin typeface="+mj-lt"/>
-                <a:cs typeface="Arial" pitchFamily="34" charset="0"/>
-              </a:rPr>
-              <a:t>support for the </a:t>
-            </a:r>
-            <a:r>
-              <a:rPr lang="en-US" sz="1600" i="1" dirty="0" smtClean="0">
-                <a:latin typeface="+mj-lt"/>
-                <a:cs typeface="Arial" pitchFamily="34" charset="0"/>
-              </a:rPr>
-              <a:t>specification </a:t>
-            </a:r>
-            <a:r>
-              <a:rPr lang="en-US" sz="1600" i="1" dirty="0" smtClean="0">
-                <a:latin typeface="+mj-lt"/>
-                <a:cs typeface="Arial" pitchFamily="34" charset="0"/>
-              </a:rPr>
-              <a:t>and </a:t>
-            </a:r>
-            <a:r>
-              <a:rPr lang="en-US" sz="1600" i="1" dirty="0" smtClean="0">
-                <a:latin typeface="+mj-lt"/>
-                <a:cs typeface="Arial" pitchFamily="34" charset="0"/>
-              </a:rPr>
-              <a:t>development of </a:t>
-            </a:r>
-            <a:r>
-              <a:rPr lang="en-US" sz="1600" i="1" dirty="0" smtClean="0">
-                <a:latin typeface="+mj-lt"/>
-                <a:cs typeface="Arial" pitchFamily="34" charset="0"/>
-              </a:rPr>
-              <a:t>composite systems.</a:t>
-            </a:r>
-            <a:r>
-              <a:rPr lang="en-US" sz="1600" dirty="0" smtClean="0">
-                <a:latin typeface="+mj-lt"/>
-                <a:cs typeface="Arial" pitchFamily="34" charset="0"/>
-              </a:rPr>
-              <a:t> ACM </a:t>
-            </a:r>
-            <a:r>
-              <a:rPr lang="en-US" sz="1600" dirty="0" smtClean="0">
-                <a:latin typeface="+mj-lt"/>
-                <a:cs typeface="Arial" pitchFamily="34" charset="0"/>
-              </a:rPr>
-              <a:t>Transactions on Programming Languages and Systems, 9:198-234</a:t>
-            </a:r>
-            <a:r>
-              <a:rPr lang="en-US" sz="1600" dirty="0" smtClean="0">
-                <a:latin typeface="+mj-lt"/>
-                <a:cs typeface="Arial" pitchFamily="34" charset="0"/>
-              </a:rPr>
-              <a:t>, March 1987</a:t>
-            </a:r>
-            <a:r>
-              <a:rPr lang="en-US" sz="1600" dirty="0" smtClean="0">
-                <a:latin typeface="+mj-lt"/>
-                <a:cs typeface="Arial" pitchFamily="34" charset="0"/>
-              </a:rPr>
-              <a:t>.</a:t>
+              <a:t> ACM Transactions on Programming Languages and Systems, 9:198-234, March 1987.</a:t>
             </a:r>
           </a:p>
           <a:p>
@@ -29243,42 +29843,7 @@
                 <a:latin typeface="+mj-lt"/>
                 <a:cs typeface="Arial" pitchFamily="34" charset="0"/>
               </a:rPr>
-              <a:t>[Fin92]	</a:t>
-            </a:r>
-            <a:r>
-              <a:rPr lang="en-US" sz="1600" dirty="0" smtClean="0">
-                <a:latin typeface="+mj-lt"/>
-                <a:cs typeface="Arial" pitchFamily="34" charset="0"/>
-              </a:rPr>
-              <a:t>A. Finkelstein</a:t>
-            </a:r>
-            <a:r>
-              <a:rPr lang="en-US" sz="1600" dirty="0" smtClean="0">
-                <a:latin typeface="+mj-lt"/>
-                <a:cs typeface="Arial" pitchFamily="34" charset="0"/>
-              </a:rPr>
-              <a:t>, </a:t>
-            </a:r>
-            <a:r>
-              <a:rPr lang="en-US" sz="1600" dirty="0" smtClean="0">
-                <a:latin typeface="+mj-lt"/>
-                <a:cs typeface="Arial" pitchFamily="34" charset="0"/>
-              </a:rPr>
-              <a:t>J. </a:t>
-            </a:r>
-            <a:r>
-              <a:rPr lang="en-US" sz="1600" dirty="0" smtClean="0">
-                <a:latin typeface="+mj-lt"/>
-                <a:cs typeface="Arial" pitchFamily="34" charset="0"/>
-              </a:rPr>
-              <a:t>Kramer, </a:t>
-            </a:r>
-            <a:r>
-              <a:rPr lang="en-US" sz="1600" dirty="0" smtClean="0">
-                <a:latin typeface="+mj-lt"/>
-                <a:cs typeface="Arial" pitchFamily="34" charset="0"/>
-              </a:rPr>
-              <a:t>B. </a:t>
+              <a:t>[Fin92]	A. Finkelstein, J. Kramer, B. </a:t>
             </a:r>
             <a:r>
               <a:rPr lang="en-US" sz="1600" dirty="0" err="1" smtClean="0">
@@ -29292,14 +29857,7 @@
                 <a:latin typeface="+mj-lt"/>
                 <a:cs typeface="Arial" pitchFamily="34" charset="0"/>
               </a:rPr>
-              <a:t>, </a:t>
-            </a:r>
-            <a:r>
-              <a:rPr lang="en-US" sz="1600" dirty="0" smtClean="0">
-                <a:latin typeface="+mj-lt"/>
-                <a:cs typeface="Arial" pitchFamily="34" charset="0"/>
-              </a:rPr>
-              <a:t>A. Finkelstein, M. </a:t>
+              <a:t>, A. Finkelstein, M. </a:t>
             </a:r>
             <a:r>
               <a:rPr lang="en-US" sz="1600" dirty="0" err="1" smtClean="0">
@@ -29320,56 +29878,14 @@
                 <a:latin typeface="+mj-lt"/>
                 <a:cs typeface="Arial" pitchFamily="34" charset="0"/>
               </a:rPr>
-              <a:t>Viewpoints</a:t>
-            </a:r>
-            <a:r>
-              <a:rPr lang="en-US" sz="1600" i="1" dirty="0" smtClean="0">
-                <a:latin typeface="+mj-lt"/>
-                <a:cs typeface="Arial" pitchFamily="34" charset="0"/>
-              </a:rPr>
-              <a:t>: A Framework for </a:t>
-            </a:r>
-            <a:r>
-              <a:rPr lang="en-US" sz="1600" i="1" dirty="0" smtClean="0">
-                <a:latin typeface="+mj-lt"/>
-                <a:cs typeface="Arial" pitchFamily="34" charset="0"/>
-              </a:rPr>
-              <a:t>Integrating Multiple </a:t>
-            </a:r>
-            <a:r>
-              <a:rPr lang="en-US" sz="1600" i="1" dirty="0" smtClean="0">
-                <a:latin typeface="+mj-lt"/>
-                <a:cs typeface="Arial" pitchFamily="34" charset="0"/>
-              </a:rPr>
-              <a:t>Perspectives in System Development</a:t>
+              <a:t>Viewpoints: A Framework for Integrating Multiple Perspectives in System Development</a:t>
             </a:r>
             <a:r>
               <a:rPr lang="en-US" sz="1600" dirty="0" smtClean="0">
                 <a:latin typeface="+mj-lt"/>
                 <a:cs typeface="Arial" pitchFamily="34" charset="0"/>
               </a:rPr>
-              <a:t>. </a:t>
-            </a:r>
-            <a:r>
-              <a:rPr lang="en-US" sz="1600" dirty="0" smtClean="0">
-                <a:latin typeface="+mj-lt"/>
-                <a:cs typeface="Arial" pitchFamily="34" charset="0"/>
-              </a:rPr>
-              <a:t>2:31-57</a:t>
-            </a:r>
-            <a:r>
-              <a:rPr lang="en-US" sz="1600" dirty="0" smtClean="0">
-                <a:latin typeface="+mj-lt"/>
-                <a:cs typeface="Arial" pitchFamily="34" charset="0"/>
-              </a:rPr>
-              <a:t>+, 1992</a:t>
-            </a:r>
-            <a:r>
-              <a:rPr lang="en-US" sz="1600" dirty="0" smtClean="0">
-                <a:latin typeface="+mj-lt"/>
-                <a:cs typeface="Arial" pitchFamily="34" charset="0"/>
-              </a:rPr>
-              <a:t>.</a:t>
+              <a:t>. 2:31-57+, 1992.</a:t>
             </a:r>
           </a:p>
           <a:p>
@@ -29387,84 +29903,21 @@
                 <a:latin typeface="+mj-lt"/>
                 <a:cs typeface="Arial" pitchFamily="34" charset="0"/>
               </a:rPr>
-              <a:t>[Hoa85]	</a:t>
+              <a:t>[Hoa85]	C.A.R. Hoare, </a:t>
+            </a:r>
+            <a:r>
+              <a:rPr lang="en-US" sz="1600" i="1" dirty="0" smtClean="0">
+                <a:latin typeface="+mj-lt"/>
+                <a:cs typeface="Arial" pitchFamily="34" charset="0"/>
+              </a:rPr>
+              <a:t>Communicating Sequential Processes, </a:t>
             </a:r>
             <a:r>
               <a:rPr lang="en-US" sz="1600" dirty="0" smtClean="0">
                 <a:latin typeface="+mj-lt"/>
                 <a:cs typeface="Arial" pitchFamily="34" charset="0"/>
               </a:rPr>
-              <a:t>C.A.R. Hoare, </a:t>
-            </a:r>
-            <a:r>
-              <a:rPr lang="en-US" sz="1600" i="1" dirty="0" smtClean="0">
-                <a:latin typeface="+mj-lt"/>
-                <a:cs typeface="Arial" pitchFamily="34" charset="0"/>
-              </a:rPr>
-              <a:t>Communicating </a:t>
-            </a:r>
-            <a:r>
-              <a:rPr lang="en-US" sz="1600" i="1" dirty="0" smtClean="0">
-                <a:latin typeface="+mj-lt"/>
-                <a:cs typeface="Arial" pitchFamily="34" charset="0"/>
-              </a:rPr>
-              <a:t>Sequential </a:t>
-            </a:r>
-            <a:r>
-              <a:rPr lang="en-US" sz="1600" i="1" dirty="0" smtClean="0">
-                <a:latin typeface="+mj-lt"/>
-                <a:cs typeface="Arial" pitchFamily="34" charset="0"/>
-              </a:rPr>
-              <a:t>Processes, </a:t>
-            </a:r>
-            <a:r>
-              <a:rPr lang="en-US" sz="1600" dirty="0" smtClean="0">
-                <a:latin typeface="+mj-lt"/>
-                <a:cs typeface="Arial" pitchFamily="34" charset="0"/>
-              </a:rPr>
-              <a:t>Prentice Hall </a:t>
-            </a:r>
-            <a:r>
-              <a:rPr lang="en-US" sz="1600" dirty="0" smtClean="0">
-                <a:latin typeface="+mj-lt"/>
-                <a:cs typeface="Arial" pitchFamily="34" charset="0"/>
-              </a:rPr>
-              <a:t>International Series in Computing </a:t>
-            </a:r>
-            <a:r>
-              <a:rPr lang="en-US" sz="1600" dirty="0" smtClean="0">
-                <a:latin typeface="+mj-lt"/>
-                <a:cs typeface="Arial" pitchFamily="34" charset="0"/>
-              </a:rPr>
-              <a:t>Science, </a:t>
-            </a:r>
-            <a:r>
-              <a:rPr lang="en-US" sz="1600" dirty="0" smtClean="0">
-                <a:latin typeface="+mj-lt"/>
-                <a:cs typeface="Arial" pitchFamily="34" charset="0"/>
-              </a:rPr>
-              <a:t>Prentice </a:t>
-            </a:r>
-            <a:r>
-              <a:rPr lang="en-US" sz="1600" dirty="0" smtClean="0">
-                <a:latin typeface="+mj-lt"/>
-                <a:cs typeface="Arial" pitchFamily="34" charset="0"/>
-              </a:rPr>
-              <a:t>Hall, April </a:t>
-            </a:r>
-            <a:r>
-              <a:rPr lang="en-US" sz="1600" dirty="0" smtClean="0">
-                <a:latin typeface="+mj-lt"/>
-                <a:cs typeface="Arial" pitchFamily="34" charset="0"/>
-              </a:rPr>
-              <a:t>1985</a:t>
-            </a:r>
-            <a:r>
-              <a:rPr lang="en-US" sz="1600" dirty="0" smtClean="0">
-                <a:latin typeface="+mj-lt"/>
-                <a:cs typeface="Arial" pitchFamily="34" charset="0"/>
-              </a:rPr>
-              <a:t>.</a:t>
+              <a:t>Prentice Hall International Series in Computing Science, Prentice Hall, April 1985.</a:t>
             </a:r>
           </a:p>
           <a:p>
@@ -29482,84 +29935,21 @@
                 <a:latin typeface="+mj-lt"/>
                 <a:cs typeface="Arial" pitchFamily="34" charset="0"/>
               </a:rPr>
-              <a:t>[Mil89]	</a:t>
+              <a:t>[Mil89]	R. Milner, </a:t>
+            </a:r>
+            <a:r>
+              <a:rPr lang="en-US" sz="1600" i="1" dirty="0" smtClean="0">
+                <a:latin typeface="+mj-lt"/>
+                <a:cs typeface="Arial" pitchFamily="34" charset="0"/>
+              </a:rPr>
+              <a:t>Communication and concurrency</a:t>
             </a:r>
             <a:r>
               <a:rPr lang="en-US" sz="1600" dirty="0" smtClean="0">
                 <a:latin typeface="+mj-lt"/>
                 <a:cs typeface="Arial" pitchFamily="34" charset="0"/>
               </a:rPr>
-              <a:t>R. Milner, </a:t>
-            </a:r>
-            <a:r>
-              <a:rPr lang="en-US" sz="1600" i="1" dirty="0" smtClean="0">
-                <a:latin typeface="+mj-lt"/>
-                <a:cs typeface="Arial" pitchFamily="34" charset="0"/>
-              </a:rPr>
-              <a:t>Communication </a:t>
-            </a:r>
-            <a:r>
-              <a:rPr lang="en-US" sz="1600" i="1" dirty="0" smtClean="0">
-                <a:latin typeface="+mj-lt"/>
-                <a:cs typeface="Arial" pitchFamily="34" charset="0"/>
-              </a:rPr>
-              <a:t>and </a:t>
-            </a:r>
-            <a:r>
-              <a:rPr lang="en-US" sz="1600" i="1" dirty="0" smtClean="0">
-                <a:latin typeface="+mj-lt"/>
-                <a:cs typeface="Arial" pitchFamily="34" charset="0"/>
-              </a:rPr>
-              <a:t>concurrency</a:t>
-            </a:r>
-            <a:r>
-              <a:rPr lang="en-US" sz="1600" dirty="0" smtClean="0">
-                <a:latin typeface="+mj-lt"/>
-                <a:cs typeface="Arial" pitchFamily="34" charset="0"/>
-              </a:rPr>
-              <a:t>, </a:t>
-            </a:r>
-            <a:r>
-              <a:rPr lang="en-US" sz="1600" dirty="0" smtClean="0">
-                <a:latin typeface="+mj-lt"/>
-                <a:cs typeface="Arial" pitchFamily="34" charset="0"/>
-              </a:rPr>
-              <a:t>Prentice-Hall, Inc</a:t>
-            </a:r>
-            <a:r>
-              <a:rPr lang="en-US" sz="1600" dirty="0" smtClean="0">
-                <a:latin typeface="+mj-lt"/>
-                <a:cs typeface="Arial" pitchFamily="34" charset="0"/>
-              </a:rPr>
-              <a:t>., Upper </a:t>
-            </a:r>
-            <a:r>
-              <a:rPr lang="en-US" sz="1600" dirty="0" smtClean="0">
-                <a:latin typeface="+mj-lt"/>
-                <a:cs typeface="Arial" pitchFamily="34" charset="0"/>
-              </a:rPr>
-              <a:t>Saddle River, NJ</a:t>
-            </a:r>
-            <a:r>
-              <a:rPr lang="en-US" sz="1600" dirty="0" smtClean="0">
-                <a:latin typeface="+mj-lt"/>
-                <a:cs typeface="Arial" pitchFamily="34" charset="0"/>
-              </a:rPr>
-              <a:t>, </a:t>
-            </a:r>
-            <a:r>
-              <a:rPr lang="en-US" sz="1600" dirty="0" smtClean="0">
-                <a:latin typeface="+mj-lt"/>
-                <a:cs typeface="Arial" pitchFamily="34" charset="0"/>
-              </a:rPr>
-              <a:t>USA, 1989</a:t>
-            </a:r>
-            <a:r>
-              <a:rPr lang="en-US" sz="1600" dirty="0" smtClean="0">
-                <a:latin typeface="+mj-lt"/>
-                <a:cs typeface="Arial" pitchFamily="34" charset="0"/>
-              </a:rPr>
-              <a:t>.</a:t>
+              <a:t>, Prentice-Hall, Inc., Upper Saddle River, NJ, USA, 1989.</a:t>
             </a:r>
           </a:p>
           <a:p>
@@ -29584,33 +29974,15 @@
                 <a:latin typeface="+mj-lt"/>
                 <a:cs typeface="Arial" pitchFamily="34" charset="0"/>
               </a:rPr>
-              <a:t>Concurrency: State Models and </a:t>
-            </a:r>
-            <a:r>
-              <a:rPr lang="en-US" sz="1600" i="1" dirty="0" smtClean="0">
-                <a:latin typeface="+mj-lt"/>
-                <a:cs typeface="Arial" pitchFamily="34" charset="0"/>
-              </a:rPr>
-              <a:t>Java Programs,</a:t>
+              <a:t>Concurrency: State Models and Java Programs,</a:t>
             </a:r>
             <a:r>
               <a:rPr lang="en-US" sz="1600" dirty="0" smtClean="0">
                 <a:latin typeface="+mj-lt"/>
                 <a:cs typeface="Arial" pitchFamily="34" charset="0"/>
               </a:rPr>
-              <a:t> </a:t>
+              <a:t> Wiley, 1999.</a:t>
             </a:r>
-            <a:r>
-              <a:rPr lang="en-US" sz="1600" dirty="0" smtClean="0">
-                <a:latin typeface="+mj-lt"/>
-                <a:cs typeface="Arial" pitchFamily="34" charset="0"/>
-              </a:rPr>
-              <a:t>Wiley, 1999.</a:t>
-            </a:r>
-            <a:endParaRPr lang="en-US" sz="1600" dirty="0" smtClean="0">
-              <a:latin typeface="+mj-lt"/>
-              <a:cs typeface="Arial" pitchFamily="34" charset="0"/>
-            </a:endParaRPr>
           </a:p>
         </p:txBody>
       </p:sp>
@@ -29629,7 +30001,7 @@
 </p:sld>
 </file>
 
-<file path=ppt/slides/slide45.xml><?xml version="1.0" encoding="utf-8"?>
+<file path=ppt/slides/slide46.xml><?xml version="1.0" encoding="utf-8"?>
 <p:sld xmlns:a="http://schemas.openxmlformats.org/drawingml/2006/main" xmlns:r="http://schemas.openxmlformats.org/officeDocument/2006/relationships" xmlns:p="http://schemas.openxmlformats.org/presentationml/2006/main">
   <p:cSld>
     <p:spTree>
@@ -30671,17 +31043,7 @@
                   <a:latin typeface="Berlin Sans FB" pitchFamily="34" charset="0"/>
                   <a:sym typeface="Symbol"/>
                 </a:rPr>
-                <a:t>=&gt; </a:t>
-              </a:r>
-              <a:r>
-                <a:rPr lang="en-US" sz="2400" dirty="0" smtClean="0">
-                  <a:solidFill>
-                    <a:schemeClr val="bg1"/>
-                  </a:solidFill>
-                  <a:latin typeface="Berlin Sans FB" pitchFamily="34" charset="0"/>
-                  <a:sym typeface="Symbol"/>
-                </a:rPr>
-                <a:t>Cyclist </a:t>
+                <a:t>=&gt; Cyclist </a:t>
               </a:r>
               <a:r>
                 <a:rPr lang="en-US" sz="2400" dirty="0" smtClean="0">
@@ -30993,7 +31355,7 @@
 </p:sld>
 </file>
 
-<file path=ppt/slides/slide46.xml><?xml version="1.0" encoding="utf-8"?>
+<file path=ppt/slides/slide47.xml><?xml version="1.0" encoding="utf-8"?>
 <p:sld xmlns:a="http://schemas.openxmlformats.org/drawingml/2006/main" xmlns:r="http://schemas.openxmlformats.org/officeDocument/2006/relationships" xmlns:p="http://schemas.openxmlformats.org/presentationml/2006/main">
   <p:cSld>
     <p:spTree>
@@ -31839,7 +32201,7 @@
 </p:sld>
 </file>
 
-<file path=ppt/slides/slide47.xml><?xml version="1.0" encoding="utf-8"?>
+<file path=ppt/slides/slide48.xml><?xml version="1.0" encoding="utf-8"?>
 <p:sld xmlns:a="http://schemas.openxmlformats.org/drawingml/2006/main" xmlns:r="http://schemas.openxmlformats.org/officeDocument/2006/relationships" xmlns:p="http://schemas.openxmlformats.org/presentationml/2006/main">
   <p:cSld>
     <p:spTree>
@@ -32656,7 +33018,7 @@
 </p:sld>
 </file>
 
-<file path=ppt/slides/slide48.xml><?xml version="1.0" encoding="utf-8"?>
+<file path=ppt/slides/slide49.xml><?xml version="1.0" encoding="utf-8"?>
 <p:sld xmlns:a="http://schemas.openxmlformats.org/drawingml/2006/main" xmlns:r="http://schemas.openxmlformats.org/officeDocument/2006/relationships" xmlns:p="http://schemas.openxmlformats.org/presentationml/2006/main">
   <p:cSld>
     <p:spTree>
@@ -33462,762 +33824,6 @@
             </a:p>
           </p:txBody>
         </p:sp>
-      </p:grpSp>
-    </p:spTree>
-  </p:cSld>
-  <p:clrMapOvr>
-    <a:masterClrMapping/>
-  </p:clrMapOvr>
-  <p:timing>
-    <p:tnLst>
-      <p:par>
-        <p:cTn id="1" dur="indefinite" restart="never" nodeType="tmRoot"/>
-      </p:par>
-    </p:tnLst>
-  </p:timing>
-</p:sld>
-</file>
-
-<file path=ppt/slides/slide49.xml><?xml version="1.0" encoding="utf-8"?>
-<p:sld xmlns:a="http://schemas.openxmlformats.org/drawingml/2006/main" xmlns:r="http://schemas.openxmlformats.org/officeDocument/2006/relationships" xmlns:p="http://schemas.openxmlformats.org/presentationml/2006/main">
-  <p:cSld>
-    <p:spTree>
-      <p:nvGrpSpPr>
-        <p:cNvPr id="1" name=""/>
-        <p:cNvGrpSpPr/>
-        <p:nvPr/>
-      </p:nvGrpSpPr>
-      <p:grpSpPr>
-        <a:xfrm>
-          <a:off x="0" y="0"/>
-          <a:ext cx="0" cy="0"/>
-          <a:chOff x="0" y="0"/>
-          <a:chExt cx="0" cy="0"/>
-        </a:xfrm>
-      </p:grpSpPr>
-      <p:grpSp>
-        <p:nvGrpSpPr>
-          <p:cNvPr id="4" name="Groupe 3"/>
-          <p:cNvGrpSpPr/>
-          <p:nvPr/>
-        </p:nvGrpSpPr>
-        <p:grpSpPr>
-          <a:xfrm>
-            <a:off x="971600" y="1628800"/>
-            <a:ext cx="7272808" cy="4536504"/>
-            <a:chOff x="971600" y="1628800"/>
-            <a:chExt cx="7272808" cy="4536504"/>
-          </a:xfrm>
-        </p:grpSpPr>
-        <p:sp>
-          <p:nvSpPr>
-            <p:cNvPr id="7" name="Arrondir un rectangle avec un coin diagonal 6"/>
-            <p:cNvSpPr/>
-            <p:nvPr/>
-          </p:nvSpPr>
-          <p:spPr>
-            <a:xfrm flipV="1">
-              <a:off x="971600" y="2204864"/>
-              <a:ext cx="7272808" cy="3960440"/>
-            </a:xfrm>
-            <a:prstGeom prst="round2DiagRect">
-              <a:avLst>
-                <a:gd name="adj1" fmla="val 9337"/>
-                <a:gd name="adj2" fmla="val 0"/>
-              </a:avLst>
-            </a:prstGeom>
-            <a:ln w="76200"/>
-          </p:spPr>
-          <p:style>
-            <a:lnRef idx="2">
-              <a:schemeClr val="dk1"/>
-            </a:lnRef>
-            <a:fillRef idx="1">
-              <a:schemeClr val="lt1"/>
-            </a:fillRef>
-            <a:effectRef idx="0">
-              <a:schemeClr val="dk1"/>
-            </a:effectRef>
-            <a:fontRef idx="minor">
-              <a:schemeClr val="dk1"/>
-            </a:fontRef>
-          </p:style>
-          <p:txBody>
-            <a:bodyPr rtlCol="0" anchor="ctr"/>
-            <a:lstStyle/>
-            <a:p>
-              <a:pPr algn="ctr"/>
-              <a:endParaRPr lang="en-US"/>
-            </a:p>
-          </p:txBody>
-        </p:sp>
-        <p:cxnSp>
-          <p:nvCxnSpPr>
-            <p:cNvPr id="8" name="Connecteur droit avec flèche 7"/>
-            <p:cNvCxnSpPr/>
-            <p:nvPr/>
-          </p:nvCxnSpPr>
-          <p:spPr>
-            <a:xfrm>
-              <a:off x="1799692" y="3665219"/>
-              <a:ext cx="0" cy="2268000"/>
-            </a:xfrm>
-            <a:prstGeom prst="straightConnector1">
-              <a:avLst/>
-            </a:prstGeom>
-            <a:ln w="76200">
-              <a:tailEnd type="triangle"/>
-            </a:ln>
-          </p:spPr>
-          <p:style>
-            <a:lnRef idx="3">
-              <a:schemeClr val="dk1"/>
-            </a:lnRef>
-            <a:fillRef idx="0">
-              <a:schemeClr val="dk1"/>
-            </a:fillRef>
-            <a:effectRef idx="2">
-              <a:schemeClr val="dk1"/>
-            </a:effectRef>
-            <a:fontRef idx="minor">
-              <a:schemeClr val="tx1"/>
-            </a:fontRef>
-          </p:style>
-        </p:cxnSp>
-        <p:cxnSp>
-          <p:nvCxnSpPr>
-            <p:cNvPr id="9" name="Connecteur droit avec flèche 8"/>
-            <p:cNvCxnSpPr/>
-            <p:nvPr/>
-          </p:nvCxnSpPr>
-          <p:spPr>
-            <a:xfrm>
-              <a:off x="3695903" y="3665219"/>
-              <a:ext cx="0" cy="2268000"/>
-            </a:xfrm>
-            <a:prstGeom prst="straightConnector1">
-              <a:avLst/>
-            </a:prstGeom>
-            <a:ln w="76200">
-              <a:tailEnd type="triangle"/>
-            </a:ln>
-          </p:spPr>
-          <p:style>
-            <a:lnRef idx="3">
-              <a:schemeClr val="dk1"/>
-            </a:lnRef>
-            <a:fillRef idx="0">
-              <a:schemeClr val="dk1"/>
-            </a:fillRef>
-            <a:effectRef idx="2">
-              <a:schemeClr val="dk1"/>
-            </a:effectRef>
-            <a:fontRef idx="minor">
-              <a:schemeClr val="tx1"/>
-            </a:fontRef>
-          </p:style>
-        </p:cxnSp>
-        <p:cxnSp>
-          <p:nvCxnSpPr>
-            <p:cNvPr id="10" name="Connecteur droit avec flèche 9"/>
-            <p:cNvCxnSpPr/>
-            <p:nvPr/>
-          </p:nvCxnSpPr>
-          <p:spPr>
-            <a:xfrm>
-              <a:off x="5592114" y="3665219"/>
-              <a:ext cx="0" cy="2268000"/>
-            </a:xfrm>
-            <a:prstGeom prst="straightConnector1">
-              <a:avLst/>
-            </a:prstGeom>
-            <a:ln w="76200">
-              <a:tailEnd type="triangle"/>
-            </a:ln>
-          </p:spPr>
-          <p:style>
-            <a:lnRef idx="3">
-              <a:schemeClr val="dk1"/>
-            </a:lnRef>
-            <a:fillRef idx="0">
-              <a:schemeClr val="dk1"/>
-            </a:fillRef>
-            <a:effectRef idx="2">
-              <a:schemeClr val="dk1"/>
-            </a:effectRef>
-            <a:fontRef idx="minor">
-              <a:schemeClr val="tx1"/>
-            </a:fontRef>
-          </p:style>
-        </p:cxnSp>
-        <p:cxnSp>
-          <p:nvCxnSpPr>
-            <p:cNvPr id="11" name="Connecteur droit avec flèche 10"/>
-            <p:cNvCxnSpPr/>
-            <p:nvPr/>
-          </p:nvCxnSpPr>
-          <p:spPr>
-            <a:xfrm>
-              <a:off x="7488324" y="3665219"/>
-              <a:ext cx="0" cy="2268000"/>
-            </a:xfrm>
-            <a:prstGeom prst="straightConnector1">
-              <a:avLst/>
-            </a:prstGeom>
-            <a:ln w="76200">
-              <a:tailEnd type="triangle"/>
-            </a:ln>
-          </p:spPr>
-          <p:style>
-            <a:lnRef idx="3">
-              <a:schemeClr val="dk1"/>
-            </a:lnRef>
-            <a:fillRef idx="0">
-              <a:schemeClr val="dk1"/>
-            </a:fillRef>
-            <a:effectRef idx="2">
-              <a:schemeClr val="dk1"/>
-            </a:effectRef>
-            <a:fontRef idx="minor">
-              <a:schemeClr val="tx1"/>
-            </a:fontRef>
-          </p:style>
-        </p:cxnSp>
-        <p:grpSp>
-          <p:nvGrpSpPr>
-            <p:cNvPr id="12" name="Groupe 13"/>
-            <p:cNvGrpSpPr/>
-            <p:nvPr/>
-          </p:nvGrpSpPr>
-          <p:grpSpPr>
-            <a:xfrm>
-              <a:off x="1223628" y="2328941"/>
-              <a:ext cx="6696744" cy="1264270"/>
-              <a:chOff x="755576" y="1628800"/>
-              <a:chExt cx="6696744" cy="1264270"/>
-            </a:xfrm>
-          </p:grpSpPr>
-          <p:pic>
-            <p:nvPicPr>
-              <p:cNvPr id="25" name="Image 24" descr="attache-velib.jpg"/>
-              <p:cNvPicPr>
-                <a:picLocks noChangeAspect="1"/>
-              </p:cNvPicPr>
-              <p:nvPr/>
-            </p:nvPicPr>
-            <p:blipFill>
-              <a:blip r:embed="rId2" cstate="print"/>
-              <a:stretch>
-                <a:fillRect/>
-              </a:stretch>
-            </p:blipFill>
-            <p:spPr>
-              <a:xfrm>
-                <a:off x="6563353" y="1629768"/>
-                <a:ext cx="888967" cy="1262333"/>
-              </a:xfrm>
-              <a:prstGeom prst="rect">
-                <a:avLst/>
-              </a:prstGeom>
-            </p:spPr>
-          </p:pic>
-          <p:pic>
-            <p:nvPicPr>
-              <p:cNvPr id="26" name="Image 7" descr="velo.jpg"/>
-              <p:cNvPicPr>
-                <a:picLocks noChangeAspect="1"/>
-              </p:cNvPicPr>
-              <p:nvPr/>
-            </p:nvPicPr>
-            <p:blipFill>
-              <a:blip r:embed="rId3" cstate="print"/>
-              <a:stretch>
-                <a:fillRect/>
-              </a:stretch>
-            </p:blipFill>
-            <p:spPr>
-              <a:xfrm>
-                <a:off x="755576" y="1759586"/>
-                <a:ext cx="1014634" cy="1002697"/>
-              </a:xfrm>
-              <a:prstGeom prst="rect">
-                <a:avLst/>
-              </a:prstGeom>
-            </p:spPr>
-          </p:pic>
-          <p:grpSp>
-            <p:nvGrpSpPr>
-              <p:cNvPr id="27" name="Groupe 22"/>
-              <p:cNvGrpSpPr/>
-              <p:nvPr/>
-            </p:nvGrpSpPr>
-            <p:grpSpPr>
-              <a:xfrm>
-                <a:off x="2882790" y="1768567"/>
-                <a:ext cx="837053" cy="984736"/>
-                <a:chOff x="2849290" y="2018507"/>
-                <a:chExt cx="1382585" cy="1626517"/>
-              </a:xfrm>
-            </p:grpSpPr>
-            <p:pic>
-              <p:nvPicPr>
-                <p:cNvPr id="29" name="Image 10" descr="cloud.JPG"/>
-                <p:cNvPicPr>
-                  <a:picLocks noChangeAspect="1"/>
-                </p:cNvPicPr>
-                <p:nvPr/>
-              </p:nvPicPr>
-              <p:blipFill>
-                <a:blip r:embed="rId4" cstate="print"/>
-                <a:stretch>
-                  <a:fillRect/>
-                </a:stretch>
-              </p:blipFill>
-              <p:spPr>
-                <a:xfrm>
-                  <a:off x="2862611" y="2018507"/>
-                  <a:ext cx="1369264" cy="844334"/>
-                </a:xfrm>
-                <a:prstGeom prst="rect">
-                  <a:avLst/>
-                </a:prstGeom>
-              </p:spPr>
-            </p:pic>
-            <p:pic>
-              <p:nvPicPr>
-                <p:cNvPr id="30" name="Image 11" descr="database.jpg"/>
-                <p:cNvPicPr>
-                  <a:picLocks noChangeAspect="1"/>
-                </p:cNvPicPr>
-                <p:nvPr/>
-              </p:nvPicPr>
-              <p:blipFill>
-                <a:blip r:embed="rId5" cstate="print"/>
-                <a:stretch>
-                  <a:fillRect/>
-                </a:stretch>
-              </p:blipFill>
-              <p:spPr>
-                <a:xfrm>
-                  <a:off x="2849290" y="2852936"/>
-                  <a:ext cx="645552" cy="792088"/>
-                </a:xfrm>
-                <a:prstGeom prst="rect">
-                  <a:avLst/>
-                </a:prstGeom>
-              </p:spPr>
-            </p:pic>
-            <p:pic>
-              <p:nvPicPr>
-                <p:cNvPr id="31" name="Image 12" descr="database.jpg"/>
-                <p:cNvPicPr>
-                  <a:picLocks noChangeAspect="1"/>
-                </p:cNvPicPr>
-                <p:nvPr/>
-              </p:nvPicPr>
-              <p:blipFill>
-                <a:blip r:embed="rId5" cstate="print"/>
-                <a:stretch>
-                  <a:fillRect/>
-                </a:stretch>
-              </p:blipFill>
-              <p:spPr>
-                <a:xfrm>
-                  <a:off x="3563888" y="2852936"/>
-                  <a:ext cx="645552" cy="792088"/>
-                </a:xfrm>
-                <a:prstGeom prst="rect">
-                  <a:avLst/>
-                </a:prstGeom>
-              </p:spPr>
-            </p:pic>
-          </p:grpSp>
-          <p:pic>
-            <p:nvPicPr>
-              <p:cNvPr id="28" name="Image 9" descr="borne-velib.jpg"/>
-              <p:cNvPicPr>
-                <a:picLocks noChangeAspect="1"/>
-              </p:cNvPicPr>
-              <p:nvPr/>
-            </p:nvPicPr>
-            <p:blipFill>
-              <a:blip r:embed="rId6" cstate="print"/>
-              <a:stretch>
-                <a:fillRect/>
-              </a:stretch>
-            </p:blipFill>
-            <p:spPr>
-              <a:xfrm>
-                <a:off x="4832423" y="1628800"/>
-                <a:ext cx="618350" cy="1264270"/>
-              </a:xfrm>
-              <a:prstGeom prst="rect">
-                <a:avLst/>
-              </a:prstGeom>
-            </p:spPr>
-          </p:pic>
-        </p:grpSp>
-        <p:sp>
-          <p:nvSpPr>
-            <p:cNvPr id="13" name="Arrondir un rectangle avec un coin du même côté 12"/>
-            <p:cNvSpPr/>
-            <p:nvPr/>
-          </p:nvSpPr>
-          <p:spPr>
-            <a:xfrm>
-              <a:off x="971600" y="1628800"/>
-              <a:ext cx="2880320" cy="577510"/>
-            </a:xfrm>
-            <a:prstGeom prst="round2SameRect">
-              <a:avLst/>
-            </a:prstGeom>
-            <a:ln w="76200"/>
-          </p:spPr>
-          <p:style>
-            <a:lnRef idx="2">
-              <a:schemeClr val="dk1"/>
-            </a:lnRef>
-            <a:fillRef idx="1">
-              <a:schemeClr val="lt1"/>
-            </a:fillRef>
-            <a:effectRef idx="0">
-              <a:schemeClr val="dk1"/>
-            </a:effectRef>
-            <a:fontRef idx="minor">
-              <a:schemeClr val="dk1"/>
-            </a:fontRef>
-          </p:style>
-          <p:txBody>
-            <a:bodyPr rtlCol="0" anchor="ctr">
-              <a:noAutofit/>
-            </a:bodyPr>
-            <a:lstStyle/>
-            <a:p>
-              <a:pPr algn="ctr"/>
-              <a:r>
-                <a:rPr lang="en-US" sz="2800" dirty="0" smtClean="0">
-                  <a:latin typeface="Berlin Sans FB" pitchFamily="34" charset="0"/>
-                </a:rPr>
-                <a:t>Invalid Pickup</a:t>
-              </a:r>
-              <a:endParaRPr lang="en-US" sz="2800" dirty="0" smtClean="0"/>
-            </a:p>
-          </p:txBody>
-        </p:sp>
-        <p:grpSp>
-          <p:nvGrpSpPr>
-            <p:cNvPr id="14" name="Groupe 49"/>
-            <p:cNvGrpSpPr/>
-            <p:nvPr/>
-          </p:nvGrpSpPr>
-          <p:grpSpPr>
-            <a:xfrm>
-              <a:off x="5605090" y="5003189"/>
-              <a:ext cx="1872000" cy="472813"/>
-              <a:chOff x="5404564" y="5465523"/>
-              <a:chExt cx="1872000" cy="472813"/>
-            </a:xfrm>
-          </p:grpSpPr>
-          <p:cxnSp>
-            <p:nvCxnSpPr>
-              <p:cNvPr id="23" name="Connecteur droit avec flèche 22"/>
-              <p:cNvCxnSpPr/>
-              <p:nvPr/>
-            </p:nvCxnSpPr>
-            <p:spPr>
-              <a:xfrm>
-                <a:off x="5404564" y="5686540"/>
-                <a:ext cx="1872000" cy="0"/>
-              </a:xfrm>
-              <a:prstGeom prst="straightConnector1">
-                <a:avLst/>
-              </a:prstGeom>
-              <a:ln w="76200">
-                <a:tailEnd type="triangle"/>
-              </a:ln>
-            </p:spPr>
-            <p:style>
-              <a:lnRef idx="2">
-                <a:schemeClr val="dk1"/>
-              </a:lnRef>
-              <a:fillRef idx="0">
-                <a:schemeClr val="dk1"/>
-              </a:fillRef>
-              <a:effectRef idx="1">
-                <a:schemeClr val="dk1"/>
-              </a:effectRef>
-              <a:fontRef idx="minor">
-                <a:schemeClr val="tx1"/>
-              </a:fontRef>
-            </p:style>
-          </p:cxnSp>
-          <p:sp>
-            <p:nvSpPr>
-              <p:cNvPr id="24" name="ZoneTexte 23"/>
-              <p:cNvSpPr txBox="1"/>
-              <p:nvPr/>
-            </p:nvSpPr>
-            <p:spPr>
-              <a:xfrm>
-                <a:off x="5894513" y="5465523"/>
-                <a:ext cx="1065530" cy="472813"/>
-              </a:xfrm>
-              <a:prstGeom prst="rect">
-                <a:avLst/>
-              </a:prstGeom>
-              <a:solidFill>
-                <a:schemeClr val="bg1"/>
-              </a:solidFill>
-            </p:spPr>
-            <p:txBody>
-              <a:bodyPr wrap="none" lIns="72000" tIns="0" rIns="72000" bIns="72000" rtlCol="0">
-                <a:spAutoFit/>
-              </a:bodyPr>
-              <a:lstStyle/>
-              <a:p>
-                <a:r>
-                  <a:rPr lang="en-US" sz="2600" b="1" dirty="0" smtClean="0"/>
-                  <a:t>unlock</a:t>
-                </a:r>
-                <a:endParaRPr lang="en-US" sz="2600" b="1" dirty="0"/>
-              </a:p>
-            </p:txBody>
-          </p:sp>
-        </p:grpSp>
-        <p:cxnSp>
-          <p:nvCxnSpPr>
-            <p:cNvPr id="15" name="Connecteur droit 14"/>
-            <p:cNvCxnSpPr/>
-            <p:nvPr/>
-          </p:nvCxnSpPr>
-          <p:spPr>
-            <a:xfrm>
-              <a:off x="1331640" y="4797152"/>
-              <a:ext cx="6624736" cy="0"/>
-            </a:xfrm>
-            <a:prstGeom prst="line">
-              <a:avLst/>
-            </a:prstGeom>
-            <a:ln w="76200">
-              <a:solidFill>
-                <a:srgbClr val="FF0000"/>
-              </a:solidFill>
-              <a:prstDash val="lgDash"/>
-            </a:ln>
-          </p:spPr>
-          <p:style>
-            <a:lnRef idx="1">
-              <a:schemeClr val="accent1"/>
-            </a:lnRef>
-            <a:fillRef idx="0">
-              <a:schemeClr val="accent1"/>
-            </a:fillRef>
-            <a:effectRef idx="0">
-              <a:schemeClr val="accent1"/>
-            </a:effectRef>
-            <a:fontRef idx="minor">
-              <a:schemeClr val="tx1"/>
-            </a:fontRef>
-          </p:style>
-        </p:cxnSp>
-        <p:sp>
-          <p:nvSpPr>
-            <p:cNvPr id="16" name="ZoneTexte 15"/>
-            <p:cNvSpPr txBox="1"/>
-            <p:nvPr/>
-          </p:nvSpPr>
-          <p:spPr>
-            <a:xfrm>
-              <a:off x="5621640" y="4812392"/>
-              <a:ext cx="524503" cy="830997"/>
-            </a:xfrm>
-            <a:prstGeom prst="rect">
-              <a:avLst/>
-            </a:prstGeom>
-            <a:noFill/>
-          </p:spPr>
-          <p:txBody>
-            <a:bodyPr wrap="none" rtlCol="0">
-              <a:spAutoFit/>
-            </a:bodyPr>
-            <a:lstStyle/>
-            <a:p>
-              <a:r>
-                <a:rPr lang="en-US" sz="4800" b="1" dirty="0" smtClean="0">
-                  <a:solidFill>
-                    <a:srgbClr val="FF0000"/>
-                  </a:solidFill>
-                </a:rPr>
-                <a:t>X</a:t>
-              </a:r>
-              <a:endParaRPr lang="en-US" sz="4800" b="1" dirty="0">
-                <a:solidFill>
-                  <a:srgbClr val="FF0000"/>
-                </a:solidFill>
-              </a:endParaRPr>
-            </a:p>
-          </p:txBody>
-        </p:sp>
-        <p:grpSp>
-          <p:nvGrpSpPr>
-            <p:cNvPr id="17" name="Groupe 50"/>
-            <p:cNvGrpSpPr/>
-            <p:nvPr/>
-          </p:nvGrpSpPr>
-          <p:grpSpPr>
-            <a:xfrm>
-              <a:off x="1820198" y="3717032"/>
-              <a:ext cx="5688000" cy="472813"/>
-              <a:chOff x="1619672" y="5222983"/>
-              <a:chExt cx="5688000" cy="472813"/>
-            </a:xfrm>
-          </p:grpSpPr>
-          <p:cxnSp>
-            <p:nvCxnSpPr>
-              <p:cNvPr id="21" name="Connecteur droit avec flèche 20"/>
-              <p:cNvCxnSpPr/>
-              <p:nvPr/>
-            </p:nvCxnSpPr>
-            <p:spPr>
-              <a:xfrm>
-                <a:off x="1619672" y="5444000"/>
-                <a:ext cx="5688000" cy="0"/>
-              </a:xfrm>
-              <a:prstGeom prst="straightConnector1">
-                <a:avLst/>
-              </a:prstGeom>
-              <a:ln w="76200">
-                <a:tailEnd type="triangle"/>
-              </a:ln>
-            </p:spPr>
-            <p:style>
-              <a:lnRef idx="2">
-                <a:schemeClr val="dk1"/>
-              </a:lnRef>
-              <a:fillRef idx="0">
-                <a:schemeClr val="dk1"/>
-              </a:fillRef>
-              <a:effectRef idx="1">
-                <a:schemeClr val="dk1"/>
-              </a:effectRef>
-              <a:fontRef idx="minor">
-                <a:schemeClr val="tx1"/>
-              </a:fontRef>
-            </p:style>
-          </p:cxnSp>
-          <p:sp>
-            <p:nvSpPr>
-              <p:cNvPr id="22" name="ZoneTexte 21"/>
-              <p:cNvSpPr txBox="1"/>
-              <p:nvPr/>
-            </p:nvSpPr>
-            <p:spPr>
-              <a:xfrm>
-                <a:off x="1779186" y="5222983"/>
-                <a:ext cx="874260" cy="472813"/>
-              </a:xfrm>
-              <a:prstGeom prst="rect">
-                <a:avLst/>
-              </a:prstGeom>
-              <a:solidFill>
-                <a:schemeClr val="bg1"/>
-              </a:solidFill>
-            </p:spPr>
-            <p:txBody>
-              <a:bodyPr wrap="none" lIns="72000" tIns="0" rIns="72000" bIns="72000" rtlCol="0">
-                <a:spAutoFit/>
-              </a:bodyPr>
-              <a:lstStyle/>
-              <a:p>
-                <a:r>
-                  <a:rPr lang="en-US" sz="2600" b="1" dirty="0" smtClean="0"/>
-                  <a:t>press</a:t>
-                </a:r>
-                <a:endParaRPr lang="en-US" sz="2600" b="1" dirty="0"/>
-              </a:p>
-            </p:txBody>
-          </p:sp>
-        </p:grpSp>
-        <p:grpSp>
-          <p:nvGrpSpPr>
-            <p:cNvPr id="18" name="Groupe 51"/>
-            <p:cNvGrpSpPr/>
-            <p:nvPr/>
-          </p:nvGrpSpPr>
-          <p:grpSpPr>
-            <a:xfrm>
-              <a:off x="5605090" y="4139093"/>
-              <a:ext cx="1872000" cy="472813"/>
-              <a:chOff x="5404772" y="5529072"/>
-              <a:chExt cx="1872000" cy="472813"/>
-            </a:xfrm>
-          </p:grpSpPr>
-          <p:cxnSp>
-            <p:nvCxnSpPr>
-              <p:cNvPr id="19" name="Connecteur droit avec flèche 18"/>
-              <p:cNvCxnSpPr/>
-              <p:nvPr/>
-            </p:nvCxnSpPr>
-            <p:spPr>
-              <a:xfrm flipH="1">
-                <a:off x="5404772" y="5764527"/>
-                <a:ext cx="1872000" cy="0"/>
-              </a:xfrm>
-              <a:prstGeom prst="straightConnector1">
-                <a:avLst/>
-              </a:prstGeom>
-              <a:ln w="76200">
-                <a:tailEnd type="triangle"/>
-              </a:ln>
-            </p:spPr>
-            <p:style>
-              <a:lnRef idx="2">
-                <a:schemeClr val="dk1"/>
-              </a:lnRef>
-              <a:fillRef idx="0">
-                <a:schemeClr val="dk1"/>
-              </a:fillRef>
-              <a:effectRef idx="1">
-                <a:schemeClr val="dk1"/>
-              </a:effectRef>
-              <a:fontRef idx="minor">
-                <a:schemeClr val="tx1"/>
-              </a:fontRef>
-            </p:style>
-          </p:cxnSp>
-          <p:sp>
-            <p:nvSpPr>
-              <p:cNvPr id="20" name="ZoneTexte 19"/>
-              <p:cNvSpPr txBox="1"/>
-              <p:nvPr/>
-            </p:nvSpPr>
-            <p:spPr>
-              <a:xfrm>
-                <a:off x="5864264" y="5529072"/>
-                <a:ext cx="1200760" cy="472813"/>
-              </a:xfrm>
-              <a:prstGeom prst="rect">
-                <a:avLst/>
-              </a:prstGeom>
-              <a:solidFill>
-                <a:schemeClr val="bg1"/>
-              </a:solidFill>
-            </p:spPr>
-            <p:txBody>
-              <a:bodyPr wrap="none" lIns="72000" tIns="0" rIns="72000" bIns="72000" rtlCol="0">
-                <a:spAutoFit/>
-              </a:bodyPr>
-              <a:lstStyle/>
-              <a:p>
-                <a:r>
-                  <a:rPr lang="en-US" sz="2600" b="1" dirty="0" smtClean="0"/>
-                  <a:t>request</a:t>
-                </a:r>
-                <a:endParaRPr lang="en-US" sz="2600" b="1" dirty="0"/>
-              </a:p>
-            </p:txBody>
-          </p:sp>
-        </p:grpSp>
       </p:grpSp>
     </p:spTree>
   </p:cSld>
@@ -34759,6 +34365,762 @@
       </p:grpSpPr>
       <p:grpSp>
         <p:nvGrpSpPr>
+          <p:cNvPr id="4" name="Groupe 3"/>
+          <p:cNvGrpSpPr/>
+          <p:nvPr/>
+        </p:nvGrpSpPr>
+        <p:grpSpPr>
+          <a:xfrm>
+            <a:off x="971600" y="1628800"/>
+            <a:ext cx="7272808" cy="4536504"/>
+            <a:chOff x="971600" y="1628800"/>
+            <a:chExt cx="7272808" cy="4536504"/>
+          </a:xfrm>
+        </p:grpSpPr>
+        <p:sp>
+          <p:nvSpPr>
+            <p:cNvPr id="7" name="Arrondir un rectangle avec un coin diagonal 6"/>
+            <p:cNvSpPr/>
+            <p:nvPr/>
+          </p:nvSpPr>
+          <p:spPr>
+            <a:xfrm flipV="1">
+              <a:off x="971600" y="2204864"/>
+              <a:ext cx="7272808" cy="3960440"/>
+            </a:xfrm>
+            <a:prstGeom prst="round2DiagRect">
+              <a:avLst>
+                <a:gd name="adj1" fmla="val 9337"/>
+                <a:gd name="adj2" fmla="val 0"/>
+              </a:avLst>
+            </a:prstGeom>
+            <a:ln w="76200"/>
+          </p:spPr>
+          <p:style>
+            <a:lnRef idx="2">
+              <a:schemeClr val="dk1"/>
+            </a:lnRef>
+            <a:fillRef idx="1">
+              <a:schemeClr val="lt1"/>
+            </a:fillRef>
+            <a:effectRef idx="0">
+              <a:schemeClr val="dk1"/>
+            </a:effectRef>
+            <a:fontRef idx="minor">
+              <a:schemeClr val="dk1"/>
+            </a:fontRef>
+          </p:style>
+          <p:txBody>
+            <a:bodyPr rtlCol="0" anchor="ctr"/>
+            <a:lstStyle/>
+            <a:p>
+              <a:pPr algn="ctr"/>
+              <a:endParaRPr lang="en-US"/>
+            </a:p>
+          </p:txBody>
+        </p:sp>
+        <p:cxnSp>
+          <p:nvCxnSpPr>
+            <p:cNvPr id="8" name="Connecteur droit avec flèche 7"/>
+            <p:cNvCxnSpPr/>
+            <p:nvPr/>
+          </p:nvCxnSpPr>
+          <p:spPr>
+            <a:xfrm>
+              <a:off x="1799692" y="3665219"/>
+              <a:ext cx="0" cy="2268000"/>
+            </a:xfrm>
+            <a:prstGeom prst="straightConnector1">
+              <a:avLst/>
+            </a:prstGeom>
+            <a:ln w="76200">
+              <a:tailEnd type="triangle"/>
+            </a:ln>
+          </p:spPr>
+          <p:style>
+            <a:lnRef idx="3">
+              <a:schemeClr val="dk1"/>
+            </a:lnRef>
+            <a:fillRef idx="0">
+              <a:schemeClr val="dk1"/>
+            </a:fillRef>
+            <a:effectRef idx="2">
+              <a:schemeClr val="dk1"/>
+            </a:effectRef>
+            <a:fontRef idx="minor">
+              <a:schemeClr val="tx1"/>
+            </a:fontRef>
+          </p:style>
+        </p:cxnSp>
+        <p:cxnSp>
+          <p:nvCxnSpPr>
+            <p:cNvPr id="9" name="Connecteur droit avec flèche 8"/>
+            <p:cNvCxnSpPr/>
+            <p:nvPr/>
+          </p:nvCxnSpPr>
+          <p:spPr>
+            <a:xfrm>
+              <a:off x="3695903" y="3665219"/>
+              <a:ext cx="0" cy="2268000"/>
+            </a:xfrm>
+            <a:prstGeom prst="straightConnector1">
+              <a:avLst/>
+            </a:prstGeom>
+            <a:ln w="76200">
+              <a:tailEnd type="triangle"/>
+            </a:ln>
+          </p:spPr>
+          <p:style>
+            <a:lnRef idx="3">
+              <a:schemeClr val="dk1"/>
+            </a:lnRef>
+            <a:fillRef idx="0">
+              <a:schemeClr val="dk1"/>
+            </a:fillRef>
+            <a:effectRef idx="2">
+              <a:schemeClr val="dk1"/>
+            </a:effectRef>
+            <a:fontRef idx="minor">
+              <a:schemeClr val="tx1"/>
+            </a:fontRef>
+          </p:style>
+        </p:cxnSp>
+        <p:cxnSp>
+          <p:nvCxnSpPr>
+            <p:cNvPr id="10" name="Connecteur droit avec flèche 9"/>
+            <p:cNvCxnSpPr/>
+            <p:nvPr/>
+          </p:nvCxnSpPr>
+          <p:spPr>
+            <a:xfrm>
+              <a:off x="5592114" y="3665219"/>
+              <a:ext cx="0" cy="2268000"/>
+            </a:xfrm>
+            <a:prstGeom prst="straightConnector1">
+              <a:avLst/>
+            </a:prstGeom>
+            <a:ln w="76200">
+              <a:tailEnd type="triangle"/>
+            </a:ln>
+          </p:spPr>
+          <p:style>
+            <a:lnRef idx="3">
+              <a:schemeClr val="dk1"/>
+            </a:lnRef>
+            <a:fillRef idx="0">
+              <a:schemeClr val="dk1"/>
+            </a:fillRef>
+            <a:effectRef idx="2">
+              <a:schemeClr val="dk1"/>
+            </a:effectRef>
+            <a:fontRef idx="minor">
+              <a:schemeClr val="tx1"/>
+            </a:fontRef>
+          </p:style>
+        </p:cxnSp>
+        <p:cxnSp>
+          <p:nvCxnSpPr>
+            <p:cNvPr id="11" name="Connecteur droit avec flèche 10"/>
+            <p:cNvCxnSpPr/>
+            <p:nvPr/>
+          </p:nvCxnSpPr>
+          <p:spPr>
+            <a:xfrm>
+              <a:off x="7488324" y="3665219"/>
+              <a:ext cx="0" cy="2268000"/>
+            </a:xfrm>
+            <a:prstGeom prst="straightConnector1">
+              <a:avLst/>
+            </a:prstGeom>
+            <a:ln w="76200">
+              <a:tailEnd type="triangle"/>
+            </a:ln>
+          </p:spPr>
+          <p:style>
+            <a:lnRef idx="3">
+              <a:schemeClr val="dk1"/>
+            </a:lnRef>
+            <a:fillRef idx="0">
+              <a:schemeClr val="dk1"/>
+            </a:fillRef>
+            <a:effectRef idx="2">
+              <a:schemeClr val="dk1"/>
+            </a:effectRef>
+            <a:fontRef idx="minor">
+              <a:schemeClr val="tx1"/>
+            </a:fontRef>
+          </p:style>
+        </p:cxnSp>
+        <p:grpSp>
+          <p:nvGrpSpPr>
+            <p:cNvPr id="12" name="Groupe 13"/>
+            <p:cNvGrpSpPr/>
+            <p:nvPr/>
+          </p:nvGrpSpPr>
+          <p:grpSpPr>
+            <a:xfrm>
+              <a:off x="1223628" y="2328941"/>
+              <a:ext cx="6696744" cy="1264270"/>
+              <a:chOff x="755576" y="1628800"/>
+              <a:chExt cx="6696744" cy="1264270"/>
+            </a:xfrm>
+          </p:grpSpPr>
+          <p:pic>
+            <p:nvPicPr>
+              <p:cNvPr id="25" name="Image 24" descr="attache-velib.jpg"/>
+              <p:cNvPicPr>
+                <a:picLocks noChangeAspect="1"/>
+              </p:cNvPicPr>
+              <p:nvPr/>
+            </p:nvPicPr>
+            <p:blipFill>
+              <a:blip r:embed="rId2" cstate="print"/>
+              <a:stretch>
+                <a:fillRect/>
+              </a:stretch>
+            </p:blipFill>
+            <p:spPr>
+              <a:xfrm>
+                <a:off x="6563353" y="1629768"/>
+                <a:ext cx="888967" cy="1262333"/>
+              </a:xfrm>
+              <a:prstGeom prst="rect">
+                <a:avLst/>
+              </a:prstGeom>
+            </p:spPr>
+          </p:pic>
+          <p:pic>
+            <p:nvPicPr>
+              <p:cNvPr id="26" name="Image 7" descr="velo.jpg"/>
+              <p:cNvPicPr>
+                <a:picLocks noChangeAspect="1"/>
+              </p:cNvPicPr>
+              <p:nvPr/>
+            </p:nvPicPr>
+            <p:blipFill>
+              <a:blip r:embed="rId3" cstate="print"/>
+              <a:stretch>
+                <a:fillRect/>
+              </a:stretch>
+            </p:blipFill>
+            <p:spPr>
+              <a:xfrm>
+                <a:off x="755576" y="1759586"/>
+                <a:ext cx="1014634" cy="1002697"/>
+              </a:xfrm>
+              <a:prstGeom prst="rect">
+                <a:avLst/>
+              </a:prstGeom>
+            </p:spPr>
+          </p:pic>
+          <p:grpSp>
+            <p:nvGrpSpPr>
+              <p:cNvPr id="27" name="Groupe 22"/>
+              <p:cNvGrpSpPr/>
+              <p:nvPr/>
+            </p:nvGrpSpPr>
+            <p:grpSpPr>
+              <a:xfrm>
+                <a:off x="2882790" y="1768567"/>
+                <a:ext cx="837053" cy="984736"/>
+                <a:chOff x="2849290" y="2018507"/>
+                <a:chExt cx="1382585" cy="1626517"/>
+              </a:xfrm>
+            </p:grpSpPr>
+            <p:pic>
+              <p:nvPicPr>
+                <p:cNvPr id="29" name="Image 10" descr="cloud.JPG"/>
+                <p:cNvPicPr>
+                  <a:picLocks noChangeAspect="1"/>
+                </p:cNvPicPr>
+                <p:nvPr/>
+              </p:nvPicPr>
+              <p:blipFill>
+                <a:blip r:embed="rId4" cstate="print"/>
+                <a:stretch>
+                  <a:fillRect/>
+                </a:stretch>
+              </p:blipFill>
+              <p:spPr>
+                <a:xfrm>
+                  <a:off x="2862611" y="2018507"/>
+                  <a:ext cx="1369264" cy="844334"/>
+                </a:xfrm>
+                <a:prstGeom prst="rect">
+                  <a:avLst/>
+                </a:prstGeom>
+              </p:spPr>
+            </p:pic>
+            <p:pic>
+              <p:nvPicPr>
+                <p:cNvPr id="30" name="Image 11" descr="database.jpg"/>
+                <p:cNvPicPr>
+                  <a:picLocks noChangeAspect="1"/>
+                </p:cNvPicPr>
+                <p:nvPr/>
+              </p:nvPicPr>
+              <p:blipFill>
+                <a:blip r:embed="rId5" cstate="print"/>
+                <a:stretch>
+                  <a:fillRect/>
+                </a:stretch>
+              </p:blipFill>
+              <p:spPr>
+                <a:xfrm>
+                  <a:off x="2849290" y="2852936"/>
+                  <a:ext cx="645552" cy="792088"/>
+                </a:xfrm>
+                <a:prstGeom prst="rect">
+                  <a:avLst/>
+                </a:prstGeom>
+              </p:spPr>
+            </p:pic>
+            <p:pic>
+              <p:nvPicPr>
+                <p:cNvPr id="31" name="Image 12" descr="database.jpg"/>
+                <p:cNvPicPr>
+                  <a:picLocks noChangeAspect="1"/>
+                </p:cNvPicPr>
+                <p:nvPr/>
+              </p:nvPicPr>
+              <p:blipFill>
+                <a:blip r:embed="rId5" cstate="print"/>
+                <a:stretch>
+                  <a:fillRect/>
+                </a:stretch>
+              </p:blipFill>
+              <p:spPr>
+                <a:xfrm>
+                  <a:off x="3563888" y="2852936"/>
+                  <a:ext cx="645552" cy="792088"/>
+                </a:xfrm>
+                <a:prstGeom prst="rect">
+                  <a:avLst/>
+                </a:prstGeom>
+              </p:spPr>
+            </p:pic>
+          </p:grpSp>
+          <p:pic>
+            <p:nvPicPr>
+              <p:cNvPr id="28" name="Image 9" descr="borne-velib.jpg"/>
+              <p:cNvPicPr>
+                <a:picLocks noChangeAspect="1"/>
+              </p:cNvPicPr>
+              <p:nvPr/>
+            </p:nvPicPr>
+            <p:blipFill>
+              <a:blip r:embed="rId6" cstate="print"/>
+              <a:stretch>
+                <a:fillRect/>
+              </a:stretch>
+            </p:blipFill>
+            <p:spPr>
+              <a:xfrm>
+                <a:off x="4832423" y="1628800"/>
+                <a:ext cx="618350" cy="1264270"/>
+              </a:xfrm>
+              <a:prstGeom prst="rect">
+                <a:avLst/>
+              </a:prstGeom>
+            </p:spPr>
+          </p:pic>
+        </p:grpSp>
+        <p:sp>
+          <p:nvSpPr>
+            <p:cNvPr id="13" name="Arrondir un rectangle avec un coin du même côté 12"/>
+            <p:cNvSpPr/>
+            <p:nvPr/>
+          </p:nvSpPr>
+          <p:spPr>
+            <a:xfrm>
+              <a:off x="971600" y="1628800"/>
+              <a:ext cx="2880320" cy="577510"/>
+            </a:xfrm>
+            <a:prstGeom prst="round2SameRect">
+              <a:avLst/>
+            </a:prstGeom>
+            <a:ln w="76200"/>
+          </p:spPr>
+          <p:style>
+            <a:lnRef idx="2">
+              <a:schemeClr val="dk1"/>
+            </a:lnRef>
+            <a:fillRef idx="1">
+              <a:schemeClr val="lt1"/>
+            </a:fillRef>
+            <a:effectRef idx="0">
+              <a:schemeClr val="dk1"/>
+            </a:effectRef>
+            <a:fontRef idx="minor">
+              <a:schemeClr val="dk1"/>
+            </a:fontRef>
+          </p:style>
+          <p:txBody>
+            <a:bodyPr rtlCol="0" anchor="ctr">
+              <a:noAutofit/>
+            </a:bodyPr>
+            <a:lstStyle/>
+            <a:p>
+              <a:pPr algn="ctr"/>
+              <a:r>
+                <a:rPr lang="en-US" sz="2800" dirty="0" smtClean="0">
+                  <a:latin typeface="Berlin Sans FB" pitchFamily="34" charset="0"/>
+                </a:rPr>
+                <a:t>Invalid Pickup</a:t>
+              </a:r>
+              <a:endParaRPr lang="en-US" sz="2800" dirty="0" smtClean="0"/>
+            </a:p>
+          </p:txBody>
+        </p:sp>
+        <p:grpSp>
+          <p:nvGrpSpPr>
+            <p:cNvPr id="14" name="Groupe 49"/>
+            <p:cNvGrpSpPr/>
+            <p:nvPr/>
+          </p:nvGrpSpPr>
+          <p:grpSpPr>
+            <a:xfrm>
+              <a:off x="5605090" y="5003189"/>
+              <a:ext cx="1872000" cy="472813"/>
+              <a:chOff x="5404564" y="5465523"/>
+              <a:chExt cx="1872000" cy="472813"/>
+            </a:xfrm>
+          </p:grpSpPr>
+          <p:cxnSp>
+            <p:nvCxnSpPr>
+              <p:cNvPr id="23" name="Connecteur droit avec flèche 22"/>
+              <p:cNvCxnSpPr/>
+              <p:nvPr/>
+            </p:nvCxnSpPr>
+            <p:spPr>
+              <a:xfrm>
+                <a:off x="5404564" y="5686540"/>
+                <a:ext cx="1872000" cy="0"/>
+              </a:xfrm>
+              <a:prstGeom prst="straightConnector1">
+                <a:avLst/>
+              </a:prstGeom>
+              <a:ln w="76200">
+                <a:tailEnd type="triangle"/>
+              </a:ln>
+            </p:spPr>
+            <p:style>
+              <a:lnRef idx="2">
+                <a:schemeClr val="dk1"/>
+              </a:lnRef>
+              <a:fillRef idx="0">
+                <a:schemeClr val="dk1"/>
+              </a:fillRef>
+              <a:effectRef idx="1">
+                <a:schemeClr val="dk1"/>
+              </a:effectRef>
+              <a:fontRef idx="minor">
+                <a:schemeClr val="tx1"/>
+              </a:fontRef>
+            </p:style>
+          </p:cxnSp>
+          <p:sp>
+            <p:nvSpPr>
+              <p:cNvPr id="24" name="ZoneTexte 23"/>
+              <p:cNvSpPr txBox="1"/>
+              <p:nvPr/>
+            </p:nvSpPr>
+            <p:spPr>
+              <a:xfrm>
+                <a:off x="5894513" y="5465523"/>
+                <a:ext cx="1065530" cy="472813"/>
+              </a:xfrm>
+              <a:prstGeom prst="rect">
+                <a:avLst/>
+              </a:prstGeom>
+              <a:solidFill>
+                <a:schemeClr val="bg1"/>
+              </a:solidFill>
+            </p:spPr>
+            <p:txBody>
+              <a:bodyPr wrap="none" lIns="72000" tIns="0" rIns="72000" bIns="72000" rtlCol="0">
+                <a:spAutoFit/>
+              </a:bodyPr>
+              <a:lstStyle/>
+              <a:p>
+                <a:r>
+                  <a:rPr lang="en-US" sz="2600" b="1" dirty="0" smtClean="0"/>
+                  <a:t>unlock</a:t>
+                </a:r>
+                <a:endParaRPr lang="en-US" sz="2600" b="1" dirty="0"/>
+              </a:p>
+            </p:txBody>
+          </p:sp>
+        </p:grpSp>
+        <p:cxnSp>
+          <p:nvCxnSpPr>
+            <p:cNvPr id="15" name="Connecteur droit 14"/>
+            <p:cNvCxnSpPr/>
+            <p:nvPr/>
+          </p:nvCxnSpPr>
+          <p:spPr>
+            <a:xfrm>
+              <a:off x="1331640" y="4797152"/>
+              <a:ext cx="6624736" cy="0"/>
+            </a:xfrm>
+            <a:prstGeom prst="line">
+              <a:avLst/>
+            </a:prstGeom>
+            <a:ln w="76200">
+              <a:solidFill>
+                <a:srgbClr val="FF0000"/>
+              </a:solidFill>
+              <a:prstDash val="lgDash"/>
+            </a:ln>
+          </p:spPr>
+          <p:style>
+            <a:lnRef idx="1">
+              <a:schemeClr val="accent1"/>
+            </a:lnRef>
+            <a:fillRef idx="0">
+              <a:schemeClr val="accent1"/>
+            </a:fillRef>
+            <a:effectRef idx="0">
+              <a:schemeClr val="accent1"/>
+            </a:effectRef>
+            <a:fontRef idx="minor">
+              <a:schemeClr val="tx1"/>
+            </a:fontRef>
+          </p:style>
+        </p:cxnSp>
+        <p:sp>
+          <p:nvSpPr>
+            <p:cNvPr id="16" name="ZoneTexte 15"/>
+            <p:cNvSpPr txBox="1"/>
+            <p:nvPr/>
+          </p:nvSpPr>
+          <p:spPr>
+            <a:xfrm>
+              <a:off x="5621640" y="4812392"/>
+              <a:ext cx="524503" cy="830997"/>
+            </a:xfrm>
+            <a:prstGeom prst="rect">
+              <a:avLst/>
+            </a:prstGeom>
+            <a:noFill/>
+          </p:spPr>
+          <p:txBody>
+            <a:bodyPr wrap="none" rtlCol="0">
+              <a:spAutoFit/>
+            </a:bodyPr>
+            <a:lstStyle/>
+            <a:p>
+              <a:r>
+                <a:rPr lang="en-US" sz="4800" b="1" dirty="0" smtClean="0">
+                  <a:solidFill>
+                    <a:srgbClr val="FF0000"/>
+                  </a:solidFill>
+                </a:rPr>
+                <a:t>X</a:t>
+              </a:r>
+              <a:endParaRPr lang="en-US" sz="4800" b="1" dirty="0">
+                <a:solidFill>
+                  <a:srgbClr val="FF0000"/>
+                </a:solidFill>
+              </a:endParaRPr>
+            </a:p>
+          </p:txBody>
+        </p:sp>
+        <p:grpSp>
+          <p:nvGrpSpPr>
+            <p:cNvPr id="17" name="Groupe 50"/>
+            <p:cNvGrpSpPr/>
+            <p:nvPr/>
+          </p:nvGrpSpPr>
+          <p:grpSpPr>
+            <a:xfrm>
+              <a:off x="1820198" y="3717032"/>
+              <a:ext cx="5688000" cy="472813"/>
+              <a:chOff x="1619672" y="5222983"/>
+              <a:chExt cx="5688000" cy="472813"/>
+            </a:xfrm>
+          </p:grpSpPr>
+          <p:cxnSp>
+            <p:nvCxnSpPr>
+              <p:cNvPr id="21" name="Connecteur droit avec flèche 20"/>
+              <p:cNvCxnSpPr/>
+              <p:nvPr/>
+            </p:nvCxnSpPr>
+            <p:spPr>
+              <a:xfrm>
+                <a:off x="1619672" y="5444000"/>
+                <a:ext cx="5688000" cy="0"/>
+              </a:xfrm>
+              <a:prstGeom prst="straightConnector1">
+                <a:avLst/>
+              </a:prstGeom>
+              <a:ln w="76200">
+                <a:tailEnd type="triangle"/>
+              </a:ln>
+            </p:spPr>
+            <p:style>
+              <a:lnRef idx="2">
+                <a:schemeClr val="dk1"/>
+              </a:lnRef>
+              <a:fillRef idx="0">
+                <a:schemeClr val="dk1"/>
+              </a:fillRef>
+              <a:effectRef idx="1">
+                <a:schemeClr val="dk1"/>
+              </a:effectRef>
+              <a:fontRef idx="minor">
+                <a:schemeClr val="tx1"/>
+              </a:fontRef>
+            </p:style>
+          </p:cxnSp>
+          <p:sp>
+            <p:nvSpPr>
+              <p:cNvPr id="22" name="ZoneTexte 21"/>
+              <p:cNvSpPr txBox="1"/>
+              <p:nvPr/>
+            </p:nvSpPr>
+            <p:spPr>
+              <a:xfrm>
+                <a:off x="1779186" y="5222983"/>
+                <a:ext cx="874260" cy="472813"/>
+              </a:xfrm>
+              <a:prstGeom prst="rect">
+                <a:avLst/>
+              </a:prstGeom>
+              <a:solidFill>
+                <a:schemeClr val="bg1"/>
+              </a:solidFill>
+            </p:spPr>
+            <p:txBody>
+              <a:bodyPr wrap="none" lIns="72000" tIns="0" rIns="72000" bIns="72000" rtlCol="0">
+                <a:spAutoFit/>
+              </a:bodyPr>
+              <a:lstStyle/>
+              <a:p>
+                <a:r>
+                  <a:rPr lang="en-US" sz="2600" b="1" dirty="0" smtClean="0"/>
+                  <a:t>press</a:t>
+                </a:r>
+                <a:endParaRPr lang="en-US" sz="2600" b="1" dirty="0"/>
+              </a:p>
+            </p:txBody>
+          </p:sp>
+        </p:grpSp>
+        <p:grpSp>
+          <p:nvGrpSpPr>
+            <p:cNvPr id="18" name="Groupe 51"/>
+            <p:cNvGrpSpPr/>
+            <p:nvPr/>
+          </p:nvGrpSpPr>
+          <p:grpSpPr>
+            <a:xfrm>
+              <a:off x="5605090" y="4139093"/>
+              <a:ext cx="1872000" cy="472813"/>
+              <a:chOff x="5404772" y="5529072"/>
+              <a:chExt cx="1872000" cy="472813"/>
+            </a:xfrm>
+          </p:grpSpPr>
+          <p:cxnSp>
+            <p:nvCxnSpPr>
+              <p:cNvPr id="19" name="Connecteur droit avec flèche 18"/>
+              <p:cNvCxnSpPr/>
+              <p:nvPr/>
+            </p:nvCxnSpPr>
+            <p:spPr>
+              <a:xfrm flipH="1">
+                <a:off x="5404772" y="5764527"/>
+                <a:ext cx="1872000" cy="0"/>
+              </a:xfrm>
+              <a:prstGeom prst="straightConnector1">
+                <a:avLst/>
+              </a:prstGeom>
+              <a:ln w="76200">
+                <a:tailEnd type="triangle"/>
+              </a:ln>
+            </p:spPr>
+            <p:style>
+              <a:lnRef idx="2">
+                <a:schemeClr val="dk1"/>
+              </a:lnRef>
+              <a:fillRef idx="0">
+                <a:schemeClr val="dk1"/>
+              </a:fillRef>
+              <a:effectRef idx="1">
+                <a:schemeClr val="dk1"/>
+              </a:effectRef>
+              <a:fontRef idx="minor">
+                <a:schemeClr val="tx1"/>
+              </a:fontRef>
+            </p:style>
+          </p:cxnSp>
+          <p:sp>
+            <p:nvSpPr>
+              <p:cNvPr id="20" name="ZoneTexte 19"/>
+              <p:cNvSpPr txBox="1"/>
+              <p:nvPr/>
+            </p:nvSpPr>
+            <p:spPr>
+              <a:xfrm>
+                <a:off x="5864264" y="5529072"/>
+                <a:ext cx="1200760" cy="472813"/>
+              </a:xfrm>
+              <a:prstGeom prst="rect">
+                <a:avLst/>
+              </a:prstGeom>
+              <a:solidFill>
+                <a:schemeClr val="bg1"/>
+              </a:solidFill>
+            </p:spPr>
+            <p:txBody>
+              <a:bodyPr wrap="none" lIns="72000" tIns="0" rIns="72000" bIns="72000" rtlCol="0">
+                <a:spAutoFit/>
+              </a:bodyPr>
+              <a:lstStyle/>
+              <a:p>
+                <a:r>
+                  <a:rPr lang="en-US" sz="2600" b="1" dirty="0" smtClean="0"/>
+                  <a:t>request</a:t>
+                </a:r>
+                <a:endParaRPr lang="en-US" sz="2600" b="1" dirty="0"/>
+              </a:p>
+            </p:txBody>
+          </p:sp>
+        </p:grpSp>
+      </p:grpSp>
+    </p:spTree>
+  </p:cSld>
+  <p:clrMapOvr>
+    <a:masterClrMapping/>
+  </p:clrMapOvr>
+  <p:timing>
+    <p:tnLst>
+      <p:par>
+        <p:cTn id="1" dur="indefinite" restart="never" nodeType="tmRoot"/>
+      </p:par>
+    </p:tnLst>
+  </p:timing>
+</p:sld>
+</file>
+
+<file path=ppt/slides/slide51.xml><?xml version="1.0" encoding="utf-8"?>
+<p:sld xmlns:a="http://schemas.openxmlformats.org/drawingml/2006/main" xmlns:r="http://schemas.openxmlformats.org/officeDocument/2006/relationships" xmlns:p="http://schemas.openxmlformats.org/presentationml/2006/main">
+  <p:cSld>
+    <p:spTree>
+      <p:nvGrpSpPr>
+        <p:cNvPr id="1" name=""/>
+        <p:cNvGrpSpPr/>
+        <p:nvPr/>
+      </p:nvGrpSpPr>
+      <p:grpSpPr>
+        <a:xfrm>
+          <a:off x="0" y="0"/>
+          <a:ext cx="0" cy="0"/>
+          <a:chOff x="0" y="0"/>
+          <a:chExt cx="0" cy="0"/>
+        </a:xfrm>
+      </p:grpSpPr>
+      <p:grpSp>
+        <p:nvGrpSpPr>
           <p:cNvPr id="4" name="Groupe 78"/>
           <p:cNvGrpSpPr/>
           <p:nvPr/>
@@ -36666,7 +37028,7 @@
 </p:sld>
 </file>
 
-<file path=ppt/slides/slide51.xml><?xml version="1.0" encoding="utf-8"?>
+<file path=ppt/slides/slide52.xml><?xml version="1.0" encoding="utf-8"?>
 <p:sld xmlns:a="http://schemas.openxmlformats.org/drawingml/2006/main" xmlns:r="http://schemas.openxmlformats.org/officeDocument/2006/relationships" xmlns:p="http://schemas.openxmlformats.org/presentationml/2006/main">
   <p:cSld>
     <p:spTree>
@@ -37557,11 +37919,7 @@
             </a:r>
             <a:r>
               <a:rPr lang="en-US" sz="2800" dirty="0" smtClean="0"/>
-              <a:t>[Fea87, </a:t>
-            </a:r>
-            <a:r>
-              <a:rPr lang="en-US" sz="2800" dirty="0" smtClean="0"/>
-              <a:t>Avl09]</a:t>
+              <a:t>[Fea87, Avl09]</a:t>
             </a:r>
             <a:endParaRPr lang="en-US" dirty="0" smtClean="0"/>
           </a:p>
@@ -37577,11 +37935,7 @@
             </a:r>
             <a:r>
               <a:rPr lang="en-US" i="1" dirty="0" smtClean="0"/>
-              <a:t>software </a:t>
-            </a:r>
-            <a:r>
-              <a:rPr lang="en-US" i="1" dirty="0" smtClean="0"/>
-              <a:t> </a:t>
+              <a:t>software  </a:t>
             </a:r>
             <a:r>
               <a:rPr lang="en-US" dirty="0" smtClean="0"/>
@@ -37593,11 +37947,7 @@
             </a:r>
             <a:r>
               <a:rPr lang="en-US" dirty="0" smtClean="0"/>
-              <a:t>automated </a:t>
-            </a:r>
-            <a:r>
-              <a:rPr lang="en-US" dirty="0" smtClean="0"/>
-              <a:t>agents</a:t>
+              <a:t>automated agents</a:t>
             </a:r>
           </a:p>
           <a:p>
@@ -37608,13 +37958,8 @@
             </a:pPr>
             <a:r>
               <a:rPr lang="en-US" dirty="0" smtClean="0"/>
-              <a:t>Others are</a:t>
+              <a:t>Others are human beings, electronic devices, etc.</a:t>
             </a:r>
-            <a:r>
-              <a:rPr lang="en-US" dirty="0" smtClean="0"/>
-              <a:t> human beings, electronic devices, etc.</a:t>
-            </a:r>
-            <a:endParaRPr lang="en-US" dirty="0" smtClean="0"/>
           </a:p>
         </p:txBody>
       </p:sp>
